--- a/L4-3.pptx
+++ b/L4-3.pptx
@@ -5,41 +5,39 @@
     <p:sldMasterId id="2147483648" r:id="rId1"/>
   </p:sldMasterIdLst>
   <p:notesMasterIdLst>
-    <p:notesMasterId r:id="rId22"/>
+    <p:notesMasterId r:id="rId29"/>
   </p:notesMasterIdLst>
   <p:sldIdLst>
     <p:sldId id="256" r:id="rId2"/>
-    <p:sldId id="258" r:id="rId3"/>
-    <p:sldId id="263" r:id="rId4"/>
-    <p:sldId id="275" r:id="rId5"/>
-    <p:sldId id="276" r:id="rId6"/>
-    <p:sldId id="277" r:id="rId7"/>
-    <p:sldId id="279" r:id="rId8"/>
-    <p:sldId id="280" r:id="rId9"/>
-    <p:sldId id="281" r:id="rId10"/>
-    <p:sldId id="282" r:id="rId11"/>
-    <p:sldId id="284" r:id="rId12"/>
-    <p:sldId id="285" r:id="rId13"/>
-    <p:sldId id="286" r:id="rId14"/>
-    <p:sldId id="287" r:id="rId15"/>
-    <p:sldId id="288" r:id="rId16"/>
-    <p:sldId id="289" r:id="rId17"/>
-    <p:sldId id="290" r:id="rId18"/>
-    <p:sldId id="283" r:id="rId19"/>
-    <p:sldId id="273" r:id="rId20"/>
-    <p:sldId id="292" r:id="rId21"/>
+    <p:sldId id="298" r:id="rId3"/>
+    <p:sldId id="297" r:id="rId4"/>
+    <p:sldId id="299" r:id="rId5"/>
+    <p:sldId id="301" r:id="rId6"/>
+    <p:sldId id="258" r:id="rId7"/>
+    <p:sldId id="263" r:id="rId8"/>
+    <p:sldId id="275" r:id="rId9"/>
+    <p:sldId id="276" r:id="rId10"/>
+    <p:sldId id="300" r:id="rId11"/>
+    <p:sldId id="277" r:id="rId12"/>
+    <p:sldId id="279" r:id="rId13"/>
+    <p:sldId id="293" r:id="rId14"/>
+    <p:sldId id="280" r:id="rId15"/>
+    <p:sldId id="281" r:id="rId16"/>
+    <p:sldId id="282" r:id="rId17"/>
+    <p:sldId id="294" r:id="rId18"/>
+    <p:sldId id="284" r:id="rId19"/>
+    <p:sldId id="295" r:id="rId20"/>
+    <p:sldId id="285" r:id="rId21"/>
+    <p:sldId id="286" r:id="rId22"/>
+    <p:sldId id="287" r:id="rId23"/>
+    <p:sldId id="296" r:id="rId24"/>
+    <p:sldId id="288" r:id="rId25"/>
+    <p:sldId id="289" r:id="rId26"/>
+    <p:sldId id="290" r:id="rId27"/>
+    <p:sldId id="283" r:id="rId28"/>
   </p:sldIdLst>
   <p:sldSz cx="9144000" cy="6858000" type="screen4x3"/>
   <p:notesSz cx="6858000" cy="9144000"/>
-  <p:embeddedFontLst>
-    <p:embeddedFont>
-      <p:font typeface="Calibri" panose="020F0502020204030204" pitchFamily="34" charset="0"/>
-      <p:regular r:id="rId23"/>
-      <p:bold r:id="rId24"/>
-      <p:italic r:id="rId25"/>
-      <p:boldItalic r:id="rId26"/>
-    </p:embeddedFont>
-  </p:embeddedFontLst>
   <p:defaultTextStyle>
     <a:defPPr marR="0" lvl="0" algn="l" rtl="0">
       <a:lnSpc>
@@ -285,7 +283,7 @@
       </p15:sldGuideLst>
     </p:ext>
     <p:ext uri="http://customooxmlschemas.google.com/">
-      <go:slidesCustomData xmlns="" xmlns:mc="http://schemas.openxmlformats.org/markup-compatibility/2006" xmlns:mv="urn:schemas-microsoft-com:mac:vml" xmlns:c="http://schemas.openxmlformats.org/drawingml/2006/chart" xmlns:dgm="http://schemas.openxmlformats.org/drawingml/2006/diagram" xmlns:o="urn:schemas-microsoft-com:office:office" xmlns:v="urn:schemas-microsoft-com:vml" xmlns:pvml="urn:schemas-microsoft-com:office:powerpoint" xmlns:com="http://schemas.openxmlformats.org/drawingml/2006/compatibility" xmlns:p14="http://schemas.microsoft.com/office/powerpoint/2010/main" xmlns:p15="http://schemas.microsoft.com/office/powerpoint/2012/main" xmlns:ahyp="http://schemas.microsoft.com/office/drawing/2018/hyperlinkcolor" xmlns:go="http://customooxmlschemas.google.com/" r:id="rId27" roundtripDataSignature="AMtx7mhuBirG7ZPSvPNLrAnDSwPhBAMDZQ=="/>
+      <go:slidesCustomData xmlns:go="http://customooxmlschemas.google.com/" xmlns:ahyp="http://schemas.microsoft.com/office/drawing/2018/hyperlinkcolor" xmlns:p15="http://schemas.microsoft.com/office/powerpoint/2012/main" xmlns:p14="http://schemas.microsoft.com/office/powerpoint/2010/main" xmlns:com="http://schemas.openxmlformats.org/drawingml/2006/compatibility" xmlns:pvml="urn:schemas-microsoft-com:office:powerpoint" xmlns:v="urn:schemas-microsoft-com:vml" xmlns:o="urn:schemas-microsoft-com:office:office" xmlns:dgm="http://schemas.openxmlformats.org/drawingml/2006/diagram" xmlns:c="http://schemas.openxmlformats.org/drawingml/2006/chart" xmlns:mv="urn:schemas-microsoft-com:mac:vml" xmlns:mc="http://schemas.openxmlformats.org/markup-compatibility/2006" xmlns="" r:id="rId30" roundtripDataSignature="AMtx7mhuBirG7ZPSvPNLrAnDSwPhBAMDZQ=="/>
     </p:ext>
   </p:extLst>
 </p:presentation>
@@ -1917,6 +1915,183 @@
 </file>
 
 <file path=ppt/notesSlides/notesSlide10.xml><?xml version="1.0" encoding="utf-8"?>
+<p:notes xmlns:a="http://schemas.openxmlformats.org/drawingml/2006/main" xmlns:r="http://schemas.openxmlformats.org/officeDocument/2006/relationships" xmlns:p="http://schemas.openxmlformats.org/presentationml/2006/main" showMasterSp="0" showMasterPhAnim="0">
+  <p:cSld>
+    <p:spTree>
+      <p:nvGrpSpPr>
+        <p:cNvPr id="1" name="Shape 169"/>
+        <p:cNvGrpSpPr/>
+        <p:nvPr/>
+      </p:nvGrpSpPr>
+      <p:grpSpPr>
+        <a:xfrm>
+          <a:off x="0" y="0"/>
+          <a:ext cx="0" cy="0"/>
+          <a:chOff x="0" y="0"/>
+          <a:chExt cx="0" cy="0"/>
+        </a:xfrm>
+      </p:grpSpPr>
+      <p:sp>
+        <p:nvSpPr>
+          <p:cNvPr id="170" name="Google Shape;170;g10ebb404171_0_179:notes"/>
+          <p:cNvSpPr>
+            <a:spLocks noGrp="1" noRot="1" noChangeAspect="1"/>
+          </p:cNvSpPr>
+          <p:nvPr>
+            <p:ph type="sldImg" idx="2"/>
+          </p:nvPr>
+        </p:nvSpPr>
+        <p:spPr>
+          <a:xfrm>
+            <a:off x="1371600" y="1143000"/>
+            <a:ext cx="4114800" cy="3086100"/>
+          </a:xfrm>
+          <a:custGeom>
+            <a:avLst/>
+            <a:gdLst/>
+            <a:ahLst/>
+            <a:cxnLst/>
+            <a:rect l="l" t="t" r="r" b="b"/>
+            <a:pathLst>
+              <a:path w="120000" h="120000" extrusionOk="0">
+                <a:moveTo>
+                  <a:pt x="0" y="0"/>
+                </a:moveTo>
+                <a:lnTo>
+                  <a:pt x="120000" y="0"/>
+                </a:lnTo>
+                <a:lnTo>
+                  <a:pt x="120000" y="120000"/>
+                </a:lnTo>
+                <a:lnTo>
+                  <a:pt x="0" y="120000"/>
+                </a:lnTo>
+                <a:close/>
+              </a:path>
+            </a:pathLst>
+          </a:custGeom>
+          <a:noFill/>
+          <a:ln w="12700" cap="flat" cmpd="sng">
+            <a:solidFill>
+              <a:srgbClr val="000000"/>
+            </a:solidFill>
+            <a:prstDash val="solid"/>
+            <a:round/>
+            <a:headEnd type="none" w="sm" len="sm"/>
+            <a:tailEnd type="none" w="sm" len="sm"/>
+          </a:ln>
+        </p:spPr>
+      </p:sp>
+      <p:sp>
+        <p:nvSpPr>
+          <p:cNvPr id="171" name="Google Shape;171;g10ebb404171_0_179:notes"/>
+          <p:cNvSpPr txBox="1">
+            <a:spLocks noGrp="1"/>
+          </p:cNvSpPr>
+          <p:nvPr>
+            <p:ph type="body" idx="1"/>
+          </p:nvPr>
+        </p:nvSpPr>
+        <p:spPr>
+          <a:xfrm>
+            <a:off x="685800" y="4400550"/>
+            <a:ext cx="5486400" cy="3600600"/>
+          </a:xfrm>
+          <a:prstGeom prst="rect">
+            <a:avLst/>
+          </a:prstGeom>
+          <a:noFill/>
+          <a:ln>
+            <a:noFill/>
+          </a:ln>
+        </p:spPr>
+        <p:txBody>
+          <a:bodyPr spcFirstLastPara="1" wrap="square" lIns="91425" tIns="45700" rIns="91425" bIns="45700" anchor="t" anchorCtr="0">
+            <a:noAutofit/>
+          </a:bodyPr>
+          <a:lstStyle/>
+          <a:p>
+            <a:pPr marL="0" lvl="0" indent="0" algn="l" rtl="0">
+              <a:lnSpc>
+                <a:spcPct val="100000"/>
+              </a:lnSpc>
+              <a:spcBef>
+                <a:spcPts val="0"/>
+              </a:spcBef>
+              <a:spcAft>
+                <a:spcPts val="0"/>
+              </a:spcAft>
+              <a:buSzPts val="1400"/>
+              <a:buNone/>
+            </a:pPr>
+            <a:endParaRPr dirty="0"/>
+          </a:p>
+        </p:txBody>
+      </p:sp>
+      <p:sp>
+        <p:nvSpPr>
+          <p:cNvPr id="172" name="Google Shape;172;g10ebb404171_0_179:notes"/>
+          <p:cNvSpPr txBox="1">
+            <a:spLocks noGrp="1"/>
+          </p:cNvSpPr>
+          <p:nvPr>
+            <p:ph type="sldNum" idx="12"/>
+          </p:nvPr>
+        </p:nvSpPr>
+        <p:spPr>
+          <a:xfrm>
+            <a:off x="3884613" y="8685213"/>
+            <a:ext cx="2971800" cy="458700"/>
+          </a:xfrm>
+          <a:prstGeom prst="rect">
+            <a:avLst/>
+          </a:prstGeom>
+          <a:noFill/>
+          <a:ln>
+            <a:noFill/>
+          </a:ln>
+        </p:spPr>
+        <p:txBody>
+          <a:bodyPr spcFirstLastPara="1" wrap="square" lIns="91425" tIns="45700" rIns="91425" bIns="45700" anchor="b" anchorCtr="0">
+            <a:noAutofit/>
+          </a:bodyPr>
+          <a:lstStyle/>
+          <a:p>
+            <a:pPr marL="0" lvl="0" indent="0" algn="r" rtl="0">
+              <a:lnSpc>
+                <a:spcPct val="100000"/>
+              </a:lnSpc>
+              <a:spcBef>
+                <a:spcPts val="0"/>
+              </a:spcBef>
+              <a:spcAft>
+                <a:spcPts val="0"/>
+              </a:spcAft>
+              <a:buSzPts val="1400"/>
+              <a:buNone/>
+            </a:pPr>
+            <a:fld id="{00000000-1234-1234-1234-123412341234}" type="slidenum">
+              <a:rPr lang="en-US"/>
+              <a:t>15</a:t>
+            </a:fld>
+            <a:endParaRPr/>
+          </a:p>
+        </p:txBody>
+      </p:sp>
+    </p:spTree>
+    <p:extLst>
+      <p:ext uri="{BB962C8B-B14F-4D97-AF65-F5344CB8AC3E}">
+        <p14:creationId xmlns:p14="http://schemas.microsoft.com/office/powerpoint/2010/main" val="928020744"/>
+      </p:ext>
+    </p:extLst>
+  </p:cSld>
+  <p:clrMapOvr>
+    <a:masterClrMapping/>
+  </p:clrMapOvr>
+</p:notes>
+</file>
+
+<file path=ppt/notesSlides/notesSlide11.xml><?xml version="1.0" encoding="utf-8"?>
 <p:notes xmlns:a="http://schemas.openxmlformats.org/drawingml/2006/main" xmlns:r="http://schemas.openxmlformats.org/officeDocument/2006/relationships" xmlns:p="http://schemas.openxmlformats.org/presentationml/2006/main">
   <p:cSld>
     <p:spTree>
@@ -2006,7 +2181,7 @@
                 <a:cs typeface="Calibri"/>
                 <a:sym typeface="Calibri"/>
               </a:rPr>
-              <a:t>10</a:t>
+              <a:t>16</a:t>
             </a:fld>
             <a:endParaRPr lang="en-US" sz="1200" b="0" i="0" u="none" strike="noStrike" cap="none">
               <a:solidFill>
@@ -2033,7 +2208,148 @@
 </p:notes>
 </file>
 
-<file path=ppt/notesSlides/notesSlide11.xml><?xml version="1.0" encoding="utf-8"?>
+<file path=ppt/notesSlides/notesSlide12.xml><?xml version="1.0" encoding="utf-8"?>
+<p:notes xmlns:a="http://schemas.openxmlformats.org/drawingml/2006/main" xmlns:r="http://schemas.openxmlformats.org/officeDocument/2006/relationships" xmlns:p="http://schemas.openxmlformats.org/presentationml/2006/main">
+  <p:cSld>
+    <p:spTree>
+      <p:nvGrpSpPr>
+        <p:cNvPr id="1" name="">
+          <a:extLst>
+            <a:ext uri="{FF2B5EF4-FFF2-40B4-BE49-F238E27FC236}">
+              <a16:creationId xmlns:a16="http://schemas.microsoft.com/office/drawing/2014/main" id="{8805909F-735F-1C08-CA0F-FB53BCF2AB7B}"/>
+            </a:ext>
+          </a:extLst>
+        </p:cNvPr>
+        <p:cNvGrpSpPr/>
+        <p:nvPr/>
+      </p:nvGrpSpPr>
+      <p:grpSpPr>
+        <a:xfrm>
+          <a:off x="0" y="0"/>
+          <a:ext cx="0" cy="0"/>
+          <a:chOff x="0" y="0"/>
+          <a:chExt cx="0" cy="0"/>
+        </a:xfrm>
+      </p:grpSpPr>
+      <p:sp>
+        <p:nvSpPr>
+          <p:cNvPr id="2" name="Slide Image Placeholder 1">
+            <a:extLst>
+              <a:ext uri="{FF2B5EF4-FFF2-40B4-BE49-F238E27FC236}">
+                <a16:creationId xmlns:a16="http://schemas.microsoft.com/office/drawing/2014/main" id="{301BAF78-01DC-8243-0F69-8D966659FB6A}"/>
+              </a:ext>
+            </a:extLst>
+          </p:cNvPr>
+          <p:cNvSpPr>
+            <a:spLocks noGrp="1" noRot="1" noChangeAspect="1"/>
+          </p:cNvSpPr>
+          <p:nvPr>
+            <p:ph type="sldImg"/>
+          </p:nvPr>
+        </p:nvSpPr>
+        <p:spPr/>
+      </p:sp>
+      <p:sp>
+        <p:nvSpPr>
+          <p:cNvPr id="3" name="Notes Placeholder 2">
+            <a:extLst>
+              <a:ext uri="{FF2B5EF4-FFF2-40B4-BE49-F238E27FC236}">
+                <a16:creationId xmlns:a16="http://schemas.microsoft.com/office/drawing/2014/main" id="{02904954-91A2-FBD4-E606-BE97223A92D5}"/>
+              </a:ext>
+            </a:extLst>
+          </p:cNvPr>
+          <p:cNvSpPr>
+            <a:spLocks noGrp="1"/>
+          </p:cNvSpPr>
+          <p:nvPr>
+            <p:ph type="body" idx="1"/>
+          </p:nvPr>
+        </p:nvSpPr>
+        <p:spPr/>
+        <p:txBody>
+          <a:bodyPr/>
+          <a:lstStyle/>
+          <a:p>
+            <a:endParaRPr lang="en-US"/>
+          </a:p>
+        </p:txBody>
+      </p:sp>
+      <p:sp>
+        <p:nvSpPr>
+          <p:cNvPr id="4" name="Slide Number Placeholder 3">
+            <a:extLst>
+              <a:ext uri="{FF2B5EF4-FFF2-40B4-BE49-F238E27FC236}">
+                <a16:creationId xmlns:a16="http://schemas.microsoft.com/office/drawing/2014/main" id="{46D98826-B571-697D-4AA3-AFF5B05F55E0}"/>
+              </a:ext>
+            </a:extLst>
+          </p:cNvPr>
+          <p:cNvSpPr>
+            <a:spLocks noGrp="1"/>
+          </p:cNvSpPr>
+          <p:nvPr>
+            <p:ph type="sldNum" idx="12"/>
+          </p:nvPr>
+        </p:nvSpPr>
+        <p:spPr/>
+        <p:txBody>
+          <a:bodyPr/>
+          <a:lstStyle/>
+          <a:p>
+            <a:pPr marL="0" marR="0" lvl="0" indent="0" algn="r" rtl="0">
+              <a:lnSpc>
+                <a:spcPct val="100000"/>
+              </a:lnSpc>
+              <a:spcBef>
+                <a:spcPts val="0"/>
+              </a:spcBef>
+              <a:spcAft>
+                <a:spcPts val="0"/>
+              </a:spcAft>
+              <a:buClr>
+                <a:srgbClr val="000000"/>
+              </a:buClr>
+              <a:buSzPts val="1200"/>
+              <a:buFont typeface="Arial"/>
+              <a:buNone/>
+            </a:pPr>
+            <a:fld id="{00000000-1234-1234-1234-123412341234}" type="slidenum">
+              <a:rPr lang="en-US" sz="1200" b="0" i="0" u="none" strike="noStrike" cap="none" smtClean="0">
+                <a:solidFill>
+                  <a:schemeClr val="dk1"/>
+                </a:solidFill>
+                <a:latin typeface="Calibri"/>
+                <a:ea typeface="Calibri"/>
+                <a:cs typeface="Calibri"/>
+                <a:sym typeface="Calibri"/>
+              </a:rPr>
+              <a:t>17</a:t>
+            </a:fld>
+            <a:endParaRPr lang="en-US" sz="1200" b="0" i="0" u="none" strike="noStrike" cap="none">
+              <a:solidFill>
+                <a:schemeClr val="dk1"/>
+              </a:solidFill>
+              <a:latin typeface="Calibri"/>
+              <a:ea typeface="Calibri"/>
+              <a:cs typeface="Calibri"/>
+              <a:sym typeface="Calibri"/>
+            </a:endParaRPr>
+          </a:p>
+        </p:txBody>
+      </p:sp>
+    </p:spTree>
+    <p:extLst>
+      <p:ext uri="{BB962C8B-B14F-4D97-AF65-F5344CB8AC3E}">
+        <p14:creationId xmlns:p14="http://schemas.microsoft.com/office/powerpoint/2010/main" val="2800305341"/>
+      </p:ext>
+    </p:extLst>
+  </p:cSld>
+  <p:clrMapOvr>
+    <a:masterClrMapping/>
+  </p:clrMapOvr>
+</p:notes>
+</file>
+
+<file path=ppt/notesSlides/notesSlide13.xml><?xml version="1.0" encoding="utf-8"?>
 <p:notes xmlns:a="http://schemas.openxmlformats.org/drawingml/2006/main" xmlns:r="http://schemas.openxmlformats.org/officeDocument/2006/relationships" xmlns:p="http://schemas.openxmlformats.org/presentationml/2006/main" showMasterSp="0" showMasterPhAnim="0">
   <p:cSld>
     <p:spTree>
@@ -2191,7 +2507,7 @@
             </a:pPr>
             <a:fld id="{00000000-1234-1234-1234-123412341234}" type="slidenum">
               <a:rPr lang="en-US"/>
-              <a:t>18</a:t>
+              <a:t>27</a:t>
             </a:fld>
             <a:endParaRPr/>
           </a:p>
@@ -2201,183 +2517,6 @@
     <p:extLst>
       <p:ext uri="{BB962C8B-B14F-4D97-AF65-F5344CB8AC3E}">
         <p14:creationId xmlns:p14="http://schemas.microsoft.com/office/powerpoint/2010/main" val="1020331078"/>
-      </p:ext>
-    </p:extLst>
-  </p:cSld>
-  <p:clrMapOvr>
-    <a:masterClrMapping/>
-  </p:clrMapOvr>
-</p:notes>
-</file>
-
-<file path=ppt/notesSlides/notesSlide12.xml><?xml version="1.0" encoding="utf-8"?>
-<p:notes xmlns:a="http://schemas.openxmlformats.org/drawingml/2006/main" xmlns:r="http://schemas.openxmlformats.org/officeDocument/2006/relationships" xmlns:p="http://schemas.openxmlformats.org/presentationml/2006/main" showMasterSp="0" showMasterPhAnim="0">
-  <p:cSld>
-    <p:spTree>
-      <p:nvGrpSpPr>
-        <p:cNvPr id="1" name="Shape 169"/>
-        <p:cNvGrpSpPr/>
-        <p:nvPr/>
-      </p:nvGrpSpPr>
-      <p:grpSpPr>
-        <a:xfrm>
-          <a:off x="0" y="0"/>
-          <a:ext cx="0" cy="0"/>
-          <a:chOff x="0" y="0"/>
-          <a:chExt cx="0" cy="0"/>
-        </a:xfrm>
-      </p:grpSpPr>
-      <p:sp>
-        <p:nvSpPr>
-          <p:cNvPr id="170" name="Google Shape;170;g10ebb404171_0_179:notes"/>
-          <p:cNvSpPr>
-            <a:spLocks noGrp="1" noRot="1" noChangeAspect="1"/>
-          </p:cNvSpPr>
-          <p:nvPr>
-            <p:ph type="sldImg" idx="2"/>
-          </p:nvPr>
-        </p:nvSpPr>
-        <p:spPr>
-          <a:xfrm>
-            <a:off x="1371600" y="1143000"/>
-            <a:ext cx="4114800" cy="3086100"/>
-          </a:xfrm>
-          <a:custGeom>
-            <a:avLst/>
-            <a:gdLst/>
-            <a:ahLst/>
-            <a:cxnLst/>
-            <a:rect l="l" t="t" r="r" b="b"/>
-            <a:pathLst>
-              <a:path w="120000" h="120000" extrusionOk="0">
-                <a:moveTo>
-                  <a:pt x="0" y="0"/>
-                </a:moveTo>
-                <a:lnTo>
-                  <a:pt x="120000" y="0"/>
-                </a:lnTo>
-                <a:lnTo>
-                  <a:pt x="120000" y="120000"/>
-                </a:lnTo>
-                <a:lnTo>
-                  <a:pt x="0" y="120000"/>
-                </a:lnTo>
-                <a:close/>
-              </a:path>
-            </a:pathLst>
-          </a:custGeom>
-          <a:noFill/>
-          <a:ln w="12700" cap="flat" cmpd="sng">
-            <a:solidFill>
-              <a:srgbClr val="000000"/>
-            </a:solidFill>
-            <a:prstDash val="solid"/>
-            <a:round/>
-            <a:headEnd type="none" w="sm" len="sm"/>
-            <a:tailEnd type="none" w="sm" len="sm"/>
-          </a:ln>
-        </p:spPr>
-      </p:sp>
-      <p:sp>
-        <p:nvSpPr>
-          <p:cNvPr id="171" name="Google Shape;171;g10ebb404171_0_179:notes"/>
-          <p:cNvSpPr txBox="1">
-            <a:spLocks noGrp="1"/>
-          </p:cNvSpPr>
-          <p:nvPr>
-            <p:ph type="body" idx="1"/>
-          </p:nvPr>
-        </p:nvSpPr>
-        <p:spPr>
-          <a:xfrm>
-            <a:off x="685800" y="4400550"/>
-            <a:ext cx="5486400" cy="3600600"/>
-          </a:xfrm>
-          <a:prstGeom prst="rect">
-            <a:avLst/>
-          </a:prstGeom>
-          <a:noFill/>
-          <a:ln>
-            <a:noFill/>
-          </a:ln>
-        </p:spPr>
-        <p:txBody>
-          <a:bodyPr spcFirstLastPara="1" wrap="square" lIns="91425" tIns="45700" rIns="91425" bIns="45700" anchor="t" anchorCtr="0">
-            <a:noAutofit/>
-          </a:bodyPr>
-          <a:lstStyle/>
-          <a:p>
-            <a:pPr marL="0" lvl="0" indent="0" algn="l" rtl="0">
-              <a:lnSpc>
-                <a:spcPct val="100000"/>
-              </a:lnSpc>
-              <a:spcBef>
-                <a:spcPts val="0"/>
-              </a:spcBef>
-              <a:spcAft>
-                <a:spcPts val="0"/>
-              </a:spcAft>
-              <a:buSzPts val="1400"/>
-              <a:buNone/>
-            </a:pPr>
-            <a:endParaRPr/>
-          </a:p>
-        </p:txBody>
-      </p:sp>
-      <p:sp>
-        <p:nvSpPr>
-          <p:cNvPr id="172" name="Google Shape;172;g10ebb404171_0_179:notes"/>
-          <p:cNvSpPr txBox="1">
-            <a:spLocks noGrp="1"/>
-          </p:cNvSpPr>
-          <p:nvPr>
-            <p:ph type="sldNum" idx="12"/>
-          </p:nvPr>
-        </p:nvSpPr>
-        <p:spPr>
-          <a:xfrm>
-            <a:off x="3884613" y="8685213"/>
-            <a:ext cx="2971800" cy="458700"/>
-          </a:xfrm>
-          <a:prstGeom prst="rect">
-            <a:avLst/>
-          </a:prstGeom>
-          <a:noFill/>
-          <a:ln>
-            <a:noFill/>
-          </a:ln>
-        </p:spPr>
-        <p:txBody>
-          <a:bodyPr spcFirstLastPara="1" wrap="square" lIns="91425" tIns="45700" rIns="91425" bIns="45700" anchor="b" anchorCtr="0">
-            <a:noAutofit/>
-          </a:bodyPr>
-          <a:lstStyle/>
-          <a:p>
-            <a:pPr marL="0" lvl="0" indent="0" algn="r" rtl="0">
-              <a:lnSpc>
-                <a:spcPct val="100000"/>
-              </a:lnSpc>
-              <a:spcBef>
-                <a:spcPts val="0"/>
-              </a:spcBef>
-              <a:spcAft>
-                <a:spcPts val="0"/>
-              </a:spcAft>
-              <a:buSzPts val="1400"/>
-              <a:buNone/>
-            </a:pPr>
-            <a:fld id="{00000000-1234-1234-1234-123412341234}" type="slidenum">
-              <a:rPr lang="en-US"/>
-              <a:t>19</a:t>
-            </a:fld>
-            <a:endParaRPr/>
-          </a:p>
-        </p:txBody>
-      </p:sp>
-    </p:spTree>
-    <p:extLst>
-      <p:ext uri="{BB962C8B-B14F-4D97-AF65-F5344CB8AC3E}">
-        <p14:creationId xmlns:p14="http://schemas.microsoft.com/office/powerpoint/2010/main" val="2172565838"/>
       </p:ext>
     </p:extLst>
   </p:cSld>
@@ -2545,7 +2684,7 @@
             </a:pPr>
             <a:fld id="{00000000-1234-1234-1234-123412341234}" type="slidenum">
               <a:rPr lang="en-US"/>
-              <a:t>2</a:t>
+              <a:t>6</a:t>
             </a:fld>
             <a:endParaRPr/>
           </a:p>
@@ -2722,7 +2861,7 @@
             </a:pPr>
             <a:fld id="{00000000-1234-1234-1234-123412341234}" type="slidenum">
               <a:rPr lang="en-US"/>
-              <a:t>3</a:t>
+              <a:t>7</a:t>
             </a:fld>
             <a:endParaRPr/>
           </a:p>
@@ -2831,7 +2970,7 @@
                 <a:cs typeface="Calibri"/>
                 <a:sym typeface="Calibri"/>
               </a:rPr>
-              <a:t>4</a:t>
+              <a:t>8</a:t>
             </a:fld>
             <a:endParaRPr lang="en-US" sz="1200" b="0" i="0" u="none" strike="noStrike" cap="none">
               <a:solidFill>
@@ -2948,7 +3087,7 @@
                 <a:cs typeface="Calibri"/>
                 <a:sym typeface="Calibri"/>
               </a:rPr>
-              <a:t>5</a:t>
+              <a:t>9</a:t>
             </a:fld>
             <a:endParaRPr lang="en-US" sz="1200" b="0" i="0" u="none" strike="noStrike" cap="none">
               <a:solidFill>
@@ -3133,7 +3272,7 @@
             </a:pPr>
             <a:fld id="{00000000-1234-1234-1234-123412341234}" type="slidenum">
               <a:rPr lang="en-US"/>
-              <a:t>6</a:t>
+              <a:t>11</a:t>
             </a:fld>
             <a:endParaRPr/>
           </a:p>
@@ -3242,7 +3381,7 @@
                 <a:cs typeface="Calibri"/>
                 <a:sym typeface="Calibri"/>
               </a:rPr>
-              <a:t>7</a:t>
+              <a:t>12</a:t>
             </a:fld>
             <a:endParaRPr lang="en-US" sz="1200" b="0" i="0" u="none" strike="noStrike" cap="none">
               <a:solidFill>
@@ -3270,11 +3409,17 @@
 </file>
 
 <file path=ppt/notesSlides/notesSlide8.xml><?xml version="1.0" encoding="utf-8"?>
-<p:notes xmlns:a="http://schemas.openxmlformats.org/drawingml/2006/main" xmlns:r="http://schemas.openxmlformats.org/officeDocument/2006/relationships" xmlns:p="http://schemas.openxmlformats.org/presentationml/2006/main" showMasterSp="0" showMasterPhAnim="0">
+<p:notes xmlns:a="http://schemas.openxmlformats.org/drawingml/2006/main" xmlns:r="http://schemas.openxmlformats.org/officeDocument/2006/relationships" xmlns:p="http://schemas.openxmlformats.org/presentationml/2006/main">
   <p:cSld>
     <p:spTree>
       <p:nvGrpSpPr>
-        <p:cNvPr id="1" name="Shape 169"/>
+        <p:cNvPr id="1" name="">
+          <a:extLst>
+            <a:ext uri="{FF2B5EF4-FFF2-40B4-BE49-F238E27FC236}">
+              <a16:creationId xmlns:a16="http://schemas.microsoft.com/office/drawing/2014/main" id="{EB421877-985F-91AA-B59D-945E55B756D4}"/>
+            </a:ext>
+          </a:extLst>
+        </p:cNvPr>
         <p:cNvGrpSpPr/>
         <p:nvPr/>
       </p:nvGrpSpPr>
@@ -3288,85 +3433,69 @@
       </p:grpSpPr>
       <p:sp>
         <p:nvSpPr>
-          <p:cNvPr id="170" name="Google Shape;170;g10ebb404171_0_179:notes"/>
+          <p:cNvPr id="2" name="Slide Image Placeholder 1">
+            <a:extLst>
+              <a:ext uri="{FF2B5EF4-FFF2-40B4-BE49-F238E27FC236}">
+                <a16:creationId xmlns:a16="http://schemas.microsoft.com/office/drawing/2014/main" id="{2F324207-1EF3-B211-D100-B6E36CEEF002}"/>
+              </a:ext>
+            </a:extLst>
+          </p:cNvPr>
           <p:cNvSpPr>
             <a:spLocks noGrp="1" noRot="1" noChangeAspect="1"/>
           </p:cNvSpPr>
           <p:nvPr>
-            <p:ph type="sldImg" idx="2"/>
+            <p:ph type="sldImg"/>
           </p:nvPr>
         </p:nvSpPr>
-        <p:spPr>
-          <a:xfrm>
-            <a:off x="1371600" y="1143000"/>
-            <a:ext cx="4114800" cy="3086100"/>
-          </a:xfrm>
-          <a:custGeom>
-            <a:avLst/>
-            <a:gdLst/>
-            <a:ahLst/>
-            <a:cxnLst/>
-            <a:rect l="l" t="t" r="r" b="b"/>
-            <a:pathLst>
-              <a:path w="120000" h="120000" extrusionOk="0">
-                <a:moveTo>
-                  <a:pt x="0" y="0"/>
-                </a:moveTo>
-                <a:lnTo>
-                  <a:pt x="120000" y="0"/>
-                </a:lnTo>
-                <a:lnTo>
-                  <a:pt x="120000" y="120000"/>
-                </a:lnTo>
-                <a:lnTo>
-                  <a:pt x="0" y="120000"/>
-                </a:lnTo>
-                <a:close/>
-              </a:path>
-            </a:pathLst>
-          </a:custGeom>
-          <a:noFill/>
-          <a:ln w="12700" cap="flat" cmpd="sng">
-            <a:solidFill>
-              <a:srgbClr val="000000"/>
-            </a:solidFill>
-            <a:prstDash val="solid"/>
-            <a:round/>
-            <a:headEnd type="none" w="sm" len="sm"/>
-            <a:tailEnd type="none" w="sm" len="sm"/>
-          </a:ln>
-        </p:spPr>
+        <p:spPr/>
       </p:sp>
       <p:sp>
         <p:nvSpPr>
-          <p:cNvPr id="171" name="Google Shape;171;g10ebb404171_0_179:notes"/>
-          <p:cNvSpPr txBox="1">
+          <p:cNvPr id="3" name="Notes Placeholder 2">
+            <a:extLst>
+              <a:ext uri="{FF2B5EF4-FFF2-40B4-BE49-F238E27FC236}">
+                <a16:creationId xmlns:a16="http://schemas.microsoft.com/office/drawing/2014/main" id="{0BDF5AF4-7B04-FF2F-F6AC-0479A6F27C8A}"/>
+              </a:ext>
+            </a:extLst>
+          </p:cNvPr>
+          <p:cNvSpPr>
             <a:spLocks noGrp="1"/>
           </p:cNvSpPr>
           <p:nvPr>
             <p:ph type="body" idx="1"/>
           </p:nvPr>
         </p:nvSpPr>
-        <p:spPr>
-          <a:xfrm>
-            <a:off x="685800" y="4400550"/>
-            <a:ext cx="5486400" cy="3600600"/>
-          </a:xfrm>
-          <a:prstGeom prst="rect">
-            <a:avLst/>
-          </a:prstGeom>
-          <a:noFill/>
-          <a:ln>
-            <a:noFill/>
-          </a:ln>
-        </p:spPr>
+        <p:spPr/>
         <p:txBody>
-          <a:bodyPr spcFirstLastPara="1" wrap="square" lIns="91425" tIns="45700" rIns="91425" bIns="45700" anchor="t" anchorCtr="0">
-            <a:noAutofit/>
-          </a:bodyPr>
+          <a:bodyPr/>
           <a:lstStyle/>
           <a:p>
-            <a:pPr marL="0" lvl="0" indent="0" algn="l" rtl="0">
+            <a:endParaRPr lang="en-US"/>
+          </a:p>
+        </p:txBody>
+      </p:sp>
+      <p:sp>
+        <p:nvSpPr>
+          <p:cNvPr id="4" name="Slide Number Placeholder 3">
+            <a:extLst>
+              <a:ext uri="{FF2B5EF4-FFF2-40B4-BE49-F238E27FC236}">
+                <a16:creationId xmlns:a16="http://schemas.microsoft.com/office/drawing/2014/main" id="{737AC341-1EA2-018E-F32A-267B5A945103}"/>
+              </a:ext>
+            </a:extLst>
+          </p:cNvPr>
+          <p:cNvSpPr>
+            <a:spLocks noGrp="1"/>
+          </p:cNvSpPr>
+          <p:nvPr>
+            <p:ph type="sldNum" idx="12"/>
+          </p:nvPr>
+        </p:nvSpPr>
+        <p:spPr/>
+        <p:txBody>
+          <a:bodyPr/>
+          <a:lstStyle/>
+          <a:p>
+            <a:pPr marL="0" marR="0" lvl="0" indent="0" algn="r" rtl="0">
               <a:lnSpc>
                 <a:spcPct val="100000"/>
               </a:lnSpc>
@@ -3376,67 +3505,41 @@
               <a:spcAft>
                 <a:spcPts val="0"/>
               </a:spcAft>
-              <a:buSzPts val="1400"/>
-              <a:buNone/>
-            </a:pPr>
-            <a:endParaRPr dirty="0"/>
-          </a:p>
-        </p:txBody>
-      </p:sp>
-      <p:sp>
-        <p:nvSpPr>
-          <p:cNvPr id="172" name="Google Shape;172;g10ebb404171_0_179:notes"/>
-          <p:cNvSpPr txBox="1">
-            <a:spLocks noGrp="1"/>
-          </p:cNvSpPr>
-          <p:nvPr>
-            <p:ph type="sldNum" idx="12"/>
-          </p:nvPr>
-        </p:nvSpPr>
-        <p:spPr>
-          <a:xfrm>
-            <a:off x="3884613" y="8685213"/>
-            <a:ext cx="2971800" cy="458700"/>
-          </a:xfrm>
-          <a:prstGeom prst="rect">
-            <a:avLst/>
-          </a:prstGeom>
-          <a:noFill/>
-          <a:ln>
-            <a:noFill/>
-          </a:ln>
-        </p:spPr>
-        <p:txBody>
-          <a:bodyPr spcFirstLastPara="1" wrap="square" lIns="91425" tIns="45700" rIns="91425" bIns="45700" anchor="b" anchorCtr="0">
-            <a:noAutofit/>
-          </a:bodyPr>
-          <a:lstStyle/>
-          <a:p>
-            <a:pPr marL="0" lvl="0" indent="0" algn="r" rtl="0">
-              <a:lnSpc>
-                <a:spcPct val="100000"/>
-              </a:lnSpc>
-              <a:spcBef>
-                <a:spcPts val="0"/>
-              </a:spcBef>
-              <a:spcAft>
-                <a:spcPts val="0"/>
-              </a:spcAft>
-              <a:buSzPts val="1400"/>
+              <a:buClr>
+                <a:srgbClr val="000000"/>
+              </a:buClr>
+              <a:buSzPts val="1200"/>
+              <a:buFont typeface="Arial"/>
               <a:buNone/>
             </a:pPr>
             <a:fld id="{00000000-1234-1234-1234-123412341234}" type="slidenum">
-              <a:rPr lang="en-US"/>
-              <a:t>8</a:t>
+              <a:rPr lang="en-US" sz="1200" b="0" i="0" u="none" strike="noStrike" cap="none" smtClean="0">
+                <a:solidFill>
+                  <a:schemeClr val="dk1"/>
+                </a:solidFill>
+                <a:latin typeface="Calibri"/>
+                <a:ea typeface="Calibri"/>
+                <a:cs typeface="Calibri"/>
+                <a:sym typeface="Calibri"/>
+              </a:rPr>
+              <a:t>13</a:t>
             </a:fld>
-            <a:endParaRPr/>
+            <a:endParaRPr lang="en-US" sz="1200" b="0" i="0" u="none" strike="noStrike" cap="none">
+              <a:solidFill>
+                <a:schemeClr val="dk1"/>
+              </a:solidFill>
+              <a:latin typeface="Calibri"/>
+              <a:ea typeface="Calibri"/>
+              <a:cs typeface="Calibri"/>
+              <a:sym typeface="Calibri"/>
+            </a:endParaRPr>
           </a:p>
         </p:txBody>
       </p:sp>
     </p:spTree>
     <p:extLst>
       <p:ext uri="{BB962C8B-B14F-4D97-AF65-F5344CB8AC3E}">
-        <p14:creationId xmlns:p14="http://schemas.microsoft.com/office/powerpoint/2010/main" val="2781563255"/>
+        <p14:creationId xmlns:p14="http://schemas.microsoft.com/office/powerpoint/2010/main" val="3215034659"/>
       </p:ext>
     </p:extLst>
   </p:cSld>
@@ -3604,7 +3707,7 @@
             </a:pPr>
             <a:fld id="{00000000-1234-1234-1234-123412341234}" type="slidenum">
               <a:rPr lang="en-US"/>
-              <a:t>9</a:t>
+              <a:t>14</a:t>
             </a:fld>
             <a:endParaRPr/>
           </a:p>
@@ -3613,7 +3716,7 @@
     </p:spTree>
     <p:extLst>
       <p:ext uri="{BB962C8B-B14F-4D97-AF65-F5344CB8AC3E}">
-        <p14:creationId xmlns:p14="http://schemas.microsoft.com/office/powerpoint/2010/main" val="928020744"/>
+        <p14:creationId xmlns:p14="http://schemas.microsoft.com/office/powerpoint/2010/main" val="2781563255"/>
       </p:ext>
     </p:extLst>
   </p:cSld>
@@ -5040,6 +5143,1789 @@
   <p:cSld>
     <p:spTree>
       <p:nvGrpSpPr>
+        <p:cNvPr id="1" name=""/>
+        <p:cNvGrpSpPr/>
+        <p:nvPr/>
+      </p:nvGrpSpPr>
+      <p:grpSpPr>
+        <a:xfrm>
+          <a:off x="0" y="0"/>
+          <a:ext cx="0" cy="0"/>
+          <a:chOff x="0" y="0"/>
+          <a:chExt cx="0" cy="0"/>
+        </a:xfrm>
+      </p:grpSpPr>
+    </p:spTree>
+    <p:extLst>
+      <p:ext uri="{BB962C8B-B14F-4D97-AF65-F5344CB8AC3E}">
+        <p14:creationId xmlns:p14="http://schemas.microsoft.com/office/powerpoint/2010/main" val="1408377495"/>
+      </p:ext>
+    </p:extLst>
+  </p:cSld>
+  <p:clrMapOvr>
+    <a:masterClrMapping/>
+  </p:clrMapOvr>
+</p:sld>
+</file>
+
+<file path=ppt/slides/slide11.xml><?xml version="1.0" encoding="utf-8"?>
+<p:sld xmlns:a="http://schemas.openxmlformats.org/drawingml/2006/main" xmlns:r="http://schemas.openxmlformats.org/officeDocument/2006/relationships" xmlns:p="http://schemas.openxmlformats.org/presentationml/2006/main">
+  <p:cSld>
+    <p:spTree>
+      <p:nvGrpSpPr>
+        <p:cNvPr id="1" name="Shape 173"/>
+        <p:cNvGrpSpPr/>
+        <p:nvPr/>
+      </p:nvGrpSpPr>
+      <p:grpSpPr>
+        <a:xfrm>
+          <a:off x="0" y="0"/>
+          <a:ext cx="0" cy="0"/>
+          <a:chOff x="0" y="0"/>
+          <a:chExt cx="0" cy="0"/>
+        </a:xfrm>
+      </p:grpSpPr>
+      <p:sp>
+        <p:nvSpPr>
+          <p:cNvPr id="7" name="TextBox 6">
+            <a:extLst>
+              <a:ext uri="{FF2B5EF4-FFF2-40B4-BE49-F238E27FC236}">
+                <a16:creationId xmlns:a16="http://schemas.microsoft.com/office/drawing/2014/main" id="{70E2C1E3-44BF-AB6F-BC9B-49B4647A96C0}"/>
+              </a:ext>
+            </a:extLst>
+          </p:cNvPr>
+          <p:cNvSpPr txBox="1"/>
+          <p:nvPr/>
+        </p:nvSpPr>
+        <p:spPr>
+          <a:xfrm>
+            <a:off x="355758" y="362229"/>
+            <a:ext cx="8321209" cy="4298613"/>
+          </a:xfrm>
+          <a:prstGeom prst="rect">
+            <a:avLst/>
+          </a:prstGeom>
+          <a:noFill/>
+        </p:spPr>
+        <p:txBody>
+          <a:bodyPr wrap="square" rIns="36000" rtlCol="0">
+            <a:spAutoFit/>
+          </a:bodyPr>
+          <a:lstStyle/>
+          <a:p>
+            <a:pPr marL="1608138">
+              <a:spcAft>
+                <a:spcPts val="1000"/>
+              </a:spcAft>
+              <a:tabLst>
+                <a:tab pos="1582738" algn="l"/>
+              </a:tabLst>
+            </a:pPr>
+            <a:r>
+              <a:rPr lang="en-US" sz="1800" b="1" dirty="0">
+                <a:solidFill>
+                  <a:srgbClr val="58585A"/>
+                </a:solidFill>
+              </a:rPr>
+              <a:t>Simplify a Rational Expression</a:t>
+            </a:r>
+          </a:p>
+          <a:p>
+            <a:pPr>
+              <a:spcAft>
+                <a:spcPts val="1800"/>
+              </a:spcAft>
+            </a:pPr>
+            <a:r>
+              <a:rPr lang="en-US" sz="1600" b="1" dirty="0"/>
+              <a:t>What is the simplified form of the rational expression? What is the domain for which the identity between the two expressions is valid?</a:t>
+            </a:r>
+          </a:p>
+          <a:p>
+            <a:endParaRPr lang="en-US" dirty="0"/>
+          </a:p>
+          <a:p>
+            <a:endParaRPr lang="en-US" dirty="0"/>
+          </a:p>
+          <a:p>
+            <a:pPr>
+              <a:spcAft>
+                <a:spcPts val="14400"/>
+              </a:spcAft>
+            </a:pPr>
+            <a:r>
+              <a:rPr lang="en-US" dirty="0"/>
+              <a:t>The </a:t>
+            </a:r>
+            <a:r>
+              <a:rPr lang="en-US" b="1" dirty="0">
+                <a:highlight>
+                  <a:srgbClr val="FFFF00"/>
+                </a:highlight>
+              </a:rPr>
+              <a:t>simplified form of a rational expression</a:t>
+            </a:r>
+            <a:r>
+              <a:rPr lang="en-US" dirty="0"/>
+              <a:t> has no common factors, other than 1, in the numerator and the denominator.</a:t>
+            </a:r>
+          </a:p>
+          <a:p>
+            <a:r>
+              <a:rPr lang="en-US" dirty="0"/>
+              <a:t>    The simplified form of </a:t>
+            </a:r>
+            <a:r>
+              <a:rPr lang="x-none" dirty="0"/>
+              <a:t>                     </a:t>
+            </a:r>
+            <a:r>
+              <a:rPr lang="en-US" dirty="0"/>
+              <a:t>is              for </a:t>
+            </a:r>
+            <a:r>
+              <a:rPr lang="en-US" i="1" dirty="0"/>
+              <a:t>x</a:t>
+            </a:r>
+            <a:r>
+              <a:rPr lang="en-US" dirty="0"/>
+              <a:t> ≠ 2 or –5.</a:t>
+            </a:r>
+            <a:endParaRPr lang="en-US" b="1" dirty="0"/>
+          </a:p>
+        </p:txBody>
+      </p:sp>
+      <p:sp>
+        <p:nvSpPr>
+          <p:cNvPr id="9" name="Rectangle 8">
+            <a:extLst>
+              <a:ext uri="{FF2B5EF4-FFF2-40B4-BE49-F238E27FC236}">
+                <a16:creationId xmlns:a16="http://schemas.microsoft.com/office/drawing/2014/main" id="{5E5CC73E-58B2-77A2-467A-76EB15A50CD3}"/>
+              </a:ext>
+            </a:extLst>
+          </p:cNvPr>
+          <p:cNvSpPr/>
+          <p:nvPr/>
+        </p:nvSpPr>
+        <p:spPr>
+          <a:xfrm>
+            <a:off x="452746" y="404790"/>
+            <a:ext cx="1480557" cy="295175"/>
+          </a:xfrm>
+          <a:prstGeom prst="rect">
+            <a:avLst/>
+          </a:prstGeom>
+          <a:solidFill>
+            <a:srgbClr val="1A4F8D"/>
+          </a:solidFill>
+          <a:ln>
+            <a:noFill/>
+          </a:ln>
+        </p:spPr>
+        <p:style>
+          <a:lnRef idx="2">
+            <a:schemeClr val="accent1">
+              <a:shade val="50000"/>
+            </a:schemeClr>
+          </a:lnRef>
+          <a:fillRef idx="1">
+            <a:schemeClr val="accent1"/>
+          </a:fillRef>
+          <a:effectRef idx="0">
+            <a:schemeClr val="accent1"/>
+          </a:effectRef>
+          <a:fontRef idx="minor">
+            <a:schemeClr val="lt1"/>
+          </a:fontRef>
+        </p:style>
+        <p:txBody>
+          <a:bodyPr wrap="square" tIns="0" bIns="18000" rtlCol="0" anchor="ctr">
+            <a:spAutoFit/>
+          </a:bodyPr>
+          <a:lstStyle/>
+          <a:p>
+            <a:r>
+              <a:rPr lang="en-IN" sz="1800" b="1" cap="all" dirty="0">
+                <a:solidFill>
+                  <a:schemeClr val="bg1"/>
+                </a:solidFill>
+              </a:rPr>
+              <a:t>Example 2</a:t>
+            </a:r>
+            <a:endParaRPr lang="en-US" sz="1800" cap="all" dirty="0"/>
+          </a:p>
+        </p:txBody>
+      </p:sp>
+      <p:sp>
+        <p:nvSpPr>
+          <p:cNvPr id="10" name="Rounded Rectangle 8">
+            <a:extLst>
+              <a:ext uri="{FF2B5EF4-FFF2-40B4-BE49-F238E27FC236}">
+                <a16:creationId xmlns:a16="http://schemas.microsoft.com/office/drawing/2014/main" id="{A3AD9C9D-F8B5-5903-C7E7-F56A8FABF616}"/>
+              </a:ext>
+            </a:extLst>
+          </p:cNvPr>
+          <p:cNvSpPr/>
+          <p:nvPr/>
+        </p:nvSpPr>
+        <p:spPr>
+          <a:xfrm>
+            <a:off x="635015" y="4996119"/>
+            <a:ext cx="3819754" cy="843643"/>
+          </a:xfrm>
+          <a:prstGeom prst="roundRect">
+            <a:avLst/>
+          </a:prstGeom>
+          <a:noFill/>
+          <a:ln w="12700">
+            <a:solidFill>
+              <a:schemeClr val="tx1">
+                <a:lumMod val="50000"/>
+                <a:lumOff val="50000"/>
+              </a:schemeClr>
+            </a:solidFill>
+          </a:ln>
+        </p:spPr>
+        <p:style>
+          <a:lnRef idx="2">
+            <a:schemeClr val="accent1">
+              <a:shade val="50000"/>
+            </a:schemeClr>
+          </a:lnRef>
+          <a:fillRef idx="1">
+            <a:schemeClr val="accent1"/>
+          </a:fillRef>
+          <a:effectRef idx="0">
+            <a:schemeClr val="accent1"/>
+          </a:effectRef>
+          <a:fontRef idx="minor">
+            <a:schemeClr val="lt1"/>
+          </a:fontRef>
+        </p:style>
+        <p:txBody>
+          <a:bodyPr rtlCol="0" anchor="ctr"/>
+          <a:lstStyle/>
+          <a:p>
+            <a:pPr>
+              <a:spcAft>
+                <a:spcPts val="300"/>
+              </a:spcAft>
+            </a:pPr>
+            <a:r>
+              <a:rPr lang="x-none" sz="1200" b="1" dirty="0">
+                <a:solidFill>
+                  <a:srgbClr val="137F97"/>
+                </a:solidFill>
+              </a:rPr>
+              <a:t>COMMON ERROR</a:t>
+            </a:r>
+            <a:endParaRPr lang="en-IN" sz="1200" b="1" dirty="0">
+              <a:solidFill>
+                <a:srgbClr val="137F97"/>
+              </a:solidFill>
+            </a:endParaRPr>
+          </a:p>
+          <a:p>
+            <a:r>
+              <a:rPr lang="en-US" sz="1200" dirty="0">
+                <a:solidFill>
+                  <a:schemeClr val="tx1"/>
+                </a:solidFill>
+                <a:latin typeface="Arial"/>
+                <a:cs typeface="Arial"/>
+              </a:rPr>
+              <a:t>You may not recognize a common factor. Notice that 2 − </a:t>
+            </a:r>
+            <a:r>
+              <a:rPr lang="en-US" sz="1200" i="1" dirty="0">
+                <a:solidFill>
+                  <a:schemeClr val="tx1"/>
+                </a:solidFill>
+                <a:latin typeface="Arial"/>
+                <a:cs typeface="Arial"/>
+              </a:rPr>
+              <a:t>x</a:t>
+            </a:r>
+            <a:r>
+              <a:rPr lang="en-US" sz="1200" dirty="0">
+                <a:solidFill>
+                  <a:schemeClr val="tx1"/>
+                </a:solidFill>
+                <a:latin typeface="Arial"/>
+                <a:cs typeface="Arial"/>
+              </a:rPr>
+              <a:t> = −1 (−2 + </a:t>
+            </a:r>
+            <a:r>
+              <a:rPr lang="en-US" sz="1200" i="1" dirty="0">
+                <a:solidFill>
+                  <a:schemeClr val="tx1"/>
+                </a:solidFill>
+                <a:latin typeface="Arial"/>
+                <a:cs typeface="Arial"/>
+              </a:rPr>
+              <a:t>x</a:t>
+            </a:r>
+            <a:r>
+              <a:rPr lang="en-US" sz="1200" dirty="0">
+                <a:solidFill>
+                  <a:schemeClr val="tx1"/>
+                </a:solidFill>
+                <a:latin typeface="Arial"/>
+                <a:cs typeface="Arial"/>
+              </a:rPr>
+              <a:t>) = −1(</a:t>
+            </a:r>
+            <a:r>
+              <a:rPr lang="en-US" sz="1200" i="1" dirty="0">
+                <a:solidFill>
+                  <a:schemeClr val="tx1"/>
+                </a:solidFill>
+                <a:latin typeface="Arial"/>
+                <a:cs typeface="Arial"/>
+              </a:rPr>
+              <a:t>x</a:t>
+            </a:r>
+            <a:r>
+              <a:rPr lang="en-US" sz="1200" dirty="0">
+                <a:solidFill>
+                  <a:schemeClr val="tx1"/>
+                </a:solidFill>
+                <a:latin typeface="Arial"/>
+                <a:cs typeface="Arial"/>
+              </a:rPr>
+              <a:t> − 2).</a:t>
+            </a:r>
+            <a:endParaRPr lang="en-IN" sz="1200" dirty="0">
+              <a:solidFill>
+                <a:schemeClr val="tx1"/>
+              </a:solidFill>
+              <a:latin typeface="Arial"/>
+              <a:cs typeface="Arial"/>
+            </a:endParaRPr>
+          </a:p>
+        </p:txBody>
+      </p:sp>
+      <p:pic>
+        <p:nvPicPr>
+          <p:cNvPr id="4" name="Picture 3">
+            <a:extLst>
+              <a:ext uri="{FF2B5EF4-FFF2-40B4-BE49-F238E27FC236}">
+                <a16:creationId xmlns:a16="http://schemas.microsoft.com/office/drawing/2014/main" id="{BA103A4A-7C1A-DA8B-F1A2-C90F3E117B9C}"/>
+              </a:ext>
+            </a:extLst>
+          </p:cNvPr>
+          <p:cNvPicPr>
+            <a:picLocks noChangeAspect="1"/>
+          </p:cNvPicPr>
+          <p:nvPr/>
+        </p:nvPicPr>
+        <p:blipFill>
+          <a:blip r:embed="rId3"/>
+          <a:stretch>
+            <a:fillRect/>
+          </a:stretch>
+        </p:blipFill>
+        <p:spPr>
+          <a:xfrm>
+            <a:off x="345963" y="1197547"/>
+            <a:ext cx="1172443" cy="669387"/>
+          </a:xfrm>
+          <a:prstGeom prst="rect">
+            <a:avLst/>
+          </a:prstGeom>
+        </p:spPr>
+      </p:pic>
+      <p:pic>
+        <p:nvPicPr>
+          <p:cNvPr id="12" name="Picture 11">
+            <a:extLst>
+              <a:ext uri="{FF2B5EF4-FFF2-40B4-BE49-F238E27FC236}">
+                <a16:creationId xmlns:a16="http://schemas.microsoft.com/office/drawing/2014/main" id="{2FE67F87-F7DE-E6FA-E2B8-184A274A72B4}"/>
+              </a:ext>
+            </a:extLst>
+          </p:cNvPr>
+          <p:cNvPicPr>
+            <a:picLocks noChangeAspect="1"/>
+          </p:cNvPicPr>
+          <p:nvPr/>
+        </p:nvPicPr>
+        <p:blipFill>
+          <a:blip r:embed="rId4"/>
+          <a:stretch>
+            <a:fillRect/>
+          </a:stretch>
+        </p:blipFill>
+        <p:spPr>
+          <a:xfrm>
+            <a:off x="733143" y="2246955"/>
+            <a:ext cx="5943353" cy="1939197"/>
+          </a:xfrm>
+          <a:prstGeom prst="rect">
+            <a:avLst/>
+          </a:prstGeom>
+        </p:spPr>
+      </p:pic>
+      <p:pic>
+        <p:nvPicPr>
+          <p:cNvPr id="14" name="Picture 13">
+            <a:extLst>
+              <a:ext uri="{FF2B5EF4-FFF2-40B4-BE49-F238E27FC236}">
+                <a16:creationId xmlns:a16="http://schemas.microsoft.com/office/drawing/2014/main" id="{2895DFDD-1FD3-57BA-D1A4-6DBC188C391C}"/>
+              </a:ext>
+            </a:extLst>
+          </p:cNvPr>
+          <p:cNvPicPr>
+            <a:picLocks noChangeAspect="1"/>
+          </p:cNvPicPr>
+          <p:nvPr/>
+        </p:nvPicPr>
+        <p:blipFill>
+          <a:blip r:embed="rId5"/>
+          <a:stretch>
+            <a:fillRect/>
+          </a:stretch>
+        </p:blipFill>
+        <p:spPr>
+          <a:xfrm>
+            <a:off x="2213074" y="4049299"/>
+            <a:ext cx="1294150" cy="527397"/>
+          </a:xfrm>
+          <a:prstGeom prst="rect">
+            <a:avLst/>
+          </a:prstGeom>
+        </p:spPr>
+      </p:pic>
+      <p:pic>
+        <p:nvPicPr>
+          <p:cNvPr id="16" name="Picture 15">
+            <a:extLst>
+              <a:ext uri="{FF2B5EF4-FFF2-40B4-BE49-F238E27FC236}">
+                <a16:creationId xmlns:a16="http://schemas.microsoft.com/office/drawing/2014/main" id="{B2E85158-1417-7959-B375-4882E0455254}"/>
+              </a:ext>
+            </a:extLst>
+          </p:cNvPr>
+          <p:cNvPicPr>
+            <a:picLocks noChangeAspect="1"/>
+          </p:cNvPicPr>
+          <p:nvPr/>
+        </p:nvPicPr>
+        <p:blipFill>
+          <a:blip r:embed="rId6"/>
+          <a:stretch>
+            <a:fillRect/>
+          </a:stretch>
+        </p:blipFill>
+        <p:spPr>
+          <a:xfrm>
+            <a:off x="3561342" y="4041689"/>
+            <a:ext cx="791095" cy="527397"/>
+          </a:xfrm>
+          <a:prstGeom prst="rect">
+            <a:avLst/>
+          </a:prstGeom>
+        </p:spPr>
+      </p:pic>
+    </p:spTree>
+    <p:extLst>
+      <p:ext uri="{BB962C8B-B14F-4D97-AF65-F5344CB8AC3E}">
+        <p14:creationId xmlns:p14="http://schemas.microsoft.com/office/powerpoint/2010/main" val="3072923899"/>
+      </p:ext>
+    </p:extLst>
+  </p:cSld>
+  <p:clrMapOvr>
+    <a:masterClrMapping/>
+  </p:clrMapOvr>
+</p:sld>
+</file>
+
+<file path=ppt/slides/slide12.xml><?xml version="1.0" encoding="utf-8"?>
+<p:sld xmlns:a="http://schemas.openxmlformats.org/drawingml/2006/main" xmlns:r="http://schemas.openxmlformats.org/officeDocument/2006/relationships" xmlns:p="http://schemas.openxmlformats.org/presentationml/2006/main">
+  <p:cSld>
+    <p:spTree>
+      <p:nvGrpSpPr>
+        <p:cNvPr id="1" name="Shape 173"/>
+        <p:cNvGrpSpPr/>
+        <p:nvPr/>
+      </p:nvGrpSpPr>
+      <p:grpSpPr>
+        <a:xfrm>
+          <a:off x="0" y="0"/>
+          <a:ext cx="0" cy="0"/>
+          <a:chOff x="0" y="0"/>
+          <a:chExt cx="0" cy="0"/>
+        </a:xfrm>
+      </p:grpSpPr>
+      <p:sp>
+        <p:nvSpPr>
+          <p:cNvPr id="12" name="TextBox 11">
+            <a:extLst>
+              <a:ext uri="{FF2B5EF4-FFF2-40B4-BE49-F238E27FC236}">
+                <a16:creationId xmlns:a16="http://schemas.microsoft.com/office/drawing/2014/main" id="{4B1FC3DA-2441-859D-1205-74E50B3C43E8}"/>
+              </a:ext>
+            </a:extLst>
+          </p:cNvPr>
+          <p:cNvSpPr txBox="1"/>
+          <p:nvPr/>
+        </p:nvSpPr>
+        <p:spPr>
+          <a:xfrm>
+            <a:off x="355758" y="430002"/>
+            <a:ext cx="8341433" cy="2180084"/>
+          </a:xfrm>
+          <a:prstGeom prst="rect">
+            <a:avLst/>
+          </a:prstGeom>
+          <a:noFill/>
+        </p:spPr>
+        <p:txBody>
+          <a:bodyPr wrap="square" rIns="36000" rtlCol="0">
+            <a:spAutoFit/>
+          </a:bodyPr>
+          <a:lstStyle/>
+          <a:p>
+            <a:pPr marL="1663700">
+              <a:spcAft>
+                <a:spcPts val="2000"/>
+              </a:spcAft>
+              <a:tabLst>
+                <a:tab pos="1582738" algn="l"/>
+              </a:tabLst>
+            </a:pPr>
+            <a:r>
+              <a:rPr lang="en-US" sz="1800" b="1" dirty="0">
+                <a:solidFill>
+                  <a:srgbClr val="58585A"/>
+                </a:solidFill>
+              </a:rPr>
+              <a:t>Simplify a Rational Expression</a:t>
+            </a:r>
+            <a:endParaRPr lang="en-IN" sz="1800" b="1" dirty="0">
+              <a:solidFill>
+                <a:srgbClr val="58585A"/>
+              </a:solidFill>
+            </a:endParaRPr>
+          </a:p>
+          <a:p>
+            <a:pPr marL="1476375" indent="-1466850">
+              <a:spcAft>
+                <a:spcPts val="600"/>
+              </a:spcAft>
+              <a:tabLst>
+                <a:tab pos="1062038" algn="l"/>
+                <a:tab pos="1465263" algn="l"/>
+              </a:tabLst>
+            </a:pPr>
+            <a:r>
+              <a:rPr lang="en-IN" sz="1800" b="1" dirty="0">
+                <a:solidFill>
+                  <a:srgbClr val="D92B31"/>
+                </a:solidFill>
+              </a:rPr>
+              <a:t>Try It!</a:t>
+            </a:r>
+            <a:endParaRPr lang="en-IN" sz="1800" b="1" dirty="0">
+              <a:solidFill>
+                <a:schemeClr val="tx1"/>
+              </a:solidFill>
+            </a:endParaRPr>
+          </a:p>
+          <a:p>
+            <a:pPr marL="360000" indent="-378000">
+              <a:spcAft>
+                <a:spcPts val="1200"/>
+              </a:spcAft>
+              <a:buFont typeface="+mj-lt"/>
+              <a:buAutoNum type="arabicPeriod" startAt="2"/>
+            </a:pPr>
+            <a:r>
+              <a:rPr lang="en-IN" sz="1600" b="1" dirty="0"/>
+              <a:t>​</a:t>
+            </a:r>
+            <a:r>
+              <a:rPr lang="en-US" sz="1600" dirty="0"/>
+              <a:t>Simplify each expression and state the domain.</a:t>
+            </a:r>
+          </a:p>
+          <a:p>
+            <a:pPr marL="720000" indent="-360000">
+              <a:spcAft>
+                <a:spcPts val="2400"/>
+              </a:spcAft>
+              <a:buAutoNum type="alphaLcPeriod"/>
+              <a:tabLst>
+                <a:tab pos="1103313" algn="l"/>
+              </a:tabLst>
+            </a:pPr>
+            <a:r>
+              <a:rPr lang="en-IN" sz="1600" b="1" dirty="0"/>
+              <a:t>​</a:t>
+            </a:r>
+          </a:p>
+          <a:p>
+            <a:pPr marL="702900" indent="-342900">
+              <a:spcAft>
+                <a:spcPts val="15000"/>
+              </a:spcAft>
+              <a:buFont typeface="+mj-lt"/>
+              <a:buAutoNum type="alphaLcPeriod"/>
+              <a:tabLst>
+                <a:tab pos="1103313" algn="l"/>
+              </a:tabLst>
+            </a:pPr>
+            <a:endParaRPr lang="en-IN" sz="1600" dirty="0">
+              <a:solidFill>
+                <a:schemeClr val="tx1"/>
+              </a:solidFill>
+            </a:endParaRPr>
+          </a:p>
+        </p:txBody>
+      </p:sp>
+      <p:sp>
+        <p:nvSpPr>
+          <p:cNvPr id="13" name="Rectangle 12">
+            <a:extLst>
+              <a:ext uri="{FF2B5EF4-FFF2-40B4-BE49-F238E27FC236}">
+                <a16:creationId xmlns:a16="http://schemas.microsoft.com/office/drawing/2014/main" id="{0EE158CF-06D1-B093-E7A6-7BEEFCD6F959}"/>
+              </a:ext>
+            </a:extLst>
+          </p:cNvPr>
+          <p:cNvSpPr/>
+          <p:nvPr/>
+        </p:nvSpPr>
+        <p:spPr>
+          <a:xfrm>
+            <a:off x="452746" y="464612"/>
+            <a:ext cx="1480557" cy="295175"/>
+          </a:xfrm>
+          <a:prstGeom prst="rect">
+            <a:avLst/>
+          </a:prstGeom>
+          <a:solidFill>
+            <a:srgbClr val="1A4F8D"/>
+          </a:solidFill>
+          <a:ln>
+            <a:noFill/>
+          </a:ln>
+        </p:spPr>
+        <p:style>
+          <a:lnRef idx="2">
+            <a:schemeClr val="accent1">
+              <a:shade val="50000"/>
+            </a:schemeClr>
+          </a:lnRef>
+          <a:fillRef idx="1">
+            <a:schemeClr val="accent1"/>
+          </a:fillRef>
+          <a:effectRef idx="0">
+            <a:schemeClr val="accent1"/>
+          </a:effectRef>
+          <a:fontRef idx="minor">
+            <a:schemeClr val="lt1"/>
+          </a:fontRef>
+        </p:style>
+        <p:txBody>
+          <a:bodyPr wrap="square" tIns="0" bIns="18000" rtlCol="0" anchor="ctr">
+            <a:spAutoFit/>
+          </a:bodyPr>
+          <a:lstStyle/>
+          <a:p>
+            <a:r>
+              <a:rPr lang="en-IN" sz="1800" b="1" cap="all" dirty="0">
+                <a:solidFill>
+                  <a:schemeClr val="bg1"/>
+                </a:solidFill>
+              </a:rPr>
+              <a:t>Example 2</a:t>
+            </a:r>
+            <a:endParaRPr lang="en-US" sz="1800" cap="all" dirty="0"/>
+          </a:p>
+        </p:txBody>
+      </p:sp>
+      <p:cxnSp>
+        <p:nvCxnSpPr>
+          <p:cNvPr id="14" name="Straight Connector 13">
+            <a:extLst>
+              <a:ext uri="{FF2B5EF4-FFF2-40B4-BE49-F238E27FC236}">
+                <a16:creationId xmlns:a16="http://schemas.microsoft.com/office/drawing/2014/main" id="{5A5C9E4C-53F9-EF3D-FC4E-58368015538B}"/>
+              </a:ext>
+            </a:extLst>
+          </p:cNvPr>
+          <p:cNvCxnSpPr/>
+          <p:nvPr/>
+        </p:nvCxnSpPr>
+        <p:spPr>
+          <a:xfrm>
+            <a:off x="425301" y="894900"/>
+            <a:ext cx="8304028" cy="0"/>
+          </a:xfrm>
+          <a:prstGeom prst="line">
+            <a:avLst/>
+          </a:prstGeom>
+          <a:ln w="25400">
+            <a:solidFill>
+              <a:srgbClr val="0078AE"/>
+            </a:solidFill>
+            <a:prstDash val="dash"/>
+          </a:ln>
+        </p:spPr>
+        <p:style>
+          <a:lnRef idx="1">
+            <a:schemeClr val="accent1"/>
+          </a:lnRef>
+          <a:fillRef idx="0">
+            <a:schemeClr val="accent1"/>
+          </a:fillRef>
+          <a:effectRef idx="0">
+            <a:schemeClr val="accent1"/>
+          </a:effectRef>
+          <a:fontRef idx="minor">
+            <a:schemeClr val="tx1"/>
+          </a:fontRef>
+        </p:style>
+      </p:cxnSp>
+      <p:pic>
+        <p:nvPicPr>
+          <p:cNvPr id="21" name="Picture 20">
+            <a:extLst>
+              <a:ext uri="{FF2B5EF4-FFF2-40B4-BE49-F238E27FC236}">
+                <a16:creationId xmlns:a16="http://schemas.microsoft.com/office/drawing/2014/main" id="{F2F773C0-1FE3-C9CA-2DA6-B17B09285D9C}"/>
+              </a:ext>
+            </a:extLst>
+          </p:cNvPr>
+          <p:cNvPicPr>
+            <a:picLocks noChangeAspect="1"/>
+          </p:cNvPicPr>
+          <p:nvPr/>
+        </p:nvPicPr>
+        <p:blipFill>
+          <a:blip r:embed="rId3"/>
+          <a:stretch>
+            <a:fillRect/>
+          </a:stretch>
+        </p:blipFill>
+        <p:spPr>
+          <a:xfrm>
+            <a:off x="1154839" y="1547748"/>
+            <a:ext cx="1389204" cy="667603"/>
+          </a:xfrm>
+          <a:prstGeom prst="rect">
+            <a:avLst/>
+          </a:prstGeom>
+        </p:spPr>
+      </p:pic>
+    </p:spTree>
+    <p:extLst>
+      <p:ext uri="{BB962C8B-B14F-4D97-AF65-F5344CB8AC3E}">
+        <p14:creationId xmlns:p14="http://schemas.microsoft.com/office/powerpoint/2010/main" val="415870373"/>
+      </p:ext>
+    </p:extLst>
+  </p:cSld>
+  <p:clrMapOvr>
+    <a:masterClrMapping/>
+  </p:clrMapOvr>
+</p:sld>
+</file>
+
+<file path=ppt/slides/slide13.xml><?xml version="1.0" encoding="utf-8"?>
+<p:sld xmlns:a="http://schemas.openxmlformats.org/drawingml/2006/main" xmlns:r="http://schemas.openxmlformats.org/officeDocument/2006/relationships" xmlns:p="http://schemas.openxmlformats.org/presentationml/2006/main">
+  <p:cSld>
+    <p:spTree>
+      <p:nvGrpSpPr>
+        <p:cNvPr id="1" name="Shape 173">
+          <a:extLst>
+            <a:ext uri="{FF2B5EF4-FFF2-40B4-BE49-F238E27FC236}">
+              <a16:creationId xmlns:a16="http://schemas.microsoft.com/office/drawing/2014/main" id="{9C147BEA-6125-3DDE-288B-555A2F3ABB6F}"/>
+            </a:ext>
+          </a:extLst>
+        </p:cNvPr>
+        <p:cNvGrpSpPr/>
+        <p:nvPr/>
+      </p:nvGrpSpPr>
+      <p:grpSpPr>
+        <a:xfrm>
+          <a:off x="0" y="0"/>
+          <a:ext cx="0" cy="0"/>
+          <a:chOff x="0" y="0"/>
+          <a:chExt cx="0" cy="0"/>
+        </a:xfrm>
+      </p:grpSpPr>
+      <p:sp>
+        <p:nvSpPr>
+          <p:cNvPr id="12" name="TextBox 11">
+            <a:extLst>
+              <a:ext uri="{FF2B5EF4-FFF2-40B4-BE49-F238E27FC236}">
+                <a16:creationId xmlns:a16="http://schemas.microsoft.com/office/drawing/2014/main" id="{268278DF-1E21-EF40-B298-27BD41EF5561}"/>
+              </a:ext>
+            </a:extLst>
+          </p:cNvPr>
+          <p:cNvSpPr txBox="1"/>
+          <p:nvPr/>
+        </p:nvSpPr>
+        <p:spPr>
+          <a:xfrm>
+            <a:off x="355758" y="430002"/>
+            <a:ext cx="8341433" cy="2180084"/>
+          </a:xfrm>
+          <a:prstGeom prst="rect">
+            <a:avLst/>
+          </a:prstGeom>
+          <a:noFill/>
+        </p:spPr>
+        <p:txBody>
+          <a:bodyPr wrap="square" rIns="36000" rtlCol="0">
+            <a:spAutoFit/>
+          </a:bodyPr>
+          <a:lstStyle/>
+          <a:p>
+            <a:pPr marL="1663700">
+              <a:spcAft>
+                <a:spcPts val="2000"/>
+              </a:spcAft>
+              <a:tabLst>
+                <a:tab pos="1582738" algn="l"/>
+              </a:tabLst>
+            </a:pPr>
+            <a:r>
+              <a:rPr lang="en-US" sz="1800" b="1" dirty="0">
+                <a:solidFill>
+                  <a:srgbClr val="58585A"/>
+                </a:solidFill>
+              </a:rPr>
+              <a:t>Simplify a Rational Expression</a:t>
+            </a:r>
+            <a:endParaRPr lang="en-IN" sz="1800" b="1" dirty="0">
+              <a:solidFill>
+                <a:srgbClr val="58585A"/>
+              </a:solidFill>
+            </a:endParaRPr>
+          </a:p>
+          <a:p>
+            <a:pPr marL="1476375" indent="-1466850">
+              <a:spcAft>
+                <a:spcPts val="600"/>
+              </a:spcAft>
+              <a:tabLst>
+                <a:tab pos="1062038" algn="l"/>
+                <a:tab pos="1465263" algn="l"/>
+              </a:tabLst>
+            </a:pPr>
+            <a:r>
+              <a:rPr lang="en-IN" sz="1800" b="1" dirty="0">
+                <a:solidFill>
+                  <a:srgbClr val="D92B31"/>
+                </a:solidFill>
+              </a:rPr>
+              <a:t>Try It!</a:t>
+            </a:r>
+            <a:endParaRPr lang="en-IN" sz="1800" b="1" dirty="0">
+              <a:solidFill>
+                <a:schemeClr val="tx1"/>
+              </a:solidFill>
+            </a:endParaRPr>
+          </a:p>
+          <a:p>
+            <a:pPr marL="360000" indent="-378000">
+              <a:spcAft>
+                <a:spcPts val="1200"/>
+              </a:spcAft>
+              <a:buFont typeface="+mj-lt"/>
+              <a:buAutoNum type="arabicPeriod" startAt="2"/>
+            </a:pPr>
+            <a:r>
+              <a:rPr lang="en-IN" sz="1600" b="1" dirty="0"/>
+              <a:t>​</a:t>
+            </a:r>
+            <a:r>
+              <a:rPr lang="en-US" sz="1600" dirty="0"/>
+              <a:t>Simplify each expression and state the domain.</a:t>
+            </a:r>
+          </a:p>
+          <a:p>
+            <a:pPr marL="720000" indent="-360000">
+              <a:spcAft>
+                <a:spcPts val="2400"/>
+              </a:spcAft>
+              <a:buAutoNum type="alphaLcPeriod"/>
+              <a:tabLst>
+                <a:tab pos="1103313" algn="l"/>
+              </a:tabLst>
+            </a:pPr>
+            <a:endParaRPr lang="en-IN" sz="1600" b="1" dirty="0"/>
+          </a:p>
+          <a:p>
+            <a:pPr marL="360000">
+              <a:spcAft>
+                <a:spcPts val="15000"/>
+              </a:spcAft>
+              <a:tabLst>
+                <a:tab pos="1103313" algn="l"/>
+              </a:tabLst>
+            </a:pPr>
+            <a:r>
+              <a:rPr lang="en-IN" sz="1600" b="1" dirty="0"/>
+              <a:t>b.​</a:t>
+            </a:r>
+            <a:endParaRPr lang="en-IN" sz="1600" dirty="0">
+              <a:solidFill>
+                <a:schemeClr val="tx1"/>
+              </a:solidFill>
+            </a:endParaRPr>
+          </a:p>
+        </p:txBody>
+      </p:sp>
+      <p:sp>
+        <p:nvSpPr>
+          <p:cNvPr id="13" name="Rectangle 12">
+            <a:extLst>
+              <a:ext uri="{FF2B5EF4-FFF2-40B4-BE49-F238E27FC236}">
+                <a16:creationId xmlns:a16="http://schemas.microsoft.com/office/drawing/2014/main" id="{32A894C5-14B7-2F08-46D4-1A32B073E989}"/>
+              </a:ext>
+            </a:extLst>
+          </p:cNvPr>
+          <p:cNvSpPr/>
+          <p:nvPr/>
+        </p:nvSpPr>
+        <p:spPr>
+          <a:xfrm>
+            <a:off x="452746" y="464612"/>
+            <a:ext cx="1480557" cy="295175"/>
+          </a:xfrm>
+          <a:prstGeom prst="rect">
+            <a:avLst/>
+          </a:prstGeom>
+          <a:solidFill>
+            <a:srgbClr val="1A4F8D"/>
+          </a:solidFill>
+          <a:ln>
+            <a:noFill/>
+          </a:ln>
+        </p:spPr>
+        <p:style>
+          <a:lnRef idx="2">
+            <a:schemeClr val="accent1">
+              <a:shade val="50000"/>
+            </a:schemeClr>
+          </a:lnRef>
+          <a:fillRef idx="1">
+            <a:schemeClr val="accent1"/>
+          </a:fillRef>
+          <a:effectRef idx="0">
+            <a:schemeClr val="accent1"/>
+          </a:effectRef>
+          <a:fontRef idx="minor">
+            <a:schemeClr val="lt1"/>
+          </a:fontRef>
+        </p:style>
+        <p:txBody>
+          <a:bodyPr wrap="square" tIns="0" bIns="18000" rtlCol="0" anchor="ctr">
+            <a:spAutoFit/>
+          </a:bodyPr>
+          <a:lstStyle/>
+          <a:p>
+            <a:r>
+              <a:rPr lang="en-IN" sz="1800" b="1" cap="all" dirty="0">
+                <a:solidFill>
+                  <a:schemeClr val="bg1"/>
+                </a:solidFill>
+              </a:rPr>
+              <a:t>Example 2</a:t>
+            </a:r>
+            <a:endParaRPr lang="en-US" sz="1800" cap="all" dirty="0"/>
+          </a:p>
+        </p:txBody>
+      </p:sp>
+      <p:cxnSp>
+        <p:nvCxnSpPr>
+          <p:cNvPr id="14" name="Straight Connector 13">
+            <a:extLst>
+              <a:ext uri="{FF2B5EF4-FFF2-40B4-BE49-F238E27FC236}">
+                <a16:creationId xmlns:a16="http://schemas.microsoft.com/office/drawing/2014/main" id="{A13B51E9-A26F-382F-64E5-A8AB736BCBC8}"/>
+              </a:ext>
+            </a:extLst>
+          </p:cNvPr>
+          <p:cNvCxnSpPr/>
+          <p:nvPr/>
+        </p:nvCxnSpPr>
+        <p:spPr>
+          <a:xfrm>
+            <a:off x="425301" y="894900"/>
+            <a:ext cx="8304028" cy="0"/>
+          </a:xfrm>
+          <a:prstGeom prst="line">
+            <a:avLst/>
+          </a:prstGeom>
+          <a:ln w="25400">
+            <a:solidFill>
+              <a:srgbClr val="0078AE"/>
+            </a:solidFill>
+            <a:prstDash val="dash"/>
+          </a:ln>
+        </p:spPr>
+        <p:style>
+          <a:lnRef idx="1">
+            <a:schemeClr val="accent1"/>
+          </a:lnRef>
+          <a:fillRef idx="0">
+            <a:schemeClr val="accent1"/>
+          </a:fillRef>
+          <a:effectRef idx="0">
+            <a:schemeClr val="accent1"/>
+          </a:effectRef>
+          <a:fontRef idx="minor">
+            <a:schemeClr val="tx1"/>
+          </a:fontRef>
+        </p:style>
+      </p:cxnSp>
+      <p:pic>
+        <p:nvPicPr>
+          <p:cNvPr id="19" name="Picture 18">
+            <a:extLst>
+              <a:ext uri="{FF2B5EF4-FFF2-40B4-BE49-F238E27FC236}">
+                <a16:creationId xmlns:a16="http://schemas.microsoft.com/office/drawing/2014/main" id="{1A094639-B6F8-40F6-6715-8ED050F28083}"/>
+              </a:ext>
+            </a:extLst>
+          </p:cNvPr>
+          <p:cNvPicPr>
+            <a:picLocks noChangeAspect="1"/>
+          </p:cNvPicPr>
+          <p:nvPr/>
+        </p:nvPicPr>
+        <p:blipFill>
+          <a:blip r:embed="rId3"/>
+          <a:stretch>
+            <a:fillRect/>
+          </a:stretch>
+        </p:blipFill>
+        <p:spPr>
+          <a:xfrm>
+            <a:off x="1170790" y="2122409"/>
+            <a:ext cx="1565922" cy="667603"/>
+          </a:xfrm>
+          <a:prstGeom prst="rect">
+            <a:avLst/>
+          </a:prstGeom>
+        </p:spPr>
+      </p:pic>
+    </p:spTree>
+    <p:extLst>
+      <p:ext uri="{BB962C8B-B14F-4D97-AF65-F5344CB8AC3E}">
+        <p14:creationId xmlns:p14="http://schemas.microsoft.com/office/powerpoint/2010/main" val="1894691533"/>
+      </p:ext>
+    </p:extLst>
+  </p:cSld>
+  <p:clrMapOvr>
+    <a:masterClrMapping/>
+  </p:clrMapOvr>
+</p:sld>
+</file>
+
+<file path=ppt/slides/slide14.xml><?xml version="1.0" encoding="utf-8"?>
+<p:sld xmlns:a="http://schemas.openxmlformats.org/drawingml/2006/main" xmlns:r="http://schemas.openxmlformats.org/officeDocument/2006/relationships" xmlns:p="http://schemas.openxmlformats.org/presentationml/2006/main">
+  <p:cSld>
+    <p:spTree>
+      <p:nvGrpSpPr>
+        <p:cNvPr id="1" name="Shape 173"/>
+        <p:cNvGrpSpPr/>
+        <p:nvPr/>
+      </p:nvGrpSpPr>
+      <p:grpSpPr>
+        <a:xfrm>
+          <a:off x="0" y="0"/>
+          <a:ext cx="0" cy="0"/>
+          <a:chOff x="0" y="0"/>
+          <a:chExt cx="0" cy="0"/>
+        </a:xfrm>
+      </p:grpSpPr>
+      <p:sp>
+        <p:nvSpPr>
+          <p:cNvPr id="11" name="TextBox 10">
+            <a:extLst>
+              <a:ext uri="{FF2B5EF4-FFF2-40B4-BE49-F238E27FC236}">
+                <a16:creationId xmlns:a16="http://schemas.microsoft.com/office/drawing/2014/main" id="{645D4BE6-4696-CAFC-28AE-1A2890C09089}"/>
+              </a:ext>
+            </a:extLst>
+          </p:cNvPr>
+          <p:cNvSpPr txBox="1"/>
+          <p:nvPr/>
+        </p:nvSpPr>
+        <p:spPr>
+          <a:xfrm>
+            <a:off x="355758" y="371581"/>
+            <a:ext cx="8321209" cy="3544560"/>
+          </a:xfrm>
+          <a:prstGeom prst="rect">
+            <a:avLst/>
+          </a:prstGeom>
+          <a:noFill/>
+        </p:spPr>
+        <p:txBody>
+          <a:bodyPr wrap="square" rIns="36000" rtlCol="0">
+            <a:spAutoFit/>
+          </a:bodyPr>
+          <a:lstStyle/>
+          <a:p>
+            <a:pPr marL="1663700">
+              <a:spcAft>
+                <a:spcPts val="1000"/>
+              </a:spcAft>
+              <a:tabLst>
+                <a:tab pos="1582738" algn="l"/>
+              </a:tabLst>
+            </a:pPr>
+            <a:r>
+              <a:rPr lang="en-US" sz="1800" b="1" dirty="0">
+                <a:solidFill>
+                  <a:srgbClr val="58585A"/>
+                </a:solidFill>
+              </a:rPr>
+              <a:t>Multiply Rational Expressions</a:t>
+            </a:r>
+            <a:endParaRPr lang="en-IN" sz="1800" b="1" dirty="0">
+              <a:solidFill>
+                <a:srgbClr val="58585A"/>
+              </a:solidFill>
+            </a:endParaRPr>
+          </a:p>
+          <a:p>
+            <a:pPr marL="342900" indent="-342900">
+              <a:spcAft>
+                <a:spcPts val="1200"/>
+              </a:spcAft>
+              <a:buFont typeface="+mj-lt"/>
+              <a:buAutoNum type="alphaUcPeriod"/>
+            </a:pPr>
+            <a:r>
+              <a:rPr lang="en-US" sz="1600" b="1" dirty="0"/>
+              <a:t>What is the product of      </a:t>
+            </a:r>
+            <a:r>
+              <a:rPr lang="en-US" sz="800" b="1" dirty="0"/>
+              <a:t> </a:t>
+            </a:r>
+            <a:r>
+              <a:rPr lang="en-US" sz="1600" b="1" dirty="0"/>
+              <a:t> and         </a:t>
+            </a:r>
+            <a:endParaRPr lang="mr-IN" sz="1600" b="1" dirty="0"/>
+          </a:p>
+          <a:p>
+            <a:pPr marL="342000">
+              <a:spcAft>
+                <a:spcPts val="15600"/>
+              </a:spcAft>
+            </a:pPr>
+            <a:r>
+              <a:rPr lang="en-US" dirty="0"/>
+              <a:t>To multiply rational expressions, follow a similar method to that for multiplying two numerical fractions.</a:t>
+            </a:r>
+          </a:p>
+          <a:p>
+            <a:pPr marL="342000"/>
+            <a:r>
+              <a:rPr lang="en-US" dirty="0"/>
+              <a:t>The product of        and        is      </a:t>
+            </a:r>
+            <a:r>
+              <a:rPr lang="en-US" sz="800" dirty="0"/>
+              <a:t> </a:t>
+            </a:r>
+            <a:r>
+              <a:rPr lang="en-US" dirty="0"/>
+              <a:t>  for </a:t>
+            </a:r>
+            <a:r>
+              <a:rPr lang="en-US" i="1" dirty="0"/>
+              <a:t>y</a:t>
+            </a:r>
+            <a:r>
+              <a:rPr lang="en-US" dirty="0"/>
+              <a:t> ≠ 0 and </a:t>
+            </a:r>
+            <a:r>
+              <a:rPr lang="en-US" i="1" dirty="0"/>
+              <a:t>z</a:t>
+            </a:r>
+            <a:r>
+              <a:rPr lang="en-US" dirty="0"/>
+              <a:t> ≠ 0. </a:t>
+            </a:r>
+            <a:endParaRPr lang="en-IN" b="1" dirty="0">
+              <a:solidFill>
+                <a:schemeClr val="tx1"/>
+              </a:solidFill>
+            </a:endParaRPr>
+          </a:p>
+        </p:txBody>
+      </p:sp>
+      <p:sp>
+        <p:nvSpPr>
+          <p:cNvPr id="12" name="Rectangle 11">
+            <a:extLst>
+              <a:ext uri="{FF2B5EF4-FFF2-40B4-BE49-F238E27FC236}">
+                <a16:creationId xmlns:a16="http://schemas.microsoft.com/office/drawing/2014/main" id="{7303F1BE-8474-9142-6F40-026927850A88}"/>
+              </a:ext>
+            </a:extLst>
+          </p:cNvPr>
+          <p:cNvSpPr/>
+          <p:nvPr/>
+        </p:nvSpPr>
+        <p:spPr>
+          <a:xfrm>
+            <a:off x="452746" y="414142"/>
+            <a:ext cx="1480557" cy="295175"/>
+          </a:xfrm>
+          <a:prstGeom prst="rect">
+            <a:avLst/>
+          </a:prstGeom>
+          <a:solidFill>
+            <a:srgbClr val="1A4F8D"/>
+          </a:solidFill>
+          <a:ln>
+            <a:noFill/>
+          </a:ln>
+        </p:spPr>
+        <p:style>
+          <a:lnRef idx="2">
+            <a:schemeClr val="accent1">
+              <a:shade val="50000"/>
+            </a:schemeClr>
+          </a:lnRef>
+          <a:fillRef idx="1">
+            <a:schemeClr val="accent1"/>
+          </a:fillRef>
+          <a:effectRef idx="0">
+            <a:schemeClr val="accent1"/>
+          </a:effectRef>
+          <a:fontRef idx="minor">
+            <a:schemeClr val="lt1"/>
+          </a:fontRef>
+        </p:style>
+        <p:txBody>
+          <a:bodyPr wrap="square" tIns="0" bIns="18000" rtlCol="0" anchor="ctr">
+            <a:spAutoFit/>
+          </a:bodyPr>
+          <a:lstStyle/>
+          <a:p>
+            <a:r>
+              <a:rPr lang="en-IN" sz="1800" b="1" cap="all" dirty="0">
+                <a:solidFill>
+                  <a:schemeClr val="bg1"/>
+                </a:solidFill>
+              </a:rPr>
+              <a:t>Example 3</a:t>
+            </a:r>
+            <a:endParaRPr lang="en-US" sz="1800" cap="all" dirty="0"/>
+          </a:p>
+        </p:txBody>
+      </p:sp>
+      <p:pic>
+        <p:nvPicPr>
+          <p:cNvPr id="7" name="Picture 6">
+            <a:extLst>
+              <a:ext uri="{FF2B5EF4-FFF2-40B4-BE49-F238E27FC236}">
+                <a16:creationId xmlns:a16="http://schemas.microsoft.com/office/drawing/2014/main" id="{D4990301-6FBE-05FC-0D09-E4FA27A4DB48}"/>
+              </a:ext>
+            </a:extLst>
+          </p:cNvPr>
+          <p:cNvPicPr>
+            <a:picLocks noChangeAspect="1"/>
+          </p:cNvPicPr>
+          <p:nvPr/>
+        </p:nvPicPr>
+        <p:blipFill>
+          <a:blip r:embed="rId3"/>
+          <a:stretch>
+            <a:fillRect/>
+          </a:stretch>
+        </p:blipFill>
+        <p:spPr>
+          <a:xfrm>
+            <a:off x="3732201" y="727846"/>
+            <a:ext cx="468573" cy="446259"/>
+          </a:xfrm>
+          <a:prstGeom prst="rect">
+            <a:avLst/>
+          </a:prstGeom>
+        </p:spPr>
+      </p:pic>
+      <p:pic>
+        <p:nvPicPr>
+          <p:cNvPr id="15" name="Picture 14">
+            <a:extLst>
+              <a:ext uri="{FF2B5EF4-FFF2-40B4-BE49-F238E27FC236}">
+                <a16:creationId xmlns:a16="http://schemas.microsoft.com/office/drawing/2014/main" id="{32A14A58-85ED-9D1E-9577-07190AAC1616}"/>
+              </a:ext>
+            </a:extLst>
+          </p:cNvPr>
+          <p:cNvPicPr>
+            <a:picLocks noChangeAspect="1"/>
+          </p:cNvPicPr>
+          <p:nvPr/>
+        </p:nvPicPr>
+        <p:blipFill>
+          <a:blip r:embed="rId4"/>
+          <a:stretch>
+            <a:fillRect/>
+          </a:stretch>
+        </p:blipFill>
+        <p:spPr>
+          <a:xfrm>
+            <a:off x="2923126" y="773345"/>
+            <a:ext cx="446259" cy="330231"/>
+          </a:xfrm>
+          <a:prstGeom prst="rect">
+            <a:avLst/>
+          </a:prstGeom>
+        </p:spPr>
+      </p:pic>
+      <p:pic>
+        <p:nvPicPr>
+          <p:cNvPr id="17" name="Picture 16">
+            <a:extLst>
+              <a:ext uri="{FF2B5EF4-FFF2-40B4-BE49-F238E27FC236}">
+                <a16:creationId xmlns:a16="http://schemas.microsoft.com/office/drawing/2014/main" id="{BF9BBC98-7BAA-E75E-E953-901281B7BFFF}"/>
+              </a:ext>
+            </a:extLst>
+          </p:cNvPr>
+          <p:cNvPicPr>
+            <a:picLocks noChangeAspect="1"/>
+          </p:cNvPicPr>
+          <p:nvPr/>
+        </p:nvPicPr>
+        <p:blipFill>
+          <a:blip r:embed="rId5"/>
+          <a:stretch>
+            <a:fillRect/>
+          </a:stretch>
+        </p:blipFill>
+        <p:spPr>
+          <a:xfrm>
+            <a:off x="617351" y="1677795"/>
+            <a:ext cx="5087348" cy="1713633"/>
+          </a:xfrm>
+          <a:prstGeom prst="rect">
+            <a:avLst/>
+          </a:prstGeom>
+        </p:spPr>
+      </p:pic>
+      <p:pic>
+        <p:nvPicPr>
+          <p:cNvPr id="19" name="Picture 18">
+            <a:extLst>
+              <a:ext uri="{FF2B5EF4-FFF2-40B4-BE49-F238E27FC236}">
+                <a16:creationId xmlns:a16="http://schemas.microsoft.com/office/drawing/2014/main" id="{5E016AF4-913D-787D-B4CD-FF9FF2FA50AC}"/>
+              </a:ext>
+            </a:extLst>
+          </p:cNvPr>
+          <p:cNvPicPr>
+            <a:picLocks noChangeAspect="1"/>
+          </p:cNvPicPr>
+          <p:nvPr/>
+        </p:nvPicPr>
+        <p:blipFill>
+          <a:blip r:embed="rId6"/>
+          <a:stretch>
+            <a:fillRect/>
+          </a:stretch>
+        </p:blipFill>
+        <p:spPr>
+          <a:xfrm>
+            <a:off x="3167088" y="3531615"/>
+            <a:ext cx="397170" cy="459647"/>
+          </a:xfrm>
+          <a:prstGeom prst="rect">
+            <a:avLst/>
+          </a:prstGeom>
+        </p:spPr>
+      </p:pic>
+      <p:pic>
+        <p:nvPicPr>
+          <p:cNvPr id="21" name="Picture 20">
+            <a:extLst>
+              <a:ext uri="{FF2B5EF4-FFF2-40B4-BE49-F238E27FC236}">
+                <a16:creationId xmlns:a16="http://schemas.microsoft.com/office/drawing/2014/main" id="{D9C3E011-23BB-E788-FA96-119037C844C2}"/>
+              </a:ext>
+            </a:extLst>
+          </p:cNvPr>
+          <p:cNvPicPr>
+            <a:picLocks noChangeAspect="1"/>
+          </p:cNvPicPr>
+          <p:nvPr/>
+        </p:nvPicPr>
+        <p:blipFill>
+          <a:blip r:embed="rId7"/>
+          <a:stretch>
+            <a:fillRect/>
+          </a:stretch>
+        </p:blipFill>
+        <p:spPr>
+          <a:xfrm>
+            <a:off x="1942346" y="3537722"/>
+            <a:ext cx="428409" cy="397170"/>
+          </a:xfrm>
+          <a:prstGeom prst="rect">
+            <a:avLst/>
+          </a:prstGeom>
+        </p:spPr>
+      </p:pic>
+      <p:pic>
+        <p:nvPicPr>
+          <p:cNvPr id="23" name="Picture 22">
+            <a:extLst>
+              <a:ext uri="{FF2B5EF4-FFF2-40B4-BE49-F238E27FC236}">
+                <a16:creationId xmlns:a16="http://schemas.microsoft.com/office/drawing/2014/main" id="{90678C08-C4DA-0EE0-0C85-31DBA9ECFBEA}"/>
+              </a:ext>
+            </a:extLst>
+          </p:cNvPr>
+          <p:cNvPicPr>
+            <a:picLocks noChangeAspect="1"/>
+          </p:cNvPicPr>
+          <p:nvPr/>
+        </p:nvPicPr>
+        <p:blipFill>
+          <a:blip r:embed="rId8"/>
+          <a:stretch>
+            <a:fillRect/>
+          </a:stretch>
+        </p:blipFill>
+        <p:spPr>
+          <a:xfrm>
+            <a:off x="2642020" y="3531881"/>
+            <a:ext cx="397170" cy="459647"/>
+          </a:xfrm>
+          <a:prstGeom prst="rect">
+            <a:avLst/>
+          </a:prstGeom>
+        </p:spPr>
+      </p:pic>
+    </p:spTree>
+    <p:extLst>
+      <p:ext uri="{BB962C8B-B14F-4D97-AF65-F5344CB8AC3E}">
+        <p14:creationId xmlns:p14="http://schemas.microsoft.com/office/powerpoint/2010/main" val="1925634044"/>
+      </p:ext>
+    </p:extLst>
+  </p:cSld>
+  <p:clrMapOvr>
+    <a:masterClrMapping/>
+  </p:clrMapOvr>
+</p:sld>
+</file>
+
+<file path=ppt/slides/slide15.xml><?xml version="1.0" encoding="utf-8"?>
+<p:sld xmlns:a="http://schemas.openxmlformats.org/drawingml/2006/main" xmlns:r="http://schemas.openxmlformats.org/officeDocument/2006/relationships" xmlns:p="http://schemas.openxmlformats.org/presentationml/2006/main">
+  <p:cSld>
+    <p:spTree>
+      <p:nvGrpSpPr>
+        <p:cNvPr id="1" name="Shape 173"/>
+        <p:cNvGrpSpPr/>
+        <p:nvPr/>
+      </p:nvGrpSpPr>
+      <p:grpSpPr>
+        <a:xfrm>
+          <a:off x="0" y="0"/>
+          <a:ext cx="0" cy="0"/>
+          <a:chOff x="0" y="0"/>
+          <a:chExt cx="0" cy="0"/>
+        </a:xfrm>
+      </p:grpSpPr>
+      <p:sp>
+        <p:nvSpPr>
+          <p:cNvPr id="13" name="Rounded Rectangle 15">
+            <a:extLst>
+              <a:ext uri="{FF2B5EF4-FFF2-40B4-BE49-F238E27FC236}">
+                <a16:creationId xmlns:a16="http://schemas.microsoft.com/office/drawing/2014/main" id="{D5462CDC-E705-FA22-3B89-B09F7A43F8B9}"/>
+              </a:ext>
+            </a:extLst>
+          </p:cNvPr>
+          <p:cNvSpPr/>
+          <p:nvPr/>
+        </p:nvSpPr>
+        <p:spPr>
+          <a:xfrm>
+            <a:off x="762000" y="4209227"/>
+            <a:ext cx="7352632" cy="666107"/>
+          </a:xfrm>
+          <a:prstGeom prst="roundRect">
+            <a:avLst/>
+          </a:prstGeom>
+          <a:noFill/>
+          <a:ln w="12700">
+            <a:solidFill>
+              <a:schemeClr val="tx1">
+                <a:lumMod val="50000"/>
+                <a:lumOff val="50000"/>
+              </a:schemeClr>
+            </a:solidFill>
+          </a:ln>
+        </p:spPr>
+        <p:style>
+          <a:lnRef idx="2">
+            <a:schemeClr val="accent1">
+              <a:shade val="50000"/>
+            </a:schemeClr>
+          </a:lnRef>
+          <a:fillRef idx="1">
+            <a:schemeClr val="accent1"/>
+          </a:fillRef>
+          <a:effectRef idx="0">
+            <a:schemeClr val="accent1"/>
+          </a:effectRef>
+          <a:fontRef idx="minor">
+            <a:schemeClr val="lt1"/>
+          </a:fontRef>
+        </p:style>
+        <p:txBody>
+          <a:bodyPr rtlCol="0" anchor="ctr"/>
+          <a:lstStyle/>
+          <a:p>
+            <a:pPr>
+              <a:spcAft>
+                <a:spcPts val="300"/>
+              </a:spcAft>
+            </a:pPr>
+            <a:r>
+              <a:rPr lang="x-none" sz="1200" b="1" dirty="0">
+                <a:solidFill>
+                  <a:srgbClr val="C02B43"/>
+                </a:solidFill>
+              </a:rPr>
+              <a:t>USE STRUCTURE</a:t>
+            </a:r>
+            <a:endParaRPr lang="en-IN" sz="1200" b="1" dirty="0">
+              <a:solidFill>
+                <a:srgbClr val="C02B43"/>
+              </a:solidFill>
+            </a:endParaRPr>
+          </a:p>
+          <a:p>
+            <a:r>
+              <a:rPr lang="en-US" sz="1200" dirty="0">
+                <a:solidFill>
+                  <a:schemeClr val="tx1"/>
+                </a:solidFill>
+              </a:rPr>
+              <a:t>Notice that the product of rational expressions is a rational expression. How can you use the definition of rational expressions to show that rational expressions are closed under multiplication?</a:t>
+            </a:r>
+            <a:endParaRPr lang="en-IN" sz="1200" dirty="0">
+              <a:solidFill>
+                <a:schemeClr val="tx1"/>
+              </a:solidFill>
+              <a:latin typeface="Arial" panose="020B0604020202020204" pitchFamily="34" charset="0"/>
+              <a:cs typeface="Arial" panose="020B0604020202020204" pitchFamily="34" charset="0"/>
+            </a:endParaRPr>
+          </a:p>
+        </p:txBody>
+      </p:sp>
+      <p:sp>
+        <p:nvSpPr>
+          <p:cNvPr id="14" name="TextBox 13">
+            <a:extLst>
+              <a:ext uri="{FF2B5EF4-FFF2-40B4-BE49-F238E27FC236}">
+                <a16:creationId xmlns:a16="http://schemas.microsoft.com/office/drawing/2014/main" id="{9BA229E2-AEBF-347E-3C5E-8D585A9D9AA6}"/>
+              </a:ext>
+            </a:extLst>
+          </p:cNvPr>
+          <p:cNvSpPr txBox="1"/>
+          <p:nvPr/>
+        </p:nvSpPr>
+        <p:spPr>
+          <a:xfrm>
+            <a:off x="355758" y="371581"/>
+            <a:ext cx="8321209" cy="743793"/>
+          </a:xfrm>
+          <a:prstGeom prst="rect">
+            <a:avLst/>
+          </a:prstGeom>
+          <a:noFill/>
+        </p:spPr>
+        <p:txBody>
+          <a:bodyPr wrap="square" rIns="36000" rtlCol="0">
+            <a:spAutoFit/>
+          </a:bodyPr>
+          <a:lstStyle/>
+          <a:p>
+            <a:pPr marL="1608138">
+              <a:spcAft>
+                <a:spcPts val="1000"/>
+              </a:spcAft>
+              <a:tabLst>
+                <a:tab pos="1582738" algn="l"/>
+              </a:tabLst>
+            </a:pPr>
+            <a:r>
+              <a:rPr lang="en-US" sz="1800" b="1" dirty="0">
+                <a:solidFill>
+                  <a:srgbClr val="58585A"/>
+                </a:solidFill>
+              </a:rPr>
+              <a:t>Multiply Rational Expressions</a:t>
+            </a:r>
+            <a:endParaRPr lang="en-IN" sz="1800" b="1" dirty="0">
+              <a:solidFill>
+                <a:srgbClr val="58585A"/>
+              </a:solidFill>
+            </a:endParaRPr>
+          </a:p>
+          <a:p>
+            <a:pPr marL="342900" indent="-342900">
+              <a:spcAft>
+                <a:spcPts val="20000"/>
+              </a:spcAft>
+              <a:buFont typeface="+mj-lt"/>
+              <a:buAutoNum type="alphaUcPeriod" startAt="2"/>
+            </a:pPr>
+            <a:r>
+              <a:rPr lang="en-US" sz="1600" b="1" dirty="0"/>
+              <a:t>What is the product of                                         </a:t>
+            </a:r>
+            <a:r>
+              <a:rPr lang="en-IN" sz="1600" b="1" dirty="0"/>
+              <a:t>in simplified form?</a:t>
+            </a:r>
+            <a:endParaRPr lang="mr-IN" sz="1600" b="1" dirty="0"/>
+          </a:p>
+        </p:txBody>
+      </p:sp>
+      <p:sp>
+        <p:nvSpPr>
+          <p:cNvPr id="16" name="Rectangle 15">
+            <a:extLst>
+              <a:ext uri="{FF2B5EF4-FFF2-40B4-BE49-F238E27FC236}">
+                <a16:creationId xmlns:a16="http://schemas.microsoft.com/office/drawing/2014/main" id="{7E075FDC-E3DF-8A7E-0CB6-1082927C3B71}"/>
+              </a:ext>
+            </a:extLst>
+          </p:cNvPr>
+          <p:cNvSpPr/>
+          <p:nvPr/>
+        </p:nvSpPr>
+        <p:spPr>
+          <a:xfrm>
+            <a:off x="452746" y="414142"/>
+            <a:ext cx="1480557" cy="295175"/>
+          </a:xfrm>
+          <a:prstGeom prst="rect">
+            <a:avLst/>
+          </a:prstGeom>
+          <a:solidFill>
+            <a:srgbClr val="1A4F8D"/>
+          </a:solidFill>
+          <a:ln>
+            <a:noFill/>
+          </a:ln>
+        </p:spPr>
+        <p:style>
+          <a:lnRef idx="2">
+            <a:schemeClr val="accent1">
+              <a:shade val="50000"/>
+            </a:schemeClr>
+          </a:lnRef>
+          <a:fillRef idx="1">
+            <a:schemeClr val="accent1"/>
+          </a:fillRef>
+          <a:effectRef idx="0">
+            <a:schemeClr val="accent1"/>
+          </a:effectRef>
+          <a:fontRef idx="minor">
+            <a:schemeClr val="lt1"/>
+          </a:fontRef>
+        </p:style>
+        <p:txBody>
+          <a:bodyPr wrap="square" tIns="0" bIns="18000" rtlCol="0" anchor="ctr">
+            <a:spAutoFit/>
+          </a:bodyPr>
+          <a:lstStyle/>
+          <a:p>
+            <a:r>
+              <a:rPr lang="en-IN" sz="1800" b="1" cap="all" dirty="0">
+                <a:solidFill>
+                  <a:schemeClr val="bg1"/>
+                </a:solidFill>
+              </a:rPr>
+              <a:t>Example 3</a:t>
+            </a:r>
+            <a:endParaRPr lang="en-US" sz="1800" cap="all" dirty="0"/>
+          </a:p>
+        </p:txBody>
+      </p:sp>
+      <p:pic>
+        <p:nvPicPr>
+          <p:cNvPr id="5" name="Picture 4">
+            <a:extLst>
+              <a:ext uri="{FF2B5EF4-FFF2-40B4-BE49-F238E27FC236}">
+                <a16:creationId xmlns:a16="http://schemas.microsoft.com/office/drawing/2014/main" id="{B163979E-60F4-C22E-82BB-80D7A90E257C}"/>
+              </a:ext>
+            </a:extLst>
+          </p:cNvPr>
+          <p:cNvPicPr>
+            <a:picLocks noChangeAspect="1"/>
+          </p:cNvPicPr>
+          <p:nvPr/>
+        </p:nvPicPr>
+        <p:blipFill>
+          <a:blip r:embed="rId3"/>
+          <a:stretch>
+            <a:fillRect/>
+          </a:stretch>
+        </p:blipFill>
+        <p:spPr>
+          <a:xfrm>
+            <a:off x="2966482" y="751523"/>
+            <a:ext cx="2289307" cy="526587"/>
+          </a:xfrm>
+          <a:prstGeom prst="rect">
+            <a:avLst/>
+          </a:prstGeom>
+        </p:spPr>
+      </p:pic>
+      <p:pic>
+        <p:nvPicPr>
+          <p:cNvPr id="22" name="Picture 21">
+            <a:extLst>
+              <a:ext uri="{FF2B5EF4-FFF2-40B4-BE49-F238E27FC236}">
+                <a16:creationId xmlns:a16="http://schemas.microsoft.com/office/drawing/2014/main" id="{1DA1F826-A6AE-FA3E-6CBE-729149321B32}"/>
+              </a:ext>
+            </a:extLst>
+          </p:cNvPr>
+          <p:cNvPicPr>
+            <a:picLocks noChangeAspect="1"/>
+          </p:cNvPicPr>
+          <p:nvPr/>
+        </p:nvPicPr>
+        <p:blipFill>
+          <a:blip r:embed="rId4"/>
+          <a:stretch>
+            <a:fillRect/>
+          </a:stretch>
+        </p:blipFill>
+        <p:spPr>
+          <a:xfrm>
+            <a:off x="637576" y="1464476"/>
+            <a:ext cx="6613553" cy="2266994"/>
+          </a:xfrm>
+          <a:prstGeom prst="rect">
+            <a:avLst/>
+          </a:prstGeom>
+        </p:spPr>
+      </p:pic>
+    </p:spTree>
+    <p:extLst>
+      <p:ext uri="{BB962C8B-B14F-4D97-AF65-F5344CB8AC3E}">
+        <p14:creationId xmlns:p14="http://schemas.microsoft.com/office/powerpoint/2010/main" val="261895233"/>
+      </p:ext>
+    </p:extLst>
+  </p:cSld>
+  <p:clrMapOvr>
+    <a:masterClrMapping/>
+  </p:clrMapOvr>
+</p:sld>
+</file>
+
+<file path=ppt/slides/slide16.xml><?xml version="1.0" encoding="utf-8"?>
+<p:sld xmlns:a="http://schemas.openxmlformats.org/drawingml/2006/main" xmlns:r="http://schemas.openxmlformats.org/officeDocument/2006/relationships" xmlns:p="http://schemas.openxmlformats.org/presentationml/2006/main">
+  <p:cSld>
+    <p:spTree>
+      <p:nvGrpSpPr>
         <p:cNvPr id="1" name="Shape 173"/>
         <p:cNvGrpSpPr/>
         <p:nvPr/>
@@ -5169,10 +7055,6 @@
                 <a:tab pos="1103313" algn="l"/>
               </a:tabLst>
             </a:pPr>
-            <a:r>
-              <a:rPr lang="en-IN" sz="1600" b="1" dirty="0"/>
-              <a:t>​</a:t>
-            </a:r>
             <a:endParaRPr lang="en-IN" sz="1600" dirty="0">
               <a:solidFill>
                 <a:schemeClr val="tx1"/>
@@ -5314,36 +7196,6 @@
           </a:prstGeom>
         </p:spPr>
       </p:pic>
-      <p:pic>
-        <p:nvPicPr>
-          <p:cNvPr id="18" name="Picture 17">
-            <a:extLst>
-              <a:ext uri="{FF2B5EF4-FFF2-40B4-BE49-F238E27FC236}">
-                <a16:creationId xmlns:a16="http://schemas.microsoft.com/office/drawing/2014/main" id="{A41E71C8-E7BD-1DD7-171D-FBAF0CCEAAA2}"/>
-              </a:ext>
-            </a:extLst>
-          </p:cNvPr>
-          <p:cNvPicPr>
-            <a:picLocks noChangeAspect="1"/>
-          </p:cNvPicPr>
-          <p:nvPr/>
-        </p:nvPicPr>
-        <p:blipFill>
-          <a:blip r:embed="rId4"/>
-          <a:stretch>
-            <a:fillRect/>
-          </a:stretch>
-        </p:blipFill>
-        <p:spPr>
-          <a:xfrm>
-            <a:off x="1209092" y="2088642"/>
-            <a:ext cx="2262977" cy="667603"/>
-          </a:xfrm>
-          <a:prstGeom prst="rect">
-            <a:avLst/>
-          </a:prstGeom>
-        </p:spPr>
-      </p:pic>
     </p:spTree>
     <p:extLst>
       <p:ext uri="{BB962C8B-B14F-4D97-AF65-F5344CB8AC3E}">
@@ -5357,7 +7209,300 @@
 </p:sld>
 </file>
 
-<file path=ppt/slides/slide11.xml><?xml version="1.0" encoding="utf-8"?>
+<file path=ppt/slides/slide17.xml><?xml version="1.0" encoding="utf-8"?>
+<p:sld xmlns:a="http://schemas.openxmlformats.org/drawingml/2006/main" xmlns:r="http://schemas.openxmlformats.org/officeDocument/2006/relationships" xmlns:p="http://schemas.openxmlformats.org/presentationml/2006/main">
+  <p:cSld>
+    <p:spTree>
+      <p:nvGrpSpPr>
+        <p:cNvPr id="1" name="Shape 173">
+          <a:extLst>
+            <a:ext uri="{FF2B5EF4-FFF2-40B4-BE49-F238E27FC236}">
+              <a16:creationId xmlns:a16="http://schemas.microsoft.com/office/drawing/2014/main" id="{0402BD5D-AEFF-649F-21B4-0BABC47520F6}"/>
+            </a:ext>
+          </a:extLst>
+        </p:cNvPr>
+        <p:cNvGrpSpPr/>
+        <p:nvPr/>
+      </p:nvGrpSpPr>
+      <p:grpSpPr>
+        <a:xfrm>
+          <a:off x="0" y="0"/>
+          <a:ext cx="0" cy="0"/>
+          <a:chOff x="0" y="0"/>
+          <a:chExt cx="0" cy="0"/>
+        </a:xfrm>
+      </p:grpSpPr>
+      <p:sp>
+        <p:nvSpPr>
+          <p:cNvPr id="11" name="TextBox 10">
+            <a:extLst>
+              <a:ext uri="{FF2B5EF4-FFF2-40B4-BE49-F238E27FC236}">
+                <a16:creationId xmlns:a16="http://schemas.microsoft.com/office/drawing/2014/main" id="{B4CA2322-3372-77DF-8463-23253545132F}"/>
+              </a:ext>
+            </a:extLst>
+          </p:cNvPr>
+          <p:cNvSpPr txBox="1"/>
+          <p:nvPr/>
+        </p:nvSpPr>
+        <p:spPr>
+          <a:xfrm>
+            <a:off x="401283" y="430002"/>
+            <a:ext cx="8341433" cy="2180084"/>
+          </a:xfrm>
+          <a:prstGeom prst="rect">
+            <a:avLst/>
+          </a:prstGeom>
+          <a:noFill/>
+        </p:spPr>
+        <p:txBody>
+          <a:bodyPr wrap="square" rIns="36000" rtlCol="0">
+            <a:spAutoFit/>
+          </a:bodyPr>
+          <a:lstStyle/>
+          <a:p>
+            <a:pPr marL="1608138">
+              <a:spcAft>
+                <a:spcPts val="2000"/>
+              </a:spcAft>
+              <a:tabLst>
+                <a:tab pos="1582738" algn="l"/>
+              </a:tabLst>
+            </a:pPr>
+            <a:r>
+              <a:rPr lang="en-US" sz="1800" b="1" dirty="0">
+                <a:solidFill>
+                  <a:srgbClr val="58585A"/>
+                </a:solidFill>
+              </a:rPr>
+              <a:t>Multiply Rational Expressions</a:t>
+            </a:r>
+            <a:endParaRPr lang="en-IN" sz="1800" b="1" dirty="0">
+              <a:solidFill>
+                <a:srgbClr val="58585A"/>
+              </a:solidFill>
+            </a:endParaRPr>
+          </a:p>
+          <a:p>
+            <a:pPr marL="1476375" indent="-1466850">
+              <a:spcAft>
+                <a:spcPts val="600"/>
+              </a:spcAft>
+              <a:tabLst>
+                <a:tab pos="1062038" algn="l"/>
+                <a:tab pos="1465263" algn="l"/>
+              </a:tabLst>
+            </a:pPr>
+            <a:r>
+              <a:rPr lang="en-IN" sz="1800" b="1" dirty="0">
+                <a:solidFill>
+                  <a:srgbClr val="D92B31"/>
+                </a:solidFill>
+              </a:rPr>
+              <a:t>Try It!</a:t>
+            </a:r>
+            <a:endParaRPr lang="en-IN" sz="1800" b="1" dirty="0">
+              <a:solidFill>
+                <a:schemeClr val="tx1"/>
+              </a:solidFill>
+            </a:endParaRPr>
+          </a:p>
+          <a:p>
+            <a:pPr marL="360000" indent="-378000">
+              <a:spcAft>
+                <a:spcPts val="1200"/>
+              </a:spcAft>
+              <a:buFont typeface="+mj-lt"/>
+              <a:buAutoNum type="arabicPeriod" startAt="3"/>
+            </a:pPr>
+            <a:r>
+              <a:rPr lang="en-IN" sz="1600" b="1" dirty="0"/>
+              <a:t>​</a:t>
+            </a:r>
+            <a:r>
+              <a:rPr lang="en-US" sz="1600" dirty="0"/>
+              <a:t>Find the simplified form of each product, and state the domain.</a:t>
+            </a:r>
+          </a:p>
+          <a:p>
+            <a:pPr marL="720000" indent="-360000">
+              <a:spcAft>
+                <a:spcPts val="2400"/>
+              </a:spcAft>
+              <a:buAutoNum type="alphaLcPeriod"/>
+              <a:tabLst>
+                <a:tab pos="1103313" algn="l"/>
+              </a:tabLst>
+            </a:pPr>
+            <a:endParaRPr lang="en-IN" sz="1600" b="1" dirty="0"/>
+          </a:p>
+          <a:p>
+            <a:pPr marL="360000">
+              <a:spcAft>
+                <a:spcPts val="15000"/>
+              </a:spcAft>
+              <a:tabLst>
+                <a:tab pos="1103313" algn="l"/>
+              </a:tabLst>
+            </a:pPr>
+            <a:r>
+              <a:rPr lang="en-IN" sz="1600" b="1" dirty="0"/>
+              <a:t>b​</a:t>
+            </a:r>
+            <a:endParaRPr lang="en-IN" sz="1600" dirty="0">
+              <a:solidFill>
+                <a:schemeClr val="tx1"/>
+              </a:solidFill>
+            </a:endParaRPr>
+          </a:p>
+        </p:txBody>
+      </p:sp>
+      <p:sp>
+        <p:nvSpPr>
+          <p:cNvPr id="12" name="Rectangle 11">
+            <a:extLst>
+              <a:ext uri="{FF2B5EF4-FFF2-40B4-BE49-F238E27FC236}">
+                <a16:creationId xmlns:a16="http://schemas.microsoft.com/office/drawing/2014/main" id="{0E122093-1DED-0A4A-27A6-D2C86052036E}"/>
+              </a:ext>
+            </a:extLst>
+          </p:cNvPr>
+          <p:cNvSpPr/>
+          <p:nvPr/>
+        </p:nvSpPr>
+        <p:spPr>
+          <a:xfrm>
+            <a:off x="498271" y="464612"/>
+            <a:ext cx="1480557" cy="295175"/>
+          </a:xfrm>
+          <a:prstGeom prst="rect">
+            <a:avLst/>
+          </a:prstGeom>
+          <a:solidFill>
+            <a:srgbClr val="1A4F8D"/>
+          </a:solidFill>
+          <a:ln>
+            <a:noFill/>
+          </a:ln>
+        </p:spPr>
+        <p:style>
+          <a:lnRef idx="2">
+            <a:schemeClr val="accent1">
+              <a:shade val="50000"/>
+            </a:schemeClr>
+          </a:lnRef>
+          <a:fillRef idx="1">
+            <a:schemeClr val="accent1"/>
+          </a:fillRef>
+          <a:effectRef idx="0">
+            <a:schemeClr val="accent1"/>
+          </a:effectRef>
+          <a:fontRef idx="minor">
+            <a:schemeClr val="lt1"/>
+          </a:fontRef>
+        </p:style>
+        <p:txBody>
+          <a:bodyPr wrap="square" tIns="0" bIns="18000" rtlCol="0" anchor="ctr">
+            <a:spAutoFit/>
+          </a:bodyPr>
+          <a:lstStyle/>
+          <a:p>
+            <a:r>
+              <a:rPr lang="en-IN" sz="1800" b="1" cap="all" dirty="0">
+                <a:solidFill>
+                  <a:schemeClr val="bg1"/>
+                </a:solidFill>
+              </a:rPr>
+              <a:t>Example 3</a:t>
+            </a:r>
+            <a:endParaRPr lang="en-US" sz="1800" cap="all" dirty="0"/>
+          </a:p>
+        </p:txBody>
+      </p:sp>
+      <p:cxnSp>
+        <p:nvCxnSpPr>
+          <p:cNvPr id="13" name="Straight Connector 12">
+            <a:extLst>
+              <a:ext uri="{FF2B5EF4-FFF2-40B4-BE49-F238E27FC236}">
+                <a16:creationId xmlns:a16="http://schemas.microsoft.com/office/drawing/2014/main" id="{2258EB54-F3BB-0E65-7CD2-87D78E151180}"/>
+              </a:ext>
+            </a:extLst>
+          </p:cNvPr>
+          <p:cNvCxnSpPr/>
+          <p:nvPr/>
+        </p:nvCxnSpPr>
+        <p:spPr>
+          <a:xfrm>
+            <a:off x="470826" y="894900"/>
+            <a:ext cx="8304028" cy="0"/>
+          </a:xfrm>
+          <a:prstGeom prst="line">
+            <a:avLst/>
+          </a:prstGeom>
+          <a:ln w="25400">
+            <a:solidFill>
+              <a:srgbClr val="0078AE"/>
+            </a:solidFill>
+            <a:prstDash val="dash"/>
+          </a:ln>
+        </p:spPr>
+        <p:style>
+          <a:lnRef idx="1">
+            <a:schemeClr val="accent1"/>
+          </a:lnRef>
+          <a:fillRef idx="0">
+            <a:schemeClr val="accent1"/>
+          </a:fillRef>
+          <a:effectRef idx="0">
+            <a:schemeClr val="accent1"/>
+          </a:effectRef>
+          <a:fontRef idx="minor">
+            <a:schemeClr val="tx1"/>
+          </a:fontRef>
+        </p:style>
+      </p:cxnSp>
+      <p:pic>
+        <p:nvPicPr>
+          <p:cNvPr id="18" name="Picture 17">
+            <a:extLst>
+              <a:ext uri="{FF2B5EF4-FFF2-40B4-BE49-F238E27FC236}">
+                <a16:creationId xmlns:a16="http://schemas.microsoft.com/office/drawing/2014/main" id="{37F30B13-7DA5-1C20-0573-E55BC68E318E}"/>
+              </a:ext>
+            </a:extLst>
+          </p:cNvPr>
+          <p:cNvPicPr>
+            <a:picLocks noChangeAspect="1"/>
+          </p:cNvPicPr>
+          <p:nvPr/>
+        </p:nvPicPr>
+        <p:blipFill>
+          <a:blip r:embed="rId3"/>
+          <a:stretch>
+            <a:fillRect/>
+          </a:stretch>
+        </p:blipFill>
+        <p:spPr>
+          <a:xfrm>
+            <a:off x="1209092" y="2088642"/>
+            <a:ext cx="2262977" cy="667603"/>
+          </a:xfrm>
+          <a:prstGeom prst="rect">
+            <a:avLst/>
+          </a:prstGeom>
+        </p:spPr>
+      </p:pic>
+    </p:spTree>
+    <p:extLst>
+      <p:ext uri="{BB962C8B-B14F-4D97-AF65-F5344CB8AC3E}">
+        <p14:creationId xmlns:p14="http://schemas.microsoft.com/office/powerpoint/2010/main" val="849046716"/>
+      </p:ext>
+    </p:extLst>
+  </p:cSld>
+  <p:clrMapOvr>
+    <a:masterClrMapping/>
+  </p:clrMapOvr>
+</p:sld>
+</file>
+
+<file path=ppt/slides/slide18.xml><?xml version="1.0" encoding="utf-8"?>
 <p:sld xmlns:a="http://schemas.openxmlformats.org/drawingml/2006/main" xmlns:r="http://schemas.openxmlformats.org/officeDocument/2006/relationships" xmlns:p="http://schemas.openxmlformats.org/presentationml/2006/main">
   <p:cSld>
     <p:spTree>
@@ -5739,7 +7884,361 @@
 </p:sld>
 </file>
 
-<file path=ppt/slides/slide12.xml><?xml version="1.0" encoding="utf-8"?>
+<file path=ppt/slides/slide19.xml><?xml version="1.0" encoding="utf-8"?>
+<p:sld xmlns:a="http://schemas.openxmlformats.org/drawingml/2006/main" xmlns:r="http://schemas.openxmlformats.org/officeDocument/2006/relationships" xmlns:p="http://schemas.openxmlformats.org/presentationml/2006/main">
+  <p:cSld>
+    <p:spTree>
+      <p:nvGrpSpPr>
+        <p:cNvPr id="1" name="">
+          <a:extLst>
+            <a:ext uri="{FF2B5EF4-FFF2-40B4-BE49-F238E27FC236}">
+              <a16:creationId xmlns:a16="http://schemas.microsoft.com/office/drawing/2014/main" id="{AC2AF66B-209D-A3C5-328A-6DA6BDE752AB}"/>
+            </a:ext>
+          </a:extLst>
+        </p:cNvPr>
+        <p:cNvGrpSpPr/>
+        <p:nvPr/>
+      </p:nvGrpSpPr>
+      <p:grpSpPr>
+        <a:xfrm>
+          <a:off x="0" y="0"/>
+          <a:ext cx="0" cy="0"/>
+          <a:chOff x="0" y="0"/>
+          <a:chExt cx="0" cy="0"/>
+        </a:xfrm>
+      </p:grpSpPr>
+      <p:sp>
+        <p:nvSpPr>
+          <p:cNvPr id="10" name="TextBox 9">
+            <a:extLst>
+              <a:ext uri="{FF2B5EF4-FFF2-40B4-BE49-F238E27FC236}">
+                <a16:creationId xmlns:a16="http://schemas.microsoft.com/office/drawing/2014/main" id="{9BE22EA1-9509-38F5-8A49-1666179E7558}"/>
+              </a:ext>
+            </a:extLst>
+          </p:cNvPr>
+          <p:cNvSpPr txBox="1"/>
+          <p:nvPr/>
+        </p:nvSpPr>
+        <p:spPr>
+          <a:xfrm>
+            <a:off x="401283" y="430002"/>
+            <a:ext cx="8341433" cy="2180084"/>
+          </a:xfrm>
+          <a:prstGeom prst="rect">
+            <a:avLst/>
+          </a:prstGeom>
+          <a:noFill/>
+        </p:spPr>
+        <p:txBody>
+          <a:bodyPr wrap="square" rIns="36000" rtlCol="0">
+            <a:spAutoFit/>
+          </a:bodyPr>
+          <a:lstStyle/>
+          <a:p>
+            <a:pPr marL="1608138">
+              <a:spcAft>
+                <a:spcPts val="2000"/>
+              </a:spcAft>
+              <a:tabLst>
+                <a:tab pos="1582738" algn="l"/>
+              </a:tabLst>
+            </a:pPr>
+            <a:r>
+              <a:rPr lang="en-US" sz="1800" b="1" dirty="0">
+                <a:solidFill>
+                  <a:srgbClr val="58585A"/>
+                </a:solidFill>
+              </a:rPr>
+              <a:t>Multiply a Rational Expression by a Polynomial</a:t>
+            </a:r>
+            <a:endParaRPr lang="en-IN" sz="1800" b="1" dirty="0">
+              <a:solidFill>
+                <a:srgbClr val="58585A"/>
+              </a:solidFill>
+            </a:endParaRPr>
+          </a:p>
+          <a:p>
+            <a:pPr marL="1476375" indent="-1466850">
+              <a:spcAft>
+                <a:spcPts val="600"/>
+              </a:spcAft>
+              <a:tabLst>
+                <a:tab pos="1062038" algn="l"/>
+                <a:tab pos="1465263" algn="l"/>
+              </a:tabLst>
+            </a:pPr>
+            <a:r>
+              <a:rPr lang="en-IN" sz="1800" b="1" dirty="0">
+                <a:solidFill>
+                  <a:srgbClr val="D92B31"/>
+                </a:solidFill>
+              </a:rPr>
+              <a:t>Try It!</a:t>
+            </a:r>
+            <a:endParaRPr lang="en-IN" sz="1800" b="1" dirty="0">
+              <a:solidFill>
+                <a:schemeClr val="tx1"/>
+              </a:solidFill>
+            </a:endParaRPr>
+          </a:p>
+          <a:p>
+            <a:pPr marL="360000" indent="-378000">
+              <a:spcAft>
+                <a:spcPts val="1200"/>
+              </a:spcAft>
+              <a:buFont typeface="+mj-lt"/>
+              <a:buAutoNum type="arabicPeriod" startAt="4"/>
+            </a:pPr>
+            <a:r>
+              <a:rPr lang="en-IN" sz="1600" b="1" dirty="0"/>
+              <a:t>​</a:t>
+            </a:r>
+            <a:r>
+              <a:rPr lang="en-US" sz="1600" dirty="0"/>
+              <a:t>Find the simplified form of each product and the domain.</a:t>
+            </a:r>
+          </a:p>
+          <a:p>
+            <a:pPr marL="720000" indent="-360000">
+              <a:spcAft>
+                <a:spcPts val="2400"/>
+              </a:spcAft>
+              <a:buAutoNum type="alphaLcPeriod"/>
+              <a:tabLst>
+                <a:tab pos="1103313" algn="l"/>
+              </a:tabLst>
+            </a:pPr>
+            <a:r>
+              <a:rPr lang="en-IN" sz="1600" b="1" dirty="0"/>
+              <a:t>​</a:t>
+            </a:r>
+          </a:p>
+          <a:p>
+            <a:pPr marL="702900" indent="-342900">
+              <a:spcAft>
+                <a:spcPts val="15000"/>
+              </a:spcAft>
+              <a:buFont typeface="+mj-lt"/>
+              <a:buAutoNum type="alphaLcPeriod"/>
+              <a:tabLst>
+                <a:tab pos="1103313" algn="l"/>
+              </a:tabLst>
+            </a:pPr>
+            <a:endParaRPr lang="en-IN" sz="1600" dirty="0">
+              <a:solidFill>
+                <a:schemeClr val="tx1"/>
+              </a:solidFill>
+            </a:endParaRPr>
+          </a:p>
+        </p:txBody>
+      </p:sp>
+      <p:sp>
+        <p:nvSpPr>
+          <p:cNvPr id="12" name="Rectangle 11">
+            <a:extLst>
+              <a:ext uri="{FF2B5EF4-FFF2-40B4-BE49-F238E27FC236}">
+                <a16:creationId xmlns:a16="http://schemas.microsoft.com/office/drawing/2014/main" id="{2FEDD408-034D-A322-D84E-12CF11B855A0}"/>
+              </a:ext>
+            </a:extLst>
+          </p:cNvPr>
+          <p:cNvSpPr/>
+          <p:nvPr/>
+        </p:nvSpPr>
+        <p:spPr>
+          <a:xfrm>
+            <a:off x="498271" y="464612"/>
+            <a:ext cx="1480557" cy="295175"/>
+          </a:xfrm>
+          <a:prstGeom prst="rect">
+            <a:avLst/>
+          </a:prstGeom>
+          <a:solidFill>
+            <a:srgbClr val="1A4F8D"/>
+          </a:solidFill>
+          <a:ln>
+            <a:noFill/>
+          </a:ln>
+        </p:spPr>
+        <p:style>
+          <a:lnRef idx="2">
+            <a:schemeClr val="accent1">
+              <a:shade val="50000"/>
+            </a:schemeClr>
+          </a:lnRef>
+          <a:fillRef idx="1">
+            <a:schemeClr val="accent1"/>
+          </a:fillRef>
+          <a:effectRef idx="0">
+            <a:schemeClr val="accent1"/>
+          </a:effectRef>
+          <a:fontRef idx="minor">
+            <a:schemeClr val="lt1"/>
+          </a:fontRef>
+        </p:style>
+        <p:txBody>
+          <a:bodyPr wrap="square" tIns="0" bIns="18000" rtlCol="0" anchor="ctr">
+            <a:spAutoFit/>
+          </a:bodyPr>
+          <a:lstStyle/>
+          <a:p>
+            <a:r>
+              <a:rPr lang="en-IN" sz="1800" b="1" cap="all" dirty="0">
+                <a:solidFill>
+                  <a:schemeClr val="bg1"/>
+                </a:solidFill>
+              </a:rPr>
+              <a:t>Example 4</a:t>
+            </a:r>
+            <a:endParaRPr lang="en-US" sz="1800" cap="all" dirty="0"/>
+          </a:p>
+        </p:txBody>
+      </p:sp>
+      <p:cxnSp>
+        <p:nvCxnSpPr>
+          <p:cNvPr id="13" name="Straight Connector 12">
+            <a:extLst>
+              <a:ext uri="{FF2B5EF4-FFF2-40B4-BE49-F238E27FC236}">
+                <a16:creationId xmlns:a16="http://schemas.microsoft.com/office/drawing/2014/main" id="{6CE3F551-706F-F856-FA47-2DAE1B0050A6}"/>
+              </a:ext>
+            </a:extLst>
+          </p:cNvPr>
+          <p:cNvCxnSpPr/>
+          <p:nvPr/>
+        </p:nvCxnSpPr>
+        <p:spPr>
+          <a:xfrm>
+            <a:off x="470826" y="894900"/>
+            <a:ext cx="8304028" cy="0"/>
+          </a:xfrm>
+          <a:prstGeom prst="line">
+            <a:avLst/>
+          </a:prstGeom>
+          <a:ln w="25400">
+            <a:solidFill>
+              <a:srgbClr val="0078AE"/>
+            </a:solidFill>
+            <a:prstDash val="dash"/>
+          </a:ln>
+        </p:spPr>
+        <p:style>
+          <a:lnRef idx="1">
+            <a:schemeClr val="accent1"/>
+          </a:lnRef>
+          <a:fillRef idx="0">
+            <a:schemeClr val="accent1"/>
+          </a:fillRef>
+          <a:effectRef idx="0">
+            <a:schemeClr val="accent1"/>
+          </a:effectRef>
+          <a:fontRef idx="minor">
+            <a:schemeClr val="tx1"/>
+          </a:fontRef>
+        </p:style>
+      </p:cxnSp>
+      <p:pic>
+        <p:nvPicPr>
+          <p:cNvPr id="18" name="Picture 17">
+            <a:extLst>
+              <a:ext uri="{FF2B5EF4-FFF2-40B4-BE49-F238E27FC236}">
+                <a16:creationId xmlns:a16="http://schemas.microsoft.com/office/drawing/2014/main" id="{68EC8E47-8139-DBC2-3FBA-3FF6AF7DBC24}"/>
+              </a:ext>
+            </a:extLst>
+          </p:cNvPr>
+          <p:cNvPicPr>
+            <a:picLocks noChangeAspect="1"/>
+          </p:cNvPicPr>
+          <p:nvPr/>
+        </p:nvPicPr>
+        <p:blipFill>
+          <a:blip r:embed="rId2"/>
+          <a:stretch>
+            <a:fillRect/>
+          </a:stretch>
+        </p:blipFill>
+        <p:spPr>
+          <a:xfrm>
+            <a:off x="1228977" y="1450153"/>
+            <a:ext cx="3245239" cy="831558"/>
+          </a:xfrm>
+          <a:prstGeom prst="rect">
+            <a:avLst/>
+          </a:prstGeom>
+        </p:spPr>
+      </p:pic>
+    </p:spTree>
+    <p:extLst>
+      <p:ext uri="{BB962C8B-B14F-4D97-AF65-F5344CB8AC3E}">
+        <p14:creationId xmlns:p14="http://schemas.microsoft.com/office/powerpoint/2010/main" val="1503860697"/>
+      </p:ext>
+    </p:extLst>
+  </p:cSld>
+  <p:clrMapOvr>
+    <a:masterClrMapping/>
+  </p:clrMapOvr>
+</p:sld>
+</file>
+
+<file path=ppt/slides/slide2.xml><?xml version="1.0" encoding="utf-8"?>
+<p:sld xmlns:a="http://schemas.openxmlformats.org/drawingml/2006/main" xmlns:r="http://schemas.openxmlformats.org/officeDocument/2006/relationships" xmlns:p="http://schemas.openxmlformats.org/presentationml/2006/main">
+  <p:cSld>
+    <p:spTree>
+      <p:nvGrpSpPr>
+        <p:cNvPr id="1" name=""/>
+        <p:cNvGrpSpPr/>
+        <p:nvPr/>
+      </p:nvGrpSpPr>
+      <p:grpSpPr>
+        <a:xfrm>
+          <a:off x="0" y="0"/>
+          <a:ext cx="0" cy="0"/>
+          <a:chOff x="0" y="0"/>
+          <a:chExt cx="0" cy="0"/>
+        </a:xfrm>
+      </p:grpSpPr>
+      <p:pic>
+        <p:nvPicPr>
+          <p:cNvPr id="3" name="Picture 2">
+            <a:extLst>
+              <a:ext uri="{FF2B5EF4-FFF2-40B4-BE49-F238E27FC236}">
+                <a16:creationId xmlns:a16="http://schemas.microsoft.com/office/drawing/2014/main" id="{AED0C62C-ECA1-D0AE-6DB3-5FA24E5AE2CF}"/>
+              </a:ext>
+            </a:extLst>
+          </p:cNvPr>
+          <p:cNvPicPr>
+            <a:picLocks noChangeAspect="1"/>
+          </p:cNvPicPr>
+          <p:nvPr/>
+        </p:nvPicPr>
+        <p:blipFill>
+          <a:blip r:embed="rId2"/>
+          <a:stretch>
+            <a:fillRect/>
+          </a:stretch>
+        </p:blipFill>
+        <p:spPr>
+          <a:xfrm>
+            <a:off x="163285" y="86029"/>
+            <a:ext cx="7968344" cy="6421746"/>
+          </a:xfrm>
+          <a:prstGeom prst="rect">
+            <a:avLst/>
+          </a:prstGeom>
+        </p:spPr>
+      </p:pic>
+    </p:spTree>
+    <p:extLst>
+      <p:ext uri="{BB962C8B-B14F-4D97-AF65-F5344CB8AC3E}">
+        <p14:creationId xmlns:p14="http://schemas.microsoft.com/office/powerpoint/2010/main" val="3160350325"/>
+      </p:ext>
+    </p:extLst>
+  </p:cSld>
+  <p:clrMapOvr>
+    <a:masterClrMapping/>
+  </p:clrMapOvr>
+</p:sld>
+</file>
+
+<file path=ppt/slides/slide20.xml><?xml version="1.0" encoding="utf-8"?>
 <p:sld xmlns:a="http://schemas.openxmlformats.org/drawingml/2006/main" xmlns:r="http://schemas.openxmlformats.org/officeDocument/2006/relationships" xmlns:p="http://schemas.openxmlformats.org/presentationml/2006/main">
   <p:cSld>
     <p:spTree>
@@ -5857,25 +8356,20 @@
                 <a:tab pos="1103313" algn="l"/>
               </a:tabLst>
             </a:pPr>
-            <a:r>
-              <a:rPr lang="en-IN" sz="1600" b="1" dirty="0"/>
-              <a:t>​</a:t>
-            </a:r>
-          </a:p>
-          <a:p>
-            <a:pPr marL="702900" indent="-342900">
+            <a:endParaRPr lang="en-IN" sz="1600" b="1" dirty="0"/>
+          </a:p>
+          <a:p>
+            <a:pPr marL="360000">
               <a:spcAft>
                 <a:spcPts val="15000"/>
               </a:spcAft>
-              <a:buFont typeface="+mj-lt"/>
-              <a:buAutoNum type="alphaLcPeriod"/>
               <a:tabLst>
                 <a:tab pos="1103313" algn="l"/>
               </a:tabLst>
             </a:pPr>
             <a:r>
               <a:rPr lang="en-IN" sz="1600" b="1" dirty="0"/>
-              <a:t>​</a:t>
+              <a:t>b​</a:t>
             </a:r>
             <a:endParaRPr lang="en-IN" sz="1600" dirty="0">
               <a:solidFill>
@@ -6018,36 +8512,6 @@
           </a:prstGeom>
         </p:spPr>
       </p:pic>
-      <p:pic>
-        <p:nvPicPr>
-          <p:cNvPr id="18" name="Picture 17">
-            <a:extLst>
-              <a:ext uri="{FF2B5EF4-FFF2-40B4-BE49-F238E27FC236}">
-                <a16:creationId xmlns:a16="http://schemas.microsoft.com/office/drawing/2014/main" id="{7771D614-CEAC-16ED-5876-68ABCBED01DD}"/>
-              </a:ext>
-            </a:extLst>
-          </p:cNvPr>
-          <p:cNvPicPr>
-            <a:picLocks noChangeAspect="1"/>
-          </p:cNvPicPr>
-          <p:nvPr/>
-        </p:nvPicPr>
-        <p:blipFill>
-          <a:blip r:embed="rId3"/>
-          <a:stretch>
-            <a:fillRect/>
-          </a:stretch>
-        </p:blipFill>
-        <p:spPr>
-          <a:xfrm>
-            <a:off x="1228977" y="1450153"/>
-            <a:ext cx="3245239" cy="831558"/>
-          </a:xfrm>
-          <a:prstGeom prst="rect">
-            <a:avLst/>
-          </a:prstGeom>
-        </p:spPr>
-      </p:pic>
     </p:spTree>
     <p:extLst>
       <p:ext uri="{BB962C8B-B14F-4D97-AF65-F5344CB8AC3E}">
@@ -6061,7 +8525,7 @@
 </p:sld>
 </file>
 
-<file path=ppt/slides/slide13.xml><?xml version="1.0" encoding="utf-8"?>
+<file path=ppt/slides/slide21.xml><?xml version="1.0" encoding="utf-8"?>
 <p:sld xmlns:a="http://schemas.openxmlformats.org/drawingml/2006/main" xmlns:r="http://schemas.openxmlformats.org/officeDocument/2006/relationships" xmlns:p="http://schemas.openxmlformats.org/presentationml/2006/main">
   <p:cSld>
     <p:spTree>
@@ -6492,7 +8956,7 @@
 </p:sld>
 </file>
 
-<file path=ppt/slides/slide14.xml><?xml version="1.0" encoding="utf-8"?>
+<file path=ppt/slides/slide22.xml><?xml version="1.0" encoding="utf-8"?>
 <p:sld xmlns:a="http://schemas.openxmlformats.org/drawingml/2006/main" xmlns:r="http://schemas.openxmlformats.org/officeDocument/2006/relationships" xmlns:p="http://schemas.openxmlformats.org/presentationml/2006/main">
   <p:cSld>
     <p:spTree>
@@ -6626,10 +9090,6 @@
                 <a:tab pos="1103313" algn="l"/>
               </a:tabLst>
             </a:pPr>
-            <a:r>
-              <a:rPr lang="en-IN" sz="1600" b="1" dirty="0"/>
-              <a:t>​</a:t>
-            </a:r>
             <a:endParaRPr lang="en-IN" sz="1600" dirty="0">
               <a:solidFill>
                 <a:schemeClr val="tx1"/>
@@ -6743,10 +9203,10 @@
       </p:cxnSp>
       <p:pic>
         <p:nvPicPr>
-          <p:cNvPr id="3" name="Picture 2">
+          <p:cNvPr id="18" name="Picture 17">
             <a:extLst>
               <a:ext uri="{FF2B5EF4-FFF2-40B4-BE49-F238E27FC236}">
-                <a16:creationId xmlns:a16="http://schemas.microsoft.com/office/drawing/2014/main" id="{11E885F7-7BE6-FCB1-2FA4-E0A6968EC972}"/>
+                <a16:creationId xmlns:a16="http://schemas.microsoft.com/office/drawing/2014/main" id="{528312EE-9010-1F9D-1A82-62AD30A1E8A0}"/>
               </a:ext>
             </a:extLst>
           </p:cNvPr>
@@ -6763,36 +9223,6 @@
         </p:blipFill>
         <p:spPr>
           <a:xfrm>
-            <a:off x="1196948" y="2026891"/>
-            <a:ext cx="2046495" cy="734363"/>
-          </a:xfrm>
-          <a:prstGeom prst="rect">
-            <a:avLst/>
-          </a:prstGeom>
-        </p:spPr>
-      </p:pic>
-      <p:pic>
-        <p:nvPicPr>
-          <p:cNvPr id="18" name="Picture 17">
-            <a:extLst>
-              <a:ext uri="{FF2B5EF4-FFF2-40B4-BE49-F238E27FC236}">
-                <a16:creationId xmlns:a16="http://schemas.microsoft.com/office/drawing/2014/main" id="{528312EE-9010-1F9D-1A82-62AD30A1E8A0}"/>
-              </a:ext>
-            </a:extLst>
-          </p:cNvPr>
-          <p:cNvPicPr>
-            <a:picLocks noChangeAspect="1"/>
-          </p:cNvPicPr>
-          <p:nvPr/>
-        </p:nvPicPr>
-        <p:blipFill>
-          <a:blip r:embed="rId3"/>
-          <a:stretch>
-            <a:fillRect/>
-          </a:stretch>
-        </p:blipFill>
-        <p:spPr>
-          <a:xfrm>
             <a:off x="1205016" y="1442053"/>
             <a:ext cx="2311085" cy="750562"/>
           </a:xfrm>
@@ -6814,7 +9244,300 @@
 </p:sld>
 </file>
 
-<file path=ppt/slides/slide15.xml><?xml version="1.0" encoding="utf-8"?>
+<file path=ppt/slides/slide23.xml><?xml version="1.0" encoding="utf-8"?>
+<p:sld xmlns:a="http://schemas.openxmlformats.org/drawingml/2006/main" xmlns:r="http://schemas.openxmlformats.org/officeDocument/2006/relationships" xmlns:p="http://schemas.openxmlformats.org/presentationml/2006/main">
+  <p:cSld>
+    <p:spTree>
+      <p:nvGrpSpPr>
+        <p:cNvPr id="1" name="">
+          <a:extLst>
+            <a:ext uri="{FF2B5EF4-FFF2-40B4-BE49-F238E27FC236}">
+              <a16:creationId xmlns:a16="http://schemas.microsoft.com/office/drawing/2014/main" id="{62502500-3AAD-C61A-2A7A-5CA5F0EA8894}"/>
+            </a:ext>
+          </a:extLst>
+        </p:cNvPr>
+        <p:cNvGrpSpPr/>
+        <p:nvPr/>
+      </p:nvGrpSpPr>
+      <p:grpSpPr>
+        <a:xfrm>
+          <a:off x="0" y="0"/>
+          <a:ext cx="0" cy="0"/>
+          <a:chOff x="0" y="0"/>
+          <a:chExt cx="0" cy="0"/>
+        </a:xfrm>
+      </p:grpSpPr>
+      <p:sp>
+        <p:nvSpPr>
+          <p:cNvPr id="10" name="TextBox 9">
+            <a:extLst>
+              <a:ext uri="{FF2B5EF4-FFF2-40B4-BE49-F238E27FC236}">
+                <a16:creationId xmlns:a16="http://schemas.microsoft.com/office/drawing/2014/main" id="{E990BFA7-0F66-A6FD-6429-FB518B4CD079}"/>
+              </a:ext>
+            </a:extLst>
+          </p:cNvPr>
+          <p:cNvSpPr txBox="1"/>
+          <p:nvPr/>
+        </p:nvSpPr>
+        <p:spPr>
+          <a:xfrm>
+            <a:off x="401283" y="430002"/>
+            <a:ext cx="8341433" cy="2180084"/>
+          </a:xfrm>
+          <a:prstGeom prst="rect">
+            <a:avLst/>
+          </a:prstGeom>
+          <a:noFill/>
+        </p:spPr>
+        <p:txBody>
+          <a:bodyPr wrap="square" rIns="36000" rtlCol="0">
+            <a:spAutoFit/>
+          </a:bodyPr>
+          <a:lstStyle/>
+          <a:p>
+            <a:pPr marL="1608138">
+              <a:spcAft>
+                <a:spcPts val="2000"/>
+              </a:spcAft>
+              <a:tabLst>
+                <a:tab pos="1582738" algn="l"/>
+              </a:tabLst>
+            </a:pPr>
+            <a:r>
+              <a:rPr lang="en-US" sz="1800" b="1" dirty="0">
+                <a:solidFill>
+                  <a:srgbClr val="58585A"/>
+                </a:solidFill>
+              </a:rPr>
+              <a:t>Divide Rational Expressions</a:t>
+            </a:r>
+            <a:endParaRPr lang="en-IN" sz="1800" b="1" dirty="0">
+              <a:solidFill>
+                <a:srgbClr val="58585A"/>
+              </a:solidFill>
+            </a:endParaRPr>
+          </a:p>
+          <a:p>
+            <a:pPr marL="1476375" indent="-1466850">
+              <a:spcAft>
+                <a:spcPts val="600"/>
+              </a:spcAft>
+              <a:tabLst>
+                <a:tab pos="1062038" algn="l"/>
+                <a:tab pos="1465263" algn="l"/>
+              </a:tabLst>
+            </a:pPr>
+            <a:r>
+              <a:rPr lang="en-IN" sz="1800" b="1" dirty="0">
+                <a:solidFill>
+                  <a:srgbClr val="D92B31"/>
+                </a:solidFill>
+              </a:rPr>
+              <a:t>Try It!</a:t>
+            </a:r>
+            <a:endParaRPr lang="en-IN" sz="1800" b="1" dirty="0">
+              <a:solidFill>
+                <a:schemeClr val="tx1"/>
+              </a:solidFill>
+            </a:endParaRPr>
+          </a:p>
+          <a:p>
+            <a:pPr marL="360000" indent="-378000">
+              <a:spcAft>
+                <a:spcPts val="1200"/>
+              </a:spcAft>
+              <a:buFont typeface="+mj-lt"/>
+              <a:buAutoNum type="arabicPeriod" startAt="5"/>
+            </a:pPr>
+            <a:r>
+              <a:rPr lang="en-IN" sz="1600" b="1" dirty="0"/>
+              <a:t>​</a:t>
+            </a:r>
+            <a:r>
+              <a:rPr lang="en-US" sz="1600" dirty="0"/>
+              <a:t>Find the simplified quotient and the domain of each expression.</a:t>
+            </a:r>
+          </a:p>
+          <a:p>
+            <a:pPr marL="720000" indent="-360000">
+              <a:spcAft>
+                <a:spcPts val="2400"/>
+              </a:spcAft>
+              <a:buAutoNum type="alphaLcPeriod"/>
+              <a:tabLst>
+                <a:tab pos="1103313" algn="l"/>
+              </a:tabLst>
+            </a:pPr>
+            <a:endParaRPr lang="en-IN" sz="1600" b="1" dirty="0"/>
+          </a:p>
+          <a:p>
+            <a:pPr marL="360000">
+              <a:spcAft>
+                <a:spcPts val="15000"/>
+              </a:spcAft>
+              <a:tabLst>
+                <a:tab pos="1103313" algn="l"/>
+              </a:tabLst>
+            </a:pPr>
+            <a:r>
+              <a:rPr lang="en-IN" sz="1600" b="1" dirty="0"/>
+              <a:t>b.​</a:t>
+            </a:r>
+            <a:endParaRPr lang="en-IN" sz="1600" dirty="0">
+              <a:solidFill>
+                <a:schemeClr val="tx1"/>
+              </a:solidFill>
+            </a:endParaRPr>
+          </a:p>
+        </p:txBody>
+      </p:sp>
+      <p:sp>
+        <p:nvSpPr>
+          <p:cNvPr id="11" name="Rectangle 10">
+            <a:extLst>
+              <a:ext uri="{FF2B5EF4-FFF2-40B4-BE49-F238E27FC236}">
+                <a16:creationId xmlns:a16="http://schemas.microsoft.com/office/drawing/2014/main" id="{3B2D5004-FDD0-C2F0-1776-E331D1ACDD0F}"/>
+              </a:ext>
+            </a:extLst>
+          </p:cNvPr>
+          <p:cNvSpPr/>
+          <p:nvPr/>
+        </p:nvSpPr>
+        <p:spPr>
+          <a:xfrm>
+            <a:off x="498271" y="464612"/>
+            <a:ext cx="1480557" cy="295175"/>
+          </a:xfrm>
+          <a:prstGeom prst="rect">
+            <a:avLst/>
+          </a:prstGeom>
+          <a:solidFill>
+            <a:srgbClr val="1A4F8D"/>
+          </a:solidFill>
+          <a:ln>
+            <a:noFill/>
+          </a:ln>
+        </p:spPr>
+        <p:style>
+          <a:lnRef idx="2">
+            <a:schemeClr val="accent1">
+              <a:shade val="50000"/>
+            </a:schemeClr>
+          </a:lnRef>
+          <a:fillRef idx="1">
+            <a:schemeClr val="accent1"/>
+          </a:fillRef>
+          <a:effectRef idx="0">
+            <a:schemeClr val="accent1"/>
+          </a:effectRef>
+          <a:fontRef idx="minor">
+            <a:schemeClr val="lt1"/>
+          </a:fontRef>
+        </p:style>
+        <p:txBody>
+          <a:bodyPr wrap="square" tIns="0" bIns="18000" rtlCol="0" anchor="ctr">
+            <a:spAutoFit/>
+          </a:bodyPr>
+          <a:lstStyle/>
+          <a:p>
+            <a:r>
+              <a:rPr lang="en-IN" sz="1800" b="1" cap="all" dirty="0">
+                <a:solidFill>
+                  <a:schemeClr val="bg1"/>
+                </a:solidFill>
+              </a:rPr>
+              <a:t>Example 5</a:t>
+            </a:r>
+            <a:endParaRPr lang="en-US" sz="1800" cap="all" dirty="0"/>
+          </a:p>
+        </p:txBody>
+      </p:sp>
+      <p:cxnSp>
+        <p:nvCxnSpPr>
+          <p:cNvPr id="13" name="Straight Connector 12">
+            <a:extLst>
+              <a:ext uri="{FF2B5EF4-FFF2-40B4-BE49-F238E27FC236}">
+                <a16:creationId xmlns:a16="http://schemas.microsoft.com/office/drawing/2014/main" id="{3FEAB484-5FE4-52FB-5EF1-D408A0D59F6F}"/>
+              </a:ext>
+            </a:extLst>
+          </p:cNvPr>
+          <p:cNvCxnSpPr/>
+          <p:nvPr/>
+        </p:nvCxnSpPr>
+        <p:spPr>
+          <a:xfrm>
+            <a:off x="470826" y="894900"/>
+            <a:ext cx="8304028" cy="0"/>
+          </a:xfrm>
+          <a:prstGeom prst="line">
+            <a:avLst/>
+          </a:prstGeom>
+          <a:ln w="25400">
+            <a:solidFill>
+              <a:srgbClr val="0078AE"/>
+            </a:solidFill>
+            <a:prstDash val="dash"/>
+          </a:ln>
+        </p:spPr>
+        <p:style>
+          <a:lnRef idx="1">
+            <a:schemeClr val="accent1"/>
+          </a:lnRef>
+          <a:fillRef idx="0">
+            <a:schemeClr val="accent1"/>
+          </a:fillRef>
+          <a:effectRef idx="0">
+            <a:schemeClr val="accent1"/>
+          </a:effectRef>
+          <a:fontRef idx="minor">
+            <a:schemeClr val="tx1"/>
+          </a:fontRef>
+        </p:style>
+      </p:cxnSp>
+      <p:pic>
+        <p:nvPicPr>
+          <p:cNvPr id="3" name="Picture 2">
+            <a:extLst>
+              <a:ext uri="{FF2B5EF4-FFF2-40B4-BE49-F238E27FC236}">
+                <a16:creationId xmlns:a16="http://schemas.microsoft.com/office/drawing/2014/main" id="{F363B767-60E1-D5BD-AD0A-16D98A3D60EB}"/>
+              </a:ext>
+            </a:extLst>
+          </p:cNvPr>
+          <p:cNvPicPr>
+            <a:picLocks noChangeAspect="1"/>
+          </p:cNvPicPr>
+          <p:nvPr/>
+        </p:nvPicPr>
+        <p:blipFill>
+          <a:blip r:embed="rId2"/>
+          <a:stretch>
+            <a:fillRect/>
+          </a:stretch>
+        </p:blipFill>
+        <p:spPr>
+          <a:xfrm>
+            <a:off x="1196948" y="2026891"/>
+            <a:ext cx="2046495" cy="734363"/>
+          </a:xfrm>
+          <a:prstGeom prst="rect">
+            <a:avLst/>
+          </a:prstGeom>
+        </p:spPr>
+      </p:pic>
+    </p:spTree>
+    <p:extLst>
+      <p:ext uri="{BB962C8B-B14F-4D97-AF65-F5344CB8AC3E}">
+        <p14:creationId xmlns:p14="http://schemas.microsoft.com/office/powerpoint/2010/main" val="2585974065"/>
+      </p:ext>
+    </p:extLst>
+  </p:cSld>
+  <p:clrMapOvr>
+    <a:masterClrMapping/>
+  </p:clrMapOvr>
+</p:sld>
+</file>
+
+<file path=ppt/slides/slide24.xml><?xml version="1.0" encoding="utf-8"?>
 <p:sld xmlns:a="http://schemas.openxmlformats.org/drawingml/2006/main" xmlns:r="http://schemas.openxmlformats.org/officeDocument/2006/relationships" xmlns:p="http://schemas.openxmlformats.org/presentationml/2006/main">
   <p:cSld>
     <p:spTree>
@@ -7445,7 +10168,7 @@
         </p:nvSpPr>
         <p:spPr>
           <a:xfrm>
-            <a:off x="5391726" y="4393934"/>
+            <a:off x="7038174" y="4510646"/>
             <a:ext cx="2840183" cy="1147885"/>
           </a:xfrm>
           <a:prstGeom prst="roundRect">
@@ -7532,7 +10255,7 @@
 </p:sld>
 </file>
 
-<file path=ppt/slides/slide16.xml><?xml version="1.0" encoding="utf-8"?>
+<file path=ppt/slides/slide25.xml><?xml version="1.0" encoding="utf-8"?>
 <p:sld xmlns:a="http://schemas.openxmlformats.org/drawingml/2006/main" xmlns:r="http://schemas.openxmlformats.org/officeDocument/2006/relationships" xmlns:p="http://schemas.openxmlformats.org/presentationml/2006/main">
   <p:cSld>
     <p:spTree>
@@ -8047,7 +10770,7 @@
 </p:sld>
 </file>
 
-<file path=ppt/slides/slide17.xml><?xml version="1.0" encoding="utf-8"?>
+<file path=ppt/slides/slide26.xml><?xml version="1.0" encoding="utf-8"?>
 <p:sld xmlns:a="http://schemas.openxmlformats.org/drawingml/2006/main" xmlns:r="http://schemas.openxmlformats.org/officeDocument/2006/relationships" xmlns:p="http://schemas.openxmlformats.org/presentationml/2006/main">
   <p:cSld>
     <p:spTree>
@@ -8079,7 +10802,7 @@
         <p:spPr>
           <a:xfrm>
             <a:off x="355758" y="430002"/>
-            <a:ext cx="8341433" cy="2457083"/>
+            <a:ext cx="5141659" cy="3718967"/>
           </a:xfrm>
           <a:prstGeom prst="rect">
             <a:avLst/>
@@ -8101,20 +10824,12 @@
               </a:tabLst>
             </a:pPr>
             <a:r>
-              <a:rPr lang="en-US" sz="1800" b="1">
+              <a:rPr lang="en-US" sz="1800" b="1" dirty="0">
                 <a:solidFill>
                   <a:srgbClr val="58585A"/>
                 </a:solidFill>
               </a:rPr>
-              <a:t>Use </a:t>
-            </a:r>
-            <a:r>
-              <a:rPr lang="en-US" sz="1800" b="1" dirty="0">
-                <a:solidFill>
-                  <a:srgbClr val="58585A"/>
-                </a:solidFill>
-              </a:rPr>
-              <a:t>Division of Rational Expressions</a:t>
+              <a:t>Use Division of Rational Expressions</a:t>
             </a:r>
             <a:endParaRPr lang="en-IN" sz="1800" b="1" dirty="0">
               <a:solidFill>
@@ -8310,7 +11025,7 @@
 </p:sld>
 </file>
 
-<file path=ppt/slides/slide18.xml><?xml version="1.0" encoding="utf-8"?>
+<file path=ppt/slides/slide27.xml><?xml version="1.0" encoding="utf-8"?>
 <p:sld xmlns:a="http://schemas.openxmlformats.org/drawingml/2006/main" xmlns:r="http://schemas.openxmlformats.org/officeDocument/2006/relationships" xmlns:p="http://schemas.openxmlformats.org/presentationml/2006/main">
   <p:cSld>
     <p:spTree>
@@ -9572,12 +12287,12 @@
 </p:sld>
 </file>
 
-<file path=ppt/slides/slide19.xml><?xml version="1.0" encoding="utf-8"?>
+<file path=ppt/slides/slide3.xml><?xml version="1.0" encoding="utf-8"?>
 <p:sld xmlns:a="http://schemas.openxmlformats.org/drawingml/2006/main" xmlns:r="http://schemas.openxmlformats.org/officeDocument/2006/relationships" xmlns:p="http://schemas.openxmlformats.org/presentationml/2006/main">
   <p:cSld>
     <p:spTree>
       <p:nvGrpSpPr>
-        <p:cNvPr id="1" name="Shape 173"/>
+        <p:cNvPr id="1" name=""/>
         <p:cNvGrpSpPr/>
         <p:nvPr/>
       </p:nvGrpSpPr>
@@ -9589,228 +12304,42 @@
           <a:chExt cx="0" cy="0"/>
         </a:xfrm>
       </p:grpSpPr>
-      <p:sp>
-        <p:nvSpPr>
-          <p:cNvPr id="3" name="TextBox 2">
+      <p:pic>
+        <p:nvPicPr>
+          <p:cNvPr id="3" name="Picture 2">
             <a:extLst>
               <a:ext uri="{FF2B5EF4-FFF2-40B4-BE49-F238E27FC236}">
-                <a16:creationId xmlns:a16="http://schemas.microsoft.com/office/drawing/2014/main" id="{104469F7-B064-4972-C4E2-EC72A14DAC7E}"/>
+                <a16:creationId xmlns:a16="http://schemas.microsoft.com/office/drawing/2014/main" id="{6F9A1207-6946-57F4-FABE-6C1DFC5E6D9F}"/>
               </a:ext>
             </a:extLst>
           </p:cNvPr>
-          <p:cNvSpPr txBox="1"/>
+          <p:cNvPicPr>
+            <a:picLocks noChangeAspect="1"/>
+          </p:cNvPicPr>
           <p:nvPr/>
-        </p:nvSpPr>
-        <p:spPr>
-          <a:xfrm>
-            <a:off x="353088" y="344265"/>
-            <a:ext cx="8321209" cy="5062924"/>
+        </p:nvPicPr>
+        <p:blipFill>
+          <a:blip r:embed="rId2"/>
+          <a:stretch>
+            <a:fillRect/>
+          </a:stretch>
+        </p:blipFill>
+        <p:spPr>
+          <a:xfrm>
+            <a:off x="0" y="0"/>
+            <a:ext cx="4601217" cy="4686954"/>
           </a:xfrm>
           <a:prstGeom prst="rect">
             <a:avLst/>
           </a:prstGeom>
-          <a:noFill/>
-        </p:spPr>
-        <p:txBody>
-          <a:bodyPr wrap="square" rIns="36000" rtlCol="0">
-            <a:spAutoFit/>
-          </a:bodyPr>
-          <a:lstStyle/>
-          <a:p>
-            <a:pPr>
-              <a:spcAft>
-                <a:spcPts val="1200"/>
-              </a:spcAft>
-              <a:tabLst>
-                <a:tab pos="2041525" algn="l"/>
-              </a:tabLst>
-            </a:pPr>
-            <a:r>
-              <a:rPr lang="en-IN" sz="1800" b="1" dirty="0">
-                <a:solidFill>
-                  <a:srgbClr val="C61938"/>
-                </a:solidFill>
-              </a:rPr>
-              <a:t>Do You </a:t>
-            </a:r>
-            <a:r>
-              <a:rPr lang="en-IN" sz="1800" b="1" cap="all" dirty="0">
-                <a:solidFill>
-                  <a:srgbClr val="C61938"/>
-                </a:solidFill>
-              </a:rPr>
-              <a:t>Understand</a:t>
-            </a:r>
-            <a:r>
-              <a:rPr lang="en-IN" sz="1800" b="1" dirty="0">
-                <a:solidFill>
-                  <a:srgbClr val="C61938"/>
-                </a:solidFill>
-              </a:rPr>
-              <a:t>?</a:t>
-            </a:r>
-          </a:p>
-          <a:p>
-            <a:pPr marL="360000" indent="-385200">
-              <a:spcAft>
-                <a:spcPts val="1200"/>
-              </a:spcAft>
-              <a:buFont typeface="+mj-lt"/>
-              <a:buAutoNum type="arabicPeriod"/>
-            </a:pPr>
-            <a:r>
-              <a:rPr lang="en-IN" sz="1600" b="1">
-                <a:solidFill>
-                  <a:schemeClr val="bg1"/>
-                </a:solidFill>
-                <a:highlight>
-                  <a:srgbClr val="168446"/>
-                </a:highlight>
-              </a:rPr>
-              <a:t>  </a:t>
-            </a:r>
-            <a:r>
-              <a:rPr lang="en-IN" sz="1600" b="1" cap="all">
-                <a:solidFill>
-                  <a:schemeClr val="bg1"/>
-                </a:solidFill>
-                <a:highlight>
-                  <a:srgbClr val="168446"/>
-                </a:highlight>
-              </a:rPr>
-              <a:t>Essential </a:t>
-            </a:r>
-            <a:r>
-              <a:rPr lang="en-IN" sz="1600" b="1" cap="all" dirty="0">
-                <a:solidFill>
-                  <a:schemeClr val="bg1"/>
-                </a:solidFill>
-                <a:highlight>
-                  <a:srgbClr val="168446"/>
-                </a:highlight>
-              </a:rPr>
-              <a:t>Question</a:t>
-            </a:r>
-            <a:r>
-              <a:rPr lang="en-US" sz="1600" dirty="0"/>
-              <a:t> How does multiplying and dividing fractions help you multiply and divide rational expressions?</a:t>
-            </a:r>
-            <a:endParaRPr lang="fr-FR" sz="1600" dirty="0"/>
-          </a:p>
-          <a:p>
-            <a:pPr marL="360000" indent="-385200">
-              <a:spcAft>
-                <a:spcPts val="1200"/>
-              </a:spcAft>
-              <a:buFont typeface="+mj-lt"/>
-              <a:buAutoNum type="arabicPeriod"/>
-            </a:pPr>
-            <a:r>
-              <a:rPr lang="en-US" sz="1600" b="1" dirty="0">
-                <a:solidFill>
-                  <a:srgbClr val="90057A"/>
-                </a:solidFill>
-              </a:rPr>
-              <a:t>Vocabulary</a:t>
-            </a:r>
-            <a:r>
-              <a:rPr lang="en-US" sz="1600" dirty="0"/>
-              <a:t> In your own words, define </a:t>
-            </a:r>
-            <a:r>
-              <a:rPr lang="en-US" sz="1600" i="1" dirty="0"/>
-              <a:t>rational expression</a:t>
-            </a:r>
-            <a:r>
-              <a:rPr lang="en-US" sz="1600" dirty="0"/>
-              <a:t> and provide an example of a rational expression.</a:t>
-            </a:r>
-          </a:p>
-          <a:p>
-            <a:pPr marL="360000" indent="-385200">
-              <a:spcAft>
-                <a:spcPts val="16200"/>
-              </a:spcAft>
-              <a:buFont typeface="+mj-lt"/>
-              <a:buAutoNum type="arabicPeriod"/>
-            </a:pPr>
-            <a:r>
-              <a:rPr lang="en-US" sz="1600" b="1" dirty="0">
-                <a:solidFill>
-                  <a:srgbClr val="C02B43"/>
-                </a:solidFill>
-              </a:rPr>
-              <a:t>Error Analysis</a:t>
-            </a:r>
-            <a:r>
-              <a:rPr lang="en-US" sz="1600" dirty="0"/>
-              <a:t> A student divided the rational expressions as follows:</a:t>
-            </a:r>
-          </a:p>
-          <a:p>
-            <a:pPr marL="378000" indent="-385200">
-              <a:spcAft>
-                <a:spcPts val="1200"/>
-              </a:spcAft>
-            </a:pPr>
-            <a:r>
-              <a:rPr lang="en-US" sz="1600" dirty="0"/>
-              <a:t>	Describe and correct the errors the student </a:t>
-            </a:r>
-            <a:r>
-              <a:rPr lang="pt-BR" sz="1600" dirty="0" err="1"/>
-              <a:t>made</a:t>
-            </a:r>
-            <a:r>
-              <a:rPr lang="pt-BR" sz="1600" dirty="0"/>
-              <a:t>.</a:t>
-            </a:r>
-          </a:p>
-          <a:p>
-            <a:pPr marL="360000" indent="-385200">
-              <a:spcAft>
-                <a:spcPts val="1200"/>
-              </a:spcAft>
-              <a:buFont typeface="+mj-lt"/>
-              <a:buAutoNum type="arabicPeriod" startAt="4"/>
-            </a:pPr>
-            <a:r>
-              <a:rPr lang="en-US" sz="1600" b="1" dirty="0">
-                <a:solidFill>
-                  <a:srgbClr val="C02B43"/>
-                </a:solidFill>
-              </a:rPr>
-              <a:t>Communicate Precisely </a:t>
-            </a:r>
-            <a:r>
-              <a:rPr lang="en-US" sz="1600" dirty="0"/>
-              <a:t>Why do you have to state the domain when simplifying</a:t>
-            </a:r>
-            <a:br>
-              <a:rPr lang="en-US" sz="1600" dirty="0"/>
-            </a:br>
-            <a:r>
-              <a:rPr lang="en-US" sz="600" dirty="0"/>
-              <a:t> </a:t>
-            </a:r>
-            <a:r>
-              <a:rPr lang="fr-FR" sz="1600" dirty="0"/>
-              <a:t>rational expressions?</a:t>
-            </a:r>
-            <a:endParaRPr lang="en-IN" sz="1600" dirty="0">
-              <a:solidFill>
-                <a:schemeClr val="tx1"/>
-              </a:solidFill>
-            </a:endParaRPr>
-          </a:p>
-        </p:txBody>
-      </p:sp>
+        </p:spPr>
+      </p:pic>
       <p:pic>
         <p:nvPicPr>
-          <p:cNvPr id="4" name="Picture 3">
+          <p:cNvPr id="5" name="Picture 4">
             <a:extLst>
               <a:ext uri="{FF2B5EF4-FFF2-40B4-BE49-F238E27FC236}">
-                <a16:creationId xmlns:a16="http://schemas.microsoft.com/office/drawing/2014/main" id="{A88CF3E0-B758-0F41-5915-025A87718CAE}"/>
+                <a16:creationId xmlns:a16="http://schemas.microsoft.com/office/drawing/2014/main" id="{ECA20230-2771-EC0A-5475-BE92C11C1898}"/>
               </a:ext>
             </a:extLst>
           </p:cNvPr>
@@ -9827,8 +12356,8 @@
         </p:blipFill>
         <p:spPr>
           <a:xfrm>
-            <a:off x="706230" y="2390002"/>
-            <a:ext cx="4426884" cy="2017090"/>
+            <a:off x="4695204" y="3429000"/>
+            <a:ext cx="4448796" cy="3353268"/>
           </a:xfrm>
           <a:prstGeom prst="rect">
             <a:avLst/>
@@ -9838,7 +12367,7 @@
     </p:spTree>
     <p:extLst>
       <p:ext uri="{BB962C8B-B14F-4D97-AF65-F5344CB8AC3E}">
-        <p14:creationId xmlns:p14="http://schemas.microsoft.com/office/powerpoint/2010/main" val="1087053607"/>
+        <p14:creationId xmlns:p14="http://schemas.microsoft.com/office/powerpoint/2010/main" val="2767997547"/>
       </p:ext>
     </p:extLst>
   </p:cSld>
@@ -9848,7 +12377,187 @@
 </p:sld>
 </file>
 
-<file path=ppt/slides/slide2.xml><?xml version="1.0" encoding="utf-8"?>
+<file path=ppt/slides/slide4.xml><?xml version="1.0" encoding="utf-8"?>
+<p:sld xmlns:a="http://schemas.openxmlformats.org/drawingml/2006/main" xmlns:r="http://schemas.openxmlformats.org/officeDocument/2006/relationships" xmlns:p="http://schemas.openxmlformats.org/presentationml/2006/main">
+  <p:cSld>
+    <p:spTree>
+      <p:nvGrpSpPr>
+        <p:cNvPr id="1" name=""/>
+        <p:cNvGrpSpPr/>
+        <p:nvPr/>
+      </p:nvGrpSpPr>
+      <p:grpSpPr>
+        <a:xfrm>
+          <a:off x="0" y="0"/>
+          <a:ext cx="0" cy="0"/>
+          <a:chOff x="0" y="0"/>
+          <a:chExt cx="0" cy="0"/>
+        </a:xfrm>
+      </p:grpSpPr>
+      <p:pic>
+        <p:nvPicPr>
+          <p:cNvPr id="3" name="Picture 2">
+            <a:extLst>
+              <a:ext uri="{FF2B5EF4-FFF2-40B4-BE49-F238E27FC236}">
+                <a16:creationId xmlns:a16="http://schemas.microsoft.com/office/drawing/2014/main" id="{7E19B77D-20F2-8D4C-9124-215A57B55C49}"/>
+              </a:ext>
+            </a:extLst>
+          </p:cNvPr>
+          <p:cNvPicPr>
+            <a:picLocks noChangeAspect="1"/>
+          </p:cNvPicPr>
+          <p:nvPr/>
+        </p:nvPicPr>
+        <p:blipFill>
+          <a:blip r:embed="rId2"/>
+          <a:stretch>
+            <a:fillRect/>
+          </a:stretch>
+        </p:blipFill>
+        <p:spPr>
+          <a:xfrm>
+            <a:off x="0" y="141334"/>
+            <a:ext cx="5779432" cy="3733980"/>
+          </a:xfrm>
+          <a:prstGeom prst="rect">
+            <a:avLst/>
+          </a:prstGeom>
+        </p:spPr>
+      </p:pic>
+      <p:pic>
+        <p:nvPicPr>
+          <p:cNvPr id="5" name="Picture 4">
+            <a:extLst>
+              <a:ext uri="{FF2B5EF4-FFF2-40B4-BE49-F238E27FC236}">
+                <a16:creationId xmlns:a16="http://schemas.microsoft.com/office/drawing/2014/main" id="{8C5D2650-B5C4-0535-F444-5CC4DFDCC443}"/>
+              </a:ext>
+            </a:extLst>
+          </p:cNvPr>
+          <p:cNvPicPr>
+            <a:picLocks noChangeAspect="1"/>
+          </p:cNvPicPr>
+          <p:nvPr/>
+        </p:nvPicPr>
+        <p:blipFill>
+          <a:blip r:embed="rId3"/>
+          <a:stretch>
+            <a:fillRect/>
+          </a:stretch>
+        </p:blipFill>
+        <p:spPr>
+          <a:xfrm>
+            <a:off x="4084563" y="3951514"/>
+            <a:ext cx="5059438" cy="2906486"/>
+          </a:xfrm>
+          <a:prstGeom prst="rect">
+            <a:avLst/>
+          </a:prstGeom>
+        </p:spPr>
+      </p:pic>
+    </p:spTree>
+    <p:extLst>
+      <p:ext uri="{BB962C8B-B14F-4D97-AF65-F5344CB8AC3E}">
+        <p14:creationId xmlns:p14="http://schemas.microsoft.com/office/powerpoint/2010/main" val="2082518436"/>
+      </p:ext>
+    </p:extLst>
+  </p:cSld>
+  <p:clrMapOvr>
+    <a:masterClrMapping/>
+  </p:clrMapOvr>
+</p:sld>
+</file>
+
+<file path=ppt/slides/slide5.xml><?xml version="1.0" encoding="utf-8"?>
+<p:sld xmlns:a="http://schemas.openxmlformats.org/drawingml/2006/main" xmlns:r="http://schemas.openxmlformats.org/officeDocument/2006/relationships" xmlns:p="http://schemas.openxmlformats.org/presentationml/2006/main">
+  <p:cSld>
+    <p:spTree>
+      <p:nvGrpSpPr>
+        <p:cNvPr id="1" name=""/>
+        <p:cNvGrpSpPr/>
+        <p:nvPr/>
+      </p:nvGrpSpPr>
+      <p:grpSpPr>
+        <a:xfrm>
+          <a:off x="0" y="0"/>
+          <a:ext cx="0" cy="0"/>
+          <a:chOff x="0" y="0"/>
+          <a:chExt cx="0" cy="0"/>
+        </a:xfrm>
+      </p:grpSpPr>
+      <p:pic>
+        <p:nvPicPr>
+          <p:cNvPr id="5" name="Picture 4">
+            <a:extLst>
+              <a:ext uri="{FF2B5EF4-FFF2-40B4-BE49-F238E27FC236}">
+                <a16:creationId xmlns:a16="http://schemas.microsoft.com/office/drawing/2014/main" id="{60EECF20-F3CC-171B-B6BF-626F09B8B7A1}"/>
+              </a:ext>
+            </a:extLst>
+          </p:cNvPr>
+          <p:cNvPicPr>
+            <a:picLocks noChangeAspect="1"/>
+          </p:cNvPicPr>
+          <p:nvPr/>
+        </p:nvPicPr>
+        <p:blipFill>
+          <a:blip r:embed="rId2"/>
+          <a:stretch>
+            <a:fillRect/>
+          </a:stretch>
+        </p:blipFill>
+        <p:spPr>
+          <a:xfrm>
+            <a:off x="0" y="84796"/>
+            <a:ext cx="5116286" cy="4565489"/>
+          </a:xfrm>
+          <a:prstGeom prst="rect">
+            <a:avLst/>
+          </a:prstGeom>
+        </p:spPr>
+      </p:pic>
+      <p:pic>
+        <p:nvPicPr>
+          <p:cNvPr id="7" name="Picture 6">
+            <a:extLst>
+              <a:ext uri="{FF2B5EF4-FFF2-40B4-BE49-F238E27FC236}">
+                <a16:creationId xmlns:a16="http://schemas.microsoft.com/office/drawing/2014/main" id="{107EB92B-D5C9-90D9-AF2C-A19742507B30}"/>
+              </a:ext>
+            </a:extLst>
+          </p:cNvPr>
+          <p:cNvPicPr>
+            <a:picLocks noChangeAspect="1"/>
+          </p:cNvPicPr>
+          <p:nvPr/>
+        </p:nvPicPr>
+        <p:blipFill>
+          <a:blip r:embed="rId3"/>
+          <a:stretch>
+            <a:fillRect/>
+          </a:stretch>
+        </p:blipFill>
+        <p:spPr>
+          <a:xfrm>
+            <a:off x="3436621" y="4724401"/>
+            <a:ext cx="5707379" cy="2133600"/>
+          </a:xfrm>
+          <a:prstGeom prst="rect">
+            <a:avLst/>
+          </a:prstGeom>
+        </p:spPr>
+      </p:pic>
+    </p:spTree>
+    <p:extLst>
+      <p:ext uri="{BB962C8B-B14F-4D97-AF65-F5344CB8AC3E}">
+        <p14:creationId xmlns:p14="http://schemas.microsoft.com/office/powerpoint/2010/main" val="353720921"/>
+      </p:ext>
+    </p:extLst>
+  </p:cSld>
+  <p:clrMapOvr>
+    <a:masterClrMapping/>
+  </p:clrMapOvr>
+</p:sld>
+</file>
+
+<file path=ppt/slides/slide6.xml><?xml version="1.0" encoding="utf-8"?>
 <p:sld xmlns:a="http://schemas.openxmlformats.org/drawingml/2006/main" xmlns:r="http://schemas.openxmlformats.org/officeDocument/2006/relationships" xmlns:p="http://schemas.openxmlformats.org/presentationml/2006/main">
   <p:cSld>
     <p:spTree>
@@ -10208,486 +12917,7 @@
 </p:sld>
 </file>
 
-<file path=ppt/slides/slide20.xml><?xml version="1.0" encoding="utf-8"?>
-<p:sld xmlns:a="http://schemas.openxmlformats.org/drawingml/2006/main" xmlns:r="http://schemas.openxmlformats.org/officeDocument/2006/relationships" xmlns:p="http://schemas.openxmlformats.org/presentationml/2006/main">
-  <p:cSld>
-    <p:spTree>
-      <p:nvGrpSpPr>
-        <p:cNvPr id="1" name=""/>
-        <p:cNvGrpSpPr/>
-        <p:nvPr/>
-      </p:nvGrpSpPr>
-      <p:grpSpPr>
-        <a:xfrm>
-          <a:off x="0" y="0"/>
-          <a:ext cx="0" cy="0"/>
-          <a:chOff x="0" y="0"/>
-          <a:chExt cx="0" cy="0"/>
-        </a:xfrm>
-      </p:grpSpPr>
-      <p:sp>
-        <p:nvSpPr>
-          <p:cNvPr id="3" name="TextBox 2">
-            <a:extLst>
-              <a:ext uri="{FF2B5EF4-FFF2-40B4-BE49-F238E27FC236}">
-                <a16:creationId xmlns:a16="http://schemas.microsoft.com/office/drawing/2014/main" id="{E6AD1232-BA55-5F33-4F75-6F7ADC02B49B}"/>
-              </a:ext>
-            </a:extLst>
-          </p:cNvPr>
-          <p:cNvSpPr txBox="1"/>
-          <p:nvPr/>
-        </p:nvSpPr>
-        <p:spPr>
-          <a:xfrm>
-            <a:off x="355757" y="344265"/>
-            <a:ext cx="8425635" cy="4724370"/>
-          </a:xfrm>
-          <a:prstGeom prst="rect">
-            <a:avLst/>
-          </a:prstGeom>
-          <a:noFill/>
-        </p:spPr>
-        <p:txBody>
-          <a:bodyPr wrap="square" rIns="36000" rtlCol="0">
-            <a:spAutoFit/>
-          </a:bodyPr>
-          <a:lstStyle/>
-          <a:p>
-            <a:pPr>
-              <a:spcAft>
-                <a:spcPts val="600"/>
-              </a:spcAft>
-              <a:tabLst>
-                <a:tab pos="2041525" algn="l"/>
-              </a:tabLst>
-            </a:pPr>
-            <a:r>
-              <a:rPr lang="en-IN" sz="1800" b="1" dirty="0">
-                <a:solidFill>
-                  <a:srgbClr val="C61938"/>
-                </a:solidFill>
-              </a:rPr>
-              <a:t>Do You </a:t>
-            </a:r>
-            <a:r>
-              <a:rPr lang="en-IN" sz="1800" b="1" cap="all" dirty="0">
-                <a:solidFill>
-                  <a:srgbClr val="C61938"/>
-                </a:solidFill>
-              </a:rPr>
-              <a:t>Know How</a:t>
-            </a:r>
-            <a:r>
-              <a:rPr lang="en-IN" sz="1800" b="1" dirty="0">
-                <a:solidFill>
-                  <a:srgbClr val="C61938"/>
-                </a:solidFill>
-              </a:rPr>
-              <a:t>?</a:t>
-            </a:r>
-          </a:p>
-          <a:p>
-            <a:pPr marL="360000" indent="-360000">
-              <a:spcAft>
-                <a:spcPts val="1800"/>
-              </a:spcAft>
-              <a:buClrTx/>
-              <a:buFont typeface="+mj-lt"/>
-              <a:buAutoNum type="arabicPeriod" startAt="5"/>
-              <a:tabLst>
-                <a:tab pos="2041525" algn="l"/>
-              </a:tabLst>
-            </a:pPr>
-            <a:r>
-              <a:rPr lang="en-IN" sz="1600" b="1" dirty="0">
-                <a:solidFill>
-                  <a:schemeClr val="tx1"/>
-                </a:solidFill>
-              </a:rPr>
-              <a:t>​</a:t>
-            </a:r>
-            <a:r>
-              <a:rPr lang="en-US" sz="1600" dirty="0">
-                <a:solidFill>
-                  <a:schemeClr val="tx1"/>
-                </a:solidFill>
-              </a:rPr>
-              <a:t>​What is the simplified form of the rational expression                 ? What is the domain?</a:t>
-            </a:r>
-          </a:p>
-          <a:p>
-            <a:pPr>
-              <a:spcAft>
-                <a:spcPts val="1800"/>
-              </a:spcAft>
-              <a:buClr>
-                <a:srgbClr val="0078AE"/>
-              </a:buClr>
-              <a:tabLst>
-                <a:tab pos="2041525" algn="l"/>
-              </a:tabLst>
-            </a:pPr>
-            <a:r>
-              <a:rPr lang="en-US" sz="1600" b="1" dirty="0">
-                <a:solidFill>
-                  <a:schemeClr val="tx1"/>
-                </a:solidFill>
-              </a:rPr>
-              <a:t>Find the simplified form of each product, and state the domain.</a:t>
-            </a:r>
-            <a:endParaRPr lang="en-IN" sz="1600" b="1" dirty="0">
-              <a:solidFill>
-                <a:schemeClr val="tx1"/>
-              </a:solidFill>
-            </a:endParaRPr>
-          </a:p>
-          <a:p>
-            <a:pPr marL="360000" indent="-360000">
-              <a:spcAft>
-                <a:spcPts val="3600"/>
-              </a:spcAft>
-              <a:buClr>
-                <a:schemeClr val="tx1"/>
-              </a:buClr>
-              <a:buFont typeface="+mj-lt"/>
-              <a:buAutoNum type="arabicPeriod" startAt="6"/>
-              <a:tabLst>
-                <a:tab pos="2041525" algn="l"/>
-              </a:tabLst>
-            </a:pPr>
-            <a:r>
-              <a:rPr lang="en-IN" sz="1600" b="1" dirty="0">
-                <a:solidFill>
-                  <a:schemeClr val="tx1"/>
-                </a:solidFill>
-              </a:rPr>
-              <a:t>​</a:t>
-            </a:r>
-            <a:endParaRPr lang="en-IN" sz="1600" dirty="0">
-              <a:solidFill>
-                <a:schemeClr val="tx1"/>
-              </a:solidFill>
-            </a:endParaRPr>
-          </a:p>
-          <a:p>
-            <a:pPr marL="360000" indent="-360000">
-              <a:spcAft>
-                <a:spcPts val="3600"/>
-              </a:spcAft>
-              <a:buClr>
-                <a:schemeClr val="tx1"/>
-              </a:buClr>
-              <a:buFont typeface="+mj-lt"/>
-              <a:buAutoNum type="arabicPeriod" startAt="6"/>
-              <a:tabLst>
-                <a:tab pos="2041525" algn="l"/>
-              </a:tabLst>
-            </a:pPr>
-            <a:r>
-              <a:rPr lang="en-IN" sz="1600" b="1" dirty="0">
-                <a:solidFill>
-                  <a:schemeClr val="tx1"/>
-                </a:solidFill>
-              </a:rPr>
-              <a:t>​</a:t>
-            </a:r>
-          </a:p>
-          <a:p>
-            <a:pPr marL="360000" indent="-360000">
-              <a:spcAft>
-                <a:spcPts val="1800"/>
-              </a:spcAft>
-              <a:buClr>
-                <a:schemeClr val="tx1"/>
-              </a:buClr>
-              <a:buFont typeface="+mj-lt"/>
-              <a:buAutoNum type="arabicPeriod" startAt="6"/>
-              <a:tabLst>
-                <a:tab pos="2041525" algn="l"/>
-              </a:tabLst>
-            </a:pPr>
-            <a:r>
-              <a:rPr lang="en-IN" sz="1600" b="1" dirty="0">
-                <a:solidFill>
-                  <a:schemeClr val="tx1"/>
-                </a:solidFill>
-              </a:rPr>
-              <a:t>​</a:t>
-            </a:r>
-          </a:p>
-          <a:p>
-            <a:pPr>
-              <a:spcAft>
-                <a:spcPts val="1800"/>
-              </a:spcAft>
-              <a:buClr>
-                <a:srgbClr val="0078AE"/>
-              </a:buClr>
-              <a:tabLst>
-                <a:tab pos="2041525" algn="l"/>
-              </a:tabLst>
-            </a:pPr>
-            <a:r>
-              <a:rPr lang="en-US" sz="1600" b="1" dirty="0">
-                <a:solidFill>
-                  <a:schemeClr val="tx1"/>
-                </a:solidFill>
-              </a:rPr>
-              <a:t>Find the simplified form of each quotient, and state the domain.</a:t>
-            </a:r>
-            <a:endParaRPr lang="en-IN" sz="1600" b="1" dirty="0">
-              <a:solidFill>
-                <a:schemeClr val="tx1"/>
-              </a:solidFill>
-            </a:endParaRPr>
-          </a:p>
-          <a:p>
-            <a:pPr marL="360000" indent="-360000">
-              <a:spcAft>
-                <a:spcPts val="3600"/>
-              </a:spcAft>
-              <a:buClr>
-                <a:schemeClr val="tx1"/>
-              </a:buClr>
-              <a:buFont typeface="+mj-lt"/>
-              <a:buAutoNum type="arabicPeriod" startAt="9"/>
-              <a:tabLst>
-                <a:tab pos="2041525" algn="l"/>
-              </a:tabLst>
-            </a:pPr>
-            <a:r>
-              <a:rPr lang="en-IN" sz="1600" b="1" dirty="0">
-                <a:solidFill>
-                  <a:schemeClr val="tx1"/>
-                </a:solidFill>
-              </a:rPr>
-              <a:t>​</a:t>
-            </a:r>
-          </a:p>
-          <a:p>
-            <a:pPr marL="360000" indent="-360000">
-              <a:spcAft>
-                <a:spcPts val="3600"/>
-              </a:spcAft>
-              <a:buClr>
-                <a:schemeClr val="tx1"/>
-              </a:buClr>
-              <a:buFont typeface="+mj-lt"/>
-              <a:buAutoNum type="arabicPeriod" startAt="9"/>
-              <a:tabLst>
-                <a:tab pos="2041525" algn="l"/>
-              </a:tabLst>
-            </a:pPr>
-            <a:r>
-              <a:rPr lang="en-IN" sz="1600" b="1" dirty="0">
-                <a:solidFill>
-                  <a:schemeClr val="tx1"/>
-                </a:solidFill>
-              </a:rPr>
-              <a:t>​</a:t>
-            </a:r>
-            <a:endParaRPr lang="en-IN" sz="1600" dirty="0">
-              <a:solidFill>
-                <a:schemeClr val="tx1"/>
-              </a:solidFill>
-            </a:endParaRPr>
-          </a:p>
-        </p:txBody>
-      </p:sp>
-      <p:pic>
-        <p:nvPicPr>
-          <p:cNvPr id="4" name="Picture 3">
-            <a:extLst>
-              <a:ext uri="{FF2B5EF4-FFF2-40B4-BE49-F238E27FC236}">
-                <a16:creationId xmlns:a16="http://schemas.microsoft.com/office/drawing/2014/main" id="{1C5EFED9-1EF7-1448-E4C7-60A1C593FE25}"/>
-              </a:ext>
-            </a:extLst>
-          </p:cNvPr>
-          <p:cNvPicPr>
-            <a:picLocks noChangeAspect="1"/>
-          </p:cNvPicPr>
-          <p:nvPr/>
-        </p:nvPicPr>
-        <p:blipFill>
-          <a:blip r:embed="rId2"/>
-          <a:stretch>
-            <a:fillRect/>
-          </a:stretch>
-        </p:blipFill>
-        <p:spPr>
-          <a:xfrm>
-            <a:off x="745929" y="1507693"/>
-            <a:ext cx="3164242" cy="674966"/>
-          </a:xfrm>
-          <a:prstGeom prst="rect">
-            <a:avLst/>
-          </a:prstGeom>
-        </p:spPr>
-      </p:pic>
-      <p:pic>
-        <p:nvPicPr>
-          <p:cNvPr id="5" name="Picture 4">
-            <a:extLst>
-              <a:ext uri="{FF2B5EF4-FFF2-40B4-BE49-F238E27FC236}">
-                <a16:creationId xmlns:a16="http://schemas.microsoft.com/office/drawing/2014/main" id="{50664CA9-803B-D6BB-2FDE-C66B6EB257D9}"/>
-              </a:ext>
-            </a:extLst>
-          </p:cNvPr>
-          <p:cNvPicPr>
-            <a:picLocks noChangeAspect="1"/>
-          </p:cNvPicPr>
-          <p:nvPr/>
-        </p:nvPicPr>
-        <p:blipFill>
-          <a:blip r:embed="rId3"/>
-          <a:stretch>
-            <a:fillRect/>
-          </a:stretch>
-        </p:blipFill>
-        <p:spPr>
-          <a:xfrm>
-            <a:off x="743040" y="2218098"/>
-            <a:ext cx="2876584" cy="672514"/>
-          </a:xfrm>
-          <a:prstGeom prst="rect">
-            <a:avLst/>
-          </a:prstGeom>
-        </p:spPr>
-      </p:pic>
-      <p:pic>
-        <p:nvPicPr>
-          <p:cNvPr id="7" name="Picture 6">
-            <a:extLst>
-              <a:ext uri="{FF2B5EF4-FFF2-40B4-BE49-F238E27FC236}">
-                <a16:creationId xmlns:a16="http://schemas.microsoft.com/office/drawing/2014/main" id="{4CD757F5-0CB3-6F23-D3D6-CB6CBA4FE625}"/>
-              </a:ext>
-            </a:extLst>
-          </p:cNvPr>
-          <p:cNvPicPr>
-            <a:picLocks noChangeAspect="1"/>
-          </p:cNvPicPr>
-          <p:nvPr/>
-        </p:nvPicPr>
-        <p:blipFill>
-          <a:blip r:embed="rId4"/>
-          <a:stretch>
-            <a:fillRect/>
-          </a:stretch>
-        </p:blipFill>
-        <p:spPr>
-          <a:xfrm>
-            <a:off x="5311430" y="531021"/>
-            <a:ext cx="1633306" cy="633688"/>
-          </a:xfrm>
-          <a:prstGeom prst="rect">
-            <a:avLst/>
-          </a:prstGeom>
-        </p:spPr>
-      </p:pic>
-      <p:pic>
-        <p:nvPicPr>
-          <p:cNvPr id="8" name="Picture 7">
-            <a:extLst>
-              <a:ext uri="{FF2B5EF4-FFF2-40B4-BE49-F238E27FC236}">
-                <a16:creationId xmlns:a16="http://schemas.microsoft.com/office/drawing/2014/main" id="{27DDB5D7-079B-8747-DF37-5AAFE0EBF020}"/>
-              </a:ext>
-            </a:extLst>
-          </p:cNvPr>
-          <p:cNvPicPr>
-            <a:picLocks noChangeAspect="1"/>
-          </p:cNvPicPr>
-          <p:nvPr/>
-        </p:nvPicPr>
-        <p:blipFill>
-          <a:blip r:embed="rId5"/>
-          <a:stretch>
-            <a:fillRect/>
-          </a:stretch>
-        </p:blipFill>
-        <p:spPr>
-          <a:xfrm>
-            <a:off x="746159" y="4577067"/>
-            <a:ext cx="2876584" cy="618515"/>
-          </a:xfrm>
-          <a:prstGeom prst="rect">
-            <a:avLst/>
-          </a:prstGeom>
-        </p:spPr>
-      </p:pic>
-      <p:pic>
-        <p:nvPicPr>
-          <p:cNvPr id="9" name="Picture 8">
-            <a:extLst>
-              <a:ext uri="{FF2B5EF4-FFF2-40B4-BE49-F238E27FC236}">
-                <a16:creationId xmlns:a16="http://schemas.microsoft.com/office/drawing/2014/main" id="{7B7184DC-5DB6-CF60-1745-84641E42E41A}"/>
-              </a:ext>
-            </a:extLst>
-          </p:cNvPr>
-          <p:cNvPicPr>
-            <a:picLocks noChangeAspect="1"/>
-          </p:cNvPicPr>
-          <p:nvPr/>
-        </p:nvPicPr>
-        <p:blipFill>
-          <a:blip r:embed="rId6"/>
-          <a:stretch>
-            <a:fillRect/>
-          </a:stretch>
-        </p:blipFill>
-        <p:spPr>
-          <a:xfrm>
-            <a:off x="739125" y="2955070"/>
-            <a:ext cx="2876584" cy="643059"/>
-          </a:xfrm>
-          <a:prstGeom prst="rect">
-            <a:avLst/>
-          </a:prstGeom>
-        </p:spPr>
-      </p:pic>
-      <p:pic>
-        <p:nvPicPr>
-          <p:cNvPr id="10" name="Picture 9">
-            <a:extLst>
-              <a:ext uri="{FF2B5EF4-FFF2-40B4-BE49-F238E27FC236}">
-                <a16:creationId xmlns:a16="http://schemas.microsoft.com/office/drawing/2014/main" id="{949398F2-0FF1-5B2A-276F-1C58FFB18281}"/>
-              </a:ext>
-            </a:extLst>
-          </p:cNvPr>
-          <p:cNvPicPr>
-            <a:picLocks noChangeAspect="1"/>
-          </p:cNvPicPr>
-          <p:nvPr/>
-        </p:nvPicPr>
-        <p:blipFill>
-          <a:blip r:embed="rId7"/>
-          <a:stretch>
-            <a:fillRect/>
-          </a:stretch>
-        </p:blipFill>
-        <p:spPr>
-          <a:xfrm>
-            <a:off x="746159" y="3884197"/>
-            <a:ext cx="2876584" cy="613605"/>
-          </a:xfrm>
-          <a:prstGeom prst="rect">
-            <a:avLst/>
-          </a:prstGeom>
-        </p:spPr>
-      </p:pic>
-    </p:spTree>
-    <p:extLst>
-      <p:ext uri="{BB962C8B-B14F-4D97-AF65-F5344CB8AC3E}">
-        <p14:creationId xmlns:p14="http://schemas.microsoft.com/office/powerpoint/2010/main" val="1688341273"/>
-      </p:ext>
-    </p:extLst>
-  </p:cSld>
-  <p:clrMapOvr>
-    <a:masterClrMapping/>
-  </p:clrMapOvr>
-</p:sld>
-</file>
-
-<file path=ppt/slides/slide3.xml><?xml version="1.0" encoding="utf-8"?>
+<file path=ppt/slides/slide7.xml><?xml version="1.0" encoding="utf-8"?>
 <p:sld xmlns:a="http://schemas.openxmlformats.org/drawingml/2006/main" xmlns:r="http://schemas.openxmlformats.org/officeDocument/2006/relationships" xmlns:p="http://schemas.openxmlformats.org/presentationml/2006/main">
   <p:cSld>
     <p:spTree>
@@ -10912,7 +13142,7 @@
         <p:spPr>
           <a:xfrm>
             <a:off x="355758" y="1795835"/>
-            <a:ext cx="8321209" cy="1549142"/>
+            <a:ext cx="8589938" cy="1610697"/>
           </a:xfrm>
           <a:prstGeom prst="rect">
             <a:avLst/>
@@ -11179,114 +13409,6 @@
           </a:prstGeom>
         </p:spPr>
       </p:pic>
-      <p:sp>
-        <p:nvSpPr>
-          <p:cNvPr id="16" name="Rounded Rectangle 9">
-            <a:extLst>
-              <a:ext uri="{FF2B5EF4-FFF2-40B4-BE49-F238E27FC236}">
-                <a16:creationId xmlns:a16="http://schemas.microsoft.com/office/drawing/2014/main" id="{99C69788-FDE7-746C-DDBE-13C06DC627ED}"/>
-              </a:ext>
-            </a:extLst>
-          </p:cNvPr>
-          <p:cNvSpPr/>
-          <p:nvPr/>
-        </p:nvSpPr>
-        <p:spPr>
-          <a:xfrm>
-            <a:off x="3213169" y="3137263"/>
-            <a:ext cx="2842973" cy="1057786"/>
-          </a:xfrm>
-          <a:prstGeom prst="roundRect">
-            <a:avLst/>
-          </a:prstGeom>
-          <a:noFill/>
-          <a:ln w="12700">
-            <a:solidFill>
-              <a:schemeClr val="tx1">
-                <a:lumMod val="50000"/>
-                <a:lumOff val="50000"/>
-              </a:schemeClr>
-            </a:solidFill>
-          </a:ln>
-        </p:spPr>
-        <p:style>
-          <a:lnRef idx="2">
-            <a:schemeClr val="accent1">
-              <a:shade val="50000"/>
-            </a:schemeClr>
-          </a:lnRef>
-          <a:fillRef idx="1">
-            <a:schemeClr val="accent1"/>
-          </a:fillRef>
-          <a:effectRef idx="0">
-            <a:schemeClr val="accent1"/>
-          </a:effectRef>
-          <a:fontRef idx="minor">
-            <a:schemeClr val="lt1"/>
-          </a:fontRef>
-        </p:style>
-        <p:txBody>
-          <a:bodyPr rtlCol="0" anchor="ctr"/>
-          <a:lstStyle/>
-          <a:p>
-            <a:pPr>
-              <a:spcAft>
-                <a:spcPts val="300"/>
-              </a:spcAft>
-            </a:pPr>
-            <a:r>
-              <a:rPr lang="de-DE" sz="1200" b="1" dirty="0">
-                <a:solidFill>
-                  <a:srgbClr val="137F97"/>
-                </a:solidFill>
-              </a:rPr>
-              <a:t>STUDY TIP</a:t>
-            </a:r>
-          </a:p>
-          <a:p>
-            <a:pPr>
-              <a:spcAft>
-                <a:spcPts val="300"/>
-              </a:spcAft>
-            </a:pPr>
-            <a:r>
-              <a:rPr lang="en-US" sz="1200" dirty="0">
-                <a:solidFill>
-                  <a:schemeClr val="tx1"/>
-                </a:solidFill>
-                <a:latin typeface="Arial" panose="020B0604020202020204" pitchFamily="34" charset="0"/>
-                <a:cs typeface="Arial" panose="020B0604020202020204" pitchFamily="34" charset="0"/>
-              </a:rPr>
-              <a:t>You can make equivalent fractions by multiplying or dividing by a form of 1.</a:t>
-            </a:r>
-            <a:br>
-              <a:rPr lang="en-IN" sz="1200" dirty="0">
-                <a:solidFill>
-                  <a:schemeClr val="tx1"/>
-                </a:solidFill>
-                <a:latin typeface="Arial" panose="020B0604020202020204" pitchFamily="34" charset="0"/>
-                <a:cs typeface="Arial" panose="020B0604020202020204" pitchFamily="34" charset="0"/>
-              </a:rPr>
-            </a:br>
-            <a:br>
-              <a:rPr lang="en-IN" sz="1200" dirty="0">
-                <a:solidFill>
-                  <a:schemeClr val="tx1"/>
-                </a:solidFill>
-                <a:latin typeface="Arial" panose="020B0604020202020204" pitchFamily="34" charset="0"/>
-                <a:cs typeface="Arial" panose="020B0604020202020204" pitchFamily="34" charset="0"/>
-              </a:rPr>
-            </a:br>
-            <a:endParaRPr lang="en-US" sz="1200" dirty="0">
-              <a:solidFill>
-                <a:schemeClr val="tx1"/>
-              </a:solidFill>
-              <a:latin typeface="Arial" panose="020B0604020202020204" pitchFamily="34" charset="0"/>
-              <a:cs typeface="Arial" panose="020B0604020202020204" pitchFamily="34" charset="0"/>
-            </a:endParaRPr>
-          </a:p>
-        </p:txBody>
-      </p:sp>
       <p:pic>
         <p:nvPicPr>
           <p:cNvPr id="19" name="Picture 18">
@@ -11309,8 +13431,8 @@
         </p:blipFill>
         <p:spPr>
           <a:xfrm>
-            <a:off x="728472" y="3590486"/>
-            <a:ext cx="1582188" cy="458431"/>
+            <a:off x="710191" y="3542566"/>
+            <a:ext cx="2421740" cy="701687"/>
           </a:xfrm>
           <a:prstGeom prst="rect">
             <a:avLst/>
@@ -11339,8 +13461,8 @@
         </p:blipFill>
         <p:spPr>
           <a:xfrm>
-            <a:off x="1096257" y="4019039"/>
-            <a:ext cx="5432184" cy="1484824"/>
+            <a:off x="527204" y="4218311"/>
+            <a:ext cx="8846938" cy="2418207"/>
           </a:xfrm>
           <a:prstGeom prst="rect">
             <a:avLst/>
@@ -11369,8 +13491,8 @@
         </p:blipFill>
         <p:spPr>
           <a:xfrm>
-            <a:off x="3312887" y="3837250"/>
-            <a:ext cx="1565961" cy="328610"/>
+            <a:off x="6133257" y="3559952"/>
+            <a:ext cx="2198154" cy="461273"/>
           </a:xfrm>
           <a:prstGeom prst="rect">
             <a:avLst/>
@@ -11390,7 +13512,7 @@
 </p:sld>
 </file>
 
-<file path=ppt/slides/slide4.xml><?xml version="1.0" encoding="utf-8"?>
+<file path=ppt/slides/slide8.xml><?xml version="1.0" encoding="utf-8"?>
 <p:sld xmlns:a="http://schemas.openxmlformats.org/drawingml/2006/main" xmlns:r="http://schemas.openxmlformats.org/officeDocument/2006/relationships" xmlns:p="http://schemas.openxmlformats.org/presentationml/2006/main">
   <p:cSld>
     <p:spTree>
@@ -11422,7 +13544,7 @@
         <p:spPr>
           <a:xfrm>
             <a:off x="355758" y="683296"/>
-            <a:ext cx="8321209" cy="928459"/>
+            <a:ext cx="8321209" cy="2467342"/>
           </a:xfrm>
           <a:prstGeom prst="rect">
             <a:avLst/>
@@ -11468,40 +13590,55 @@
             </a:r>
             <a:r>
               <a:rPr lang="en-US" dirty="0"/>
-              <a:t> that are in both domains. Therefore,         is equivalent to </a:t>
+              <a:t> that are in both domains. </a:t>
+            </a:r>
+          </a:p>
+          <a:p>
+            <a:endParaRPr lang="en-US" dirty="0"/>
+          </a:p>
+          <a:p>
+            <a:endParaRPr lang="en-US" dirty="0"/>
+          </a:p>
+          <a:p>
+            <a:endParaRPr lang="en-US" dirty="0"/>
+          </a:p>
+          <a:p>
+            <a:r>
+              <a:rPr lang="en-US" sz="2400" dirty="0"/>
+              <a:t>Therefore,               is equivalent to </a:t>
             </a:r>
             <a:br>
-              <a:rPr lang="en-US" dirty="0"/>
+              <a:rPr lang="en-US" sz="2400" dirty="0"/>
             </a:br>
             <a:r>
-              <a:rPr lang="en-US" dirty="0"/>
+              <a:rPr lang="en-US" sz="2400" dirty="0"/>
               <a:t>                  </a:t>
             </a:r>
             <a:r>
-              <a:rPr lang="en-US" sz="800" dirty="0"/>
+              <a:rPr lang="en-US" sz="1100" dirty="0"/>
               <a:t> </a:t>
             </a:r>
             <a:r>
-              <a:rPr lang="en-US" dirty="0"/>
+              <a:rPr lang="en-US" sz="2400" dirty="0"/>
               <a:t>   over the domain {</a:t>
             </a:r>
             <a:r>
-              <a:rPr lang="en-US" i="1" dirty="0"/>
+              <a:rPr lang="en-US" sz="2400" i="1" dirty="0"/>
               <a:t>x</a:t>
             </a:r>
             <a:r>
-              <a:rPr lang="en-US" dirty="0"/>
+              <a:rPr lang="en-US" sz="2400" dirty="0"/>
               <a:t> | all real numbers where </a:t>
             </a:r>
             <a:r>
-              <a:rPr lang="en-US" i="1" dirty="0"/>
+              <a:rPr lang="en-US" sz="2400" i="1" dirty="0"/>
               <a:t>x</a:t>
             </a:r>
             <a:r>
-              <a:rPr lang="en-US" dirty="0"/>
+              <a:rPr lang="en-US" sz="2400" dirty="0"/>
               <a:t> ≠ 0, 6 or −9}.</a:t>
             </a:r>
-            <a:endParaRPr lang="en-IN" dirty="0"/>
+            <a:endParaRPr lang="en-IN" sz="2400" dirty="0"/>
           </a:p>
         </p:txBody>
       </p:sp>
@@ -11632,8 +13769,8 @@
         </p:blipFill>
         <p:spPr>
           <a:xfrm>
-            <a:off x="6771173" y="1075048"/>
-            <a:ext cx="478715" cy="369179"/>
+            <a:off x="1778667" y="1688429"/>
+            <a:ext cx="1030634" cy="794812"/>
           </a:xfrm>
           <a:prstGeom prst="rect">
             <a:avLst/>
@@ -11662,8 +13799,8 @@
         </p:blipFill>
         <p:spPr>
           <a:xfrm>
-            <a:off x="402255" y="1311653"/>
-            <a:ext cx="1217069" cy="413805"/>
+            <a:off x="5514081" y="1661096"/>
+            <a:ext cx="2418064" cy="822145"/>
           </a:xfrm>
           <a:prstGeom prst="rect">
             <a:avLst/>
@@ -11684,8 +13821,8 @@
         </p:nvSpPr>
         <p:spPr>
           <a:xfrm>
-            <a:off x="452746" y="1902376"/>
-            <a:ext cx="4787288" cy="724710"/>
+            <a:off x="2975608" y="4630002"/>
+            <a:ext cx="5981105" cy="1876410"/>
           </a:xfrm>
           <a:prstGeom prst="roundRect">
             <a:avLst/>
@@ -11726,7 +13863,7 @@
               </a:spcAft>
             </a:pPr>
             <a:r>
-              <a:rPr lang="en-US" sz="1200" b="1" dirty="0">
+              <a:rPr lang="en-US" sz="2000" b="1" dirty="0">
                 <a:solidFill>
                   <a:srgbClr val="C02B43"/>
                 </a:solidFill>
@@ -11741,7 +13878,7 @@
               </a:spcAft>
             </a:pPr>
             <a:r>
-              <a:rPr lang="en-US" sz="1200" dirty="0">
+              <a:rPr lang="en-US" sz="2000" dirty="0">
                 <a:solidFill>
                   <a:schemeClr val="tx1"/>
                 </a:solidFill>
@@ -11750,7 +13887,7 @@
               </a:rPr>
               <a:t>A statement of equivalence between two expressions is an identity. The identity is only valid where both expressions are defined.</a:t>
             </a:r>
-            <a:endParaRPr lang="en-IN" sz="1200" dirty="0">
+            <a:endParaRPr lang="en-IN" sz="2000" dirty="0">
               <a:solidFill>
                 <a:schemeClr val="tx1"/>
               </a:solidFill>
@@ -11773,7 +13910,7 @@
 </p:sld>
 </file>
 
-<file path=ppt/slides/slide5.xml><?xml version="1.0" encoding="utf-8"?>
+<file path=ppt/slides/slide9.xml><?xml version="1.0" encoding="utf-8"?>
 <p:sld xmlns:a="http://schemas.openxmlformats.org/drawingml/2006/main" xmlns:r="http://schemas.openxmlformats.org/officeDocument/2006/relationships" xmlns:p="http://schemas.openxmlformats.org/presentationml/2006/main">
   <p:cSld>
     <p:spTree>
@@ -12042,1500 +14179,6 @@
     <p:extLst>
       <p:ext uri="{BB962C8B-B14F-4D97-AF65-F5344CB8AC3E}">
         <p14:creationId xmlns:p14="http://schemas.microsoft.com/office/powerpoint/2010/main" val="3461112984"/>
-      </p:ext>
-    </p:extLst>
-  </p:cSld>
-  <p:clrMapOvr>
-    <a:masterClrMapping/>
-  </p:clrMapOvr>
-</p:sld>
-</file>
-
-<file path=ppt/slides/slide6.xml><?xml version="1.0" encoding="utf-8"?>
-<p:sld xmlns:a="http://schemas.openxmlformats.org/drawingml/2006/main" xmlns:r="http://schemas.openxmlformats.org/officeDocument/2006/relationships" xmlns:p="http://schemas.openxmlformats.org/presentationml/2006/main">
-  <p:cSld>
-    <p:spTree>
-      <p:nvGrpSpPr>
-        <p:cNvPr id="1" name="Shape 173"/>
-        <p:cNvGrpSpPr/>
-        <p:nvPr/>
-      </p:nvGrpSpPr>
-      <p:grpSpPr>
-        <a:xfrm>
-          <a:off x="0" y="0"/>
-          <a:ext cx="0" cy="0"/>
-          <a:chOff x="0" y="0"/>
-          <a:chExt cx="0" cy="0"/>
-        </a:xfrm>
-      </p:grpSpPr>
-      <p:sp>
-        <p:nvSpPr>
-          <p:cNvPr id="7" name="TextBox 6">
-            <a:extLst>
-              <a:ext uri="{FF2B5EF4-FFF2-40B4-BE49-F238E27FC236}">
-                <a16:creationId xmlns:a16="http://schemas.microsoft.com/office/drawing/2014/main" id="{70E2C1E3-44BF-AB6F-BC9B-49B4647A96C0}"/>
-              </a:ext>
-            </a:extLst>
-          </p:cNvPr>
-          <p:cNvSpPr txBox="1"/>
-          <p:nvPr/>
-        </p:nvSpPr>
-        <p:spPr>
-          <a:xfrm>
-            <a:off x="355758" y="362229"/>
-            <a:ext cx="8321209" cy="4298613"/>
-          </a:xfrm>
-          <a:prstGeom prst="rect">
-            <a:avLst/>
-          </a:prstGeom>
-          <a:noFill/>
-        </p:spPr>
-        <p:txBody>
-          <a:bodyPr wrap="square" rIns="36000" rtlCol="0">
-            <a:spAutoFit/>
-          </a:bodyPr>
-          <a:lstStyle/>
-          <a:p>
-            <a:pPr marL="1608138">
-              <a:spcAft>
-                <a:spcPts val="1000"/>
-              </a:spcAft>
-              <a:tabLst>
-                <a:tab pos="1582738" algn="l"/>
-              </a:tabLst>
-            </a:pPr>
-            <a:r>
-              <a:rPr lang="en-US" sz="1800" b="1" dirty="0">
-                <a:solidFill>
-                  <a:srgbClr val="58585A"/>
-                </a:solidFill>
-              </a:rPr>
-              <a:t>Simplify a Rational Expression</a:t>
-            </a:r>
-          </a:p>
-          <a:p>
-            <a:pPr>
-              <a:spcAft>
-                <a:spcPts val="1800"/>
-              </a:spcAft>
-            </a:pPr>
-            <a:r>
-              <a:rPr lang="en-US" sz="1600" b="1" dirty="0"/>
-              <a:t>What is the simplified form of the rational expression? What is the domain for which the identity between the two expressions is valid?</a:t>
-            </a:r>
-          </a:p>
-          <a:p>
-            <a:endParaRPr lang="en-US" dirty="0"/>
-          </a:p>
-          <a:p>
-            <a:endParaRPr lang="en-US" dirty="0"/>
-          </a:p>
-          <a:p>
-            <a:pPr>
-              <a:spcAft>
-                <a:spcPts val="14400"/>
-              </a:spcAft>
-            </a:pPr>
-            <a:r>
-              <a:rPr lang="en-US" dirty="0"/>
-              <a:t>The </a:t>
-            </a:r>
-            <a:r>
-              <a:rPr lang="en-US" b="1" dirty="0">
-                <a:highlight>
-                  <a:srgbClr val="FFFF00"/>
-                </a:highlight>
-              </a:rPr>
-              <a:t>simplified form of a rational expression</a:t>
-            </a:r>
-            <a:r>
-              <a:rPr lang="en-US" dirty="0"/>
-              <a:t> has no common factors, other than 1, in the numerator and the denominator.</a:t>
-            </a:r>
-          </a:p>
-          <a:p>
-            <a:r>
-              <a:rPr lang="en-US" dirty="0"/>
-              <a:t>    The simplified form of </a:t>
-            </a:r>
-            <a:r>
-              <a:rPr lang="x-none" dirty="0"/>
-              <a:t>                     </a:t>
-            </a:r>
-            <a:r>
-              <a:rPr lang="en-US" dirty="0"/>
-              <a:t>is              for </a:t>
-            </a:r>
-            <a:r>
-              <a:rPr lang="en-US" i="1" dirty="0"/>
-              <a:t>x</a:t>
-            </a:r>
-            <a:r>
-              <a:rPr lang="en-US" dirty="0"/>
-              <a:t> ≠ 2 or –5.</a:t>
-            </a:r>
-            <a:endParaRPr lang="en-US" b="1" dirty="0"/>
-          </a:p>
-        </p:txBody>
-      </p:sp>
-      <p:sp>
-        <p:nvSpPr>
-          <p:cNvPr id="9" name="Rectangle 8">
-            <a:extLst>
-              <a:ext uri="{FF2B5EF4-FFF2-40B4-BE49-F238E27FC236}">
-                <a16:creationId xmlns:a16="http://schemas.microsoft.com/office/drawing/2014/main" id="{5E5CC73E-58B2-77A2-467A-76EB15A50CD3}"/>
-              </a:ext>
-            </a:extLst>
-          </p:cNvPr>
-          <p:cNvSpPr/>
-          <p:nvPr/>
-        </p:nvSpPr>
-        <p:spPr>
-          <a:xfrm>
-            <a:off x="452746" y="404790"/>
-            <a:ext cx="1480557" cy="295175"/>
-          </a:xfrm>
-          <a:prstGeom prst="rect">
-            <a:avLst/>
-          </a:prstGeom>
-          <a:solidFill>
-            <a:srgbClr val="1A4F8D"/>
-          </a:solidFill>
-          <a:ln>
-            <a:noFill/>
-          </a:ln>
-        </p:spPr>
-        <p:style>
-          <a:lnRef idx="2">
-            <a:schemeClr val="accent1">
-              <a:shade val="50000"/>
-            </a:schemeClr>
-          </a:lnRef>
-          <a:fillRef idx="1">
-            <a:schemeClr val="accent1"/>
-          </a:fillRef>
-          <a:effectRef idx="0">
-            <a:schemeClr val="accent1"/>
-          </a:effectRef>
-          <a:fontRef idx="minor">
-            <a:schemeClr val="lt1"/>
-          </a:fontRef>
-        </p:style>
-        <p:txBody>
-          <a:bodyPr wrap="square" tIns="0" bIns="18000" rtlCol="0" anchor="ctr">
-            <a:spAutoFit/>
-          </a:bodyPr>
-          <a:lstStyle/>
-          <a:p>
-            <a:r>
-              <a:rPr lang="en-IN" sz="1800" b="1" cap="all" dirty="0">
-                <a:solidFill>
-                  <a:schemeClr val="bg1"/>
-                </a:solidFill>
-              </a:rPr>
-              <a:t>Example 2</a:t>
-            </a:r>
-            <a:endParaRPr lang="en-US" sz="1800" cap="all" dirty="0"/>
-          </a:p>
-        </p:txBody>
-      </p:sp>
-      <p:sp>
-        <p:nvSpPr>
-          <p:cNvPr id="10" name="Rounded Rectangle 8">
-            <a:extLst>
-              <a:ext uri="{FF2B5EF4-FFF2-40B4-BE49-F238E27FC236}">
-                <a16:creationId xmlns:a16="http://schemas.microsoft.com/office/drawing/2014/main" id="{A3AD9C9D-F8B5-5903-C7E7-F56A8FABF616}"/>
-              </a:ext>
-            </a:extLst>
-          </p:cNvPr>
-          <p:cNvSpPr/>
-          <p:nvPr/>
-        </p:nvSpPr>
-        <p:spPr>
-          <a:xfrm>
-            <a:off x="635015" y="4996119"/>
-            <a:ext cx="3819754" cy="843643"/>
-          </a:xfrm>
-          <a:prstGeom prst="roundRect">
-            <a:avLst/>
-          </a:prstGeom>
-          <a:noFill/>
-          <a:ln w="12700">
-            <a:solidFill>
-              <a:schemeClr val="tx1">
-                <a:lumMod val="50000"/>
-                <a:lumOff val="50000"/>
-              </a:schemeClr>
-            </a:solidFill>
-          </a:ln>
-        </p:spPr>
-        <p:style>
-          <a:lnRef idx="2">
-            <a:schemeClr val="accent1">
-              <a:shade val="50000"/>
-            </a:schemeClr>
-          </a:lnRef>
-          <a:fillRef idx="1">
-            <a:schemeClr val="accent1"/>
-          </a:fillRef>
-          <a:effectRef idx="0">
-            <a:schemeClr val="accent1"/>
-          </a:effectRef>
-          <a:fontRef idx="minor">
-            <a:schemeClr val="lt1"/>
-          </a:fontRef>
-        </p:style>
-        <p:txBody>
-          <a:bodyPr rtlCol="0" anchor="ctr"/>
-          <a:lstStyle/>
-          <a:p>
-            <a:pPr>
-              <a:spcAft>
-                <a:spcPts val="300"/>
-              </a:spcAft>
-            </a:pPr>
-            <a:r>
-              <a:rPr lang="x-none" sz="1200" b="1" dirty="0">
-                <a:solidFill>
-                  <a:srgbClr val="137F97"/>
-                </a:solidFill>
-              </a:rPr>
-              <a:t>COMMON ERROR</a:t>
-            </a:r>
-            <a:endParaRPr lang="en-IN" sz="1200" b="1" dirty="0">
-              <a:solidFill>
-                <a:srgbClr val="137F97"/>
-              </a:solidFill>
-            </a:endParaRPr>
-          </a:p>
-          <a:p>
-            <a:r>
-              <a:rPr lang="en-US" sz="1200" dirty="0">
-                <a:solidFill>
-                  <a:schemeClr val="tx1"/>
-                </a:solidFill>
-                <a:latin typeface="Arial"/>
-                <a:cs typeface="Arial"/>
-              </a:rPr>
-              <a:t>You may not recognize a common factor. Notice that 2 − </a:t>
-            </a:r>
-            <a:r>
-              <a:rPr lang="en-US" sz="1200" i="1" dirty="0">
-                <a:solidFill>
-                  <a:schemeClr val="tx1"/>
-                </a:solidFill>
-                <a:latin typeface="Arial"/>
-                <a:cs typeface="Arial"/>
-              </a:rPr>
-              <a:t>x</a:t>
-            </a:r>
-            <a:r>
-              <a:rPr lang="en-US" sz="1200" dirty="0">
-                <a:solidFill>
-                  <a:schemeClr val="tx1"/>
-                </a:solidFill>
-                <a:latin typeface="Arial"/>
-                <a:cs typeface="Arial"/>
-              </a:rPr>
-              <a:t> = −1 (−2 + </a:t>
-            </a:r>
-            <a:r>
-              <a:rPr lang="en-US" sz="1200" i="1" dirty="0">
-                <a:solidFill>
-                  <a:schemeClr val="tx1"/>
-                </a:solidFill>
-                <a:latin typeface="Arial"/>
-                <a:cs typeface="Arial"/>
-              </a:rPr>
-              <a:t>x</a:t>
-            </a:r>
-            <a:r>
-              <a:rPr lang="en-US" sz="1200" dirty="0">
-                <a:solidFill>
-                  <a:schemeClr val="tx1"/>
-                </a:solidFill>
-                <a:latin typeface="Arial"/>
-                <a:cs typeface="Arial"/>
-              </a:rPr>
-              <a:t>) = −1(</a:t>
-            </a:r>
-            <a:r>
-              <a:rPr lang="en-US" sz="1200" i="1" dirty="0">
-                <a:solidFill>
-                  <a:schemeClr val="tx1"/>
-                </a:solidFill>
-                <a:latin typeface="Arial"/>
-                <a:cs typeface="Arial"/>
-              </a:rPr>
-              <a:t>x</a:t>
-            </a:r>
-            <a:r>
-              <a:rPr lang="en-US" sz="1200" dirty="0">
-                <a:solidFill>
-                  <a:schemeClr val="tx1"/>
-                </a:solidFill>
-                <a:latin typeface="Arial"/>
-                <a:cs typeface="Arial"/>
-              </a:rPr>
-              <a:t> − 2).</a:t>
-            </a:r>
-            <a:endParaRPr lang="en-IN" sz="1200" dirty="0">
-              <a:solidFill>
-                <a:schemeClr val="tx1"/>
-              </a:solidFill>
-              <a:latin typeface="Arial"/>
-              <a:cs typeface="Arial"/>
-            </a:endParaRPr>
-          </a:p>
-        </p:txBody>
-      </p:sp>
-      <p:pic>
-        <p:nvPicPr>
-          <p:cNvPr id="4" name="Picture 3">
-            <a:extLst>
-              <a:ext uri="{FF2B5EF4-FFF2-40B4-BE49-F238E27FC236}">
-                <a16:creationId xmlns:a16="http://schemas.microsoft.com/office/drawing/2014/main" id="{BA103A4A-7C1A-DA8B-F1A2-C90F3E117B9C}"/>
-              </a:ext>
-            </a:extLst>
-          </p:cNvPr>
-          <p:cNvPicPr>
-            <a:picLocks noChangeAspect="1"/>
-          </p:cNvPicPr>
-          <p:nvPr/>
-        </p:nvPicPr>
-        <p:blipFill>
-          <a:blip r:embed="rId3"/>
-          <a:stretch>
-            <a:fillRect/>
-          </a:stretch>
-        </p:blipFill>
-        <p:spPr>
-          <a:xfrm>
-            <a:off x="345963" y="1197547"/>
-            <a:ext cx="1172443" cy="669387"/>
-          </a:xfrm>
-          <a:prstGeom prst="rect">
-            <a:avLst/>
-          </a:prstGeom>
-        </p:spPr>
-      </p:pic>
-      <p:pic>
-        <p:nvPicPr>
-          <p:cNvPr id="12" name="Picture 11">
-            <a:extLst>
-              <a:ext uri="{FF2B5EF4-FFF2-40B4-BE49-F238E27FC236}">
-                <a16:creationId xmlns:a16="http://schemas.microsoft.com/office/drawing/2014/main" id="{2FE67F87-F7DE-E6FA-E2B8-184A274A72B4}"/>
-              </a:ext>
-            </a:extLst>
-          </p:cNvPr>
-          <p:cNvPicPr>
-            <a:picLocks noChangeAspect="1"/>
-          </p:cNvPicPr>
-          <p:nvPr/>
-        </p:nvPicPr>
-        <p:blipFill>
-          <a:blip r:embed="rId4"/>
-          <a:stretch>
-            <a:fillRect/>
-          </a:stretch>
-        </p:blipFill>
-        <p:spPr>
-          <a:xfrm>
-            <a:off x="733143" y="2246955"/>
-            <a:ext cx="5943353" cy="1939197"/>
-          </a:xfrm>
-          <a:prstGeom prst="rect">
-            <a:avLst/>
-          </a:prstGeom>
-        </p:spPr>
-      </p:pic>
-      <p:pic>
-        <p:nvPicPr>
-          <p:cNvPr id="14" name="Picture 13">
-            <a:extLst>
-              <a:ext uri="{FF2B5EF4-FFF2-40B4-BE49-F238E27FC236}">
-                <a16:creationId xmlns:a16="http://schemas.microsoft.com/office/drawing/2014/main" id="{2895DFDD-1FD3-57BA-D1A4-6DBC188C391C}"/>
-              </a:ext>
-            </a:extLst>
-          </p:cNvPr>
-          <p:cNvPicPr>
-            <a:picLocks noChangeAspect="1"/>
-          </p:cNvPicPr>
-          <p:nvPr/>
-        </p:nvPicPr>
-        <p:blipFill>
-          <a:blip r:embed="rId5"/>
-          <a:stretch>
-            <a:fillRect/>
-          </a:stretch>
-        </p:blipFill>
-        <p:spPr>
-          <a:xfrm>
-            <a:off x="2213074" y="4049299"/>
-            <a:ext cx="1294150" cy="527397"/>
-          </a:xfrm>
-          <a:prstGeom prst="rect">
-            <a:avLst/>
-          </a:prstGeom>
-        </p:spPr>
-      </p:pic>
-      <p:pic>
-        <p:nvPicPr>
-          <p:cNvPr id="16" name="Picture 15">
-            <a:extLst>
-              <a:ext uri="{FF2B5EF4-FFF2-40B4-BE49-F238E27FC236}">
-                <a16:creationId xmlns:a16="http://schemas.microsoft.com/office/drawing/2014/main" id="{B2E85158-1417-7959-B375-4882E0455254}"/>
-              </a:ext>
-            </a:extLst>
-          </p:cNvPr>
-          <p:cNvPicPr>
-            <a:picLocks noChangeAspect="1"/>
-          </p:cNvPicPr>
-          <p:nvPr/>
-        </p:nvPicPr>
-        <p:blipFill>
-          <a:blip r:embed="rId6"/>
-          <a:stretch>
-            <a:fillRect/>
-          </a:stretch>
-        </p:blipFill>
-        <p:spPr>
-          <a:xfrm>
-            <a:off x="3561342" y="4041689"/>
-            <a:ext cx="791095" cy="527397"/>
-          </a:xfrm>
-          <a:prstGeom prst="rect">
-            <a:avLst/>
-          </a:prstGeom>
-        </p:spPr>
-      </p:pic>
-    </p:spTree>
-    <p:extLst>
-      <p:ext uri="{BB962C8B-B14F-4D97-AF65-F5344CB8AC3E}">
-        <p14:creationId xmlns:p14="http://schemas.microsoft.com/office/powerpoint/2010/main" val="3072923899"/>
-      </p:ext>
-    </p:extLst>
-  </p:cSld>
-  <p:clrMapOvr>
-    <a:masterClrMapping/>
-  </p:clrMapOvr>
-</p:sld>
-</file>
-
-<file path=ppt/slides/slide7.xml><?xml version="1.0" encoding="utf-8"?>
-<p:sld xmlns:a="http://schemas.openxmlformats.org/drawingml/2006/main" xmlns:r="http://schemas.openxmlformats.org/officeDocument/2006/relationships" xmlns:p="http://schemas.openxmlformats.org/presentationml/2006/main">
-  <p:cSld>
-    <p:spTree>
-      <p:nvGrpSpPr>
-        <p:cNvPr id="1" name="Shape 173"/>
-        <p:cNvGrpSpPr/>
-        <p:nvPr/>
-      </p:nvGrpSpPr>
-      <p:grpSpPr>
-        <a:xfrm>
-          <a:off x="0" y="0"/>
-          <a:ext cx="0" cy="0"/>
-          <a:chOff x="0" y="0"/>
-          <a:chExt cx="0" cy="0"/>
-        </a:xfrm>
-      </p:grpSpPr>
-      <p:sp>
-        <p:nvSpPr>
-          <p:cNvPr id="12" name="TextBox 11">
-            <a:extLst>
-              <a:ext uri="{FF2B5EF4-FFF2-40B4-BE49-F238E27FC236}">
-                <a16:creationId xmlns:a16="http://schemas.microsoft.com/office/drawing/2014/main" id="{4B1FC3DA-2441-859D-1205-74E50B3C43E8}"/>
-              </a:ext>
-            </a:extLst>
-          </p:cNvPr>
-          <p:cNvSpPr txBox="1"/>
-          <p:nvPr/>
-        </p:nvSpPr>
-        <p:spPr>
-          <a:xfrm>
-            <a:off x="355758" y="430002"/>
-            <a:ext cx="8341433" cy="2180084"/>
-          </a:xfrm>
-          <a:prstGeom prst="rect">
-            <a:avLst/>
-          </a:prstGeom>
-          <a:noFill/>
-        </p:spPr>
-        <p:txBody>
-          <a:bodyPr wrap="square" rIns="36000" rtlCol="0">
-            <a:spAutoFit/>
-          </a:bodyPr>
-          <a:lstStyle/>
-          <a:p>
-            <a:pPr marL="1663700">
-              <a:spcAft>
-                <a:spcPts val="2000"/>
-              </a:spcAft>
-              <a:tabLst>
-                <a:tab pos="1582738" algn="l"/>
-              </a:tabLst>
-            </a:pPr>
-            <a:r>
-              <a:rPr lang="en-US" sz="1800" b="1" dirty="0">
-                <a:solidFill>
-                  <a:srgbClr val="58585A"/>
-                </a:solidFill>
-              </a:rPr>
-              <a:t>Simplify a Rational Expression</a:t>
-            </a:r>
-            <a:endParaRPr lang="en-IN" sz="1800" b="1" dirty="0">
-              <a:solidFill>
-                <a:srgbClr val="58585A"/>
-              </a:solidFill>
-            </a:endParaRPr>
-          </a:p>
-          <a:p>
-            <a:pPr marL="1476375" indent="-1466850">
-              <a:spcAft>
-                <a:spcPts val="600"/>
-              </a:spcAft>
-              <a:tabLst>
-                <a:tab pos="1062038" algn="l"/>
-                <a:tab pos="1465263" algn="l"/>
-              </a:tabLst>
-            </a:pPr>
-            <a:r>
-              <a:rPr lang="en-IN" sz="1800" b="1" dirty="0">
-                <a:solidFill>
-                  <a:srgbClr val="D92B31"/>
-                </a:solidFill>
-              </a:rPr>
-              <a:t>Try It!</a:t>
-            </a:r>
-            <a:endParaRPr lang="en-IN" sz="1800" b="1" dirty="0">
-              <a:solidFill>
-                <a:schemeClr val="tx1"/>
-              </a:solidFill>
-            </a:endParaRPr>
-          </a:p>
-          <a:p>
-            <a:pPr marL="360000" indent="-378000">
-              <a:spcAft>
-                <a:spcPts val="1200"/>
-              </a:spcAft>
-              <a:buFont typeface="+mj-lt"/>
-              <a:buAutoNum type="arabicPeriod" startAt="2"/>
-            </a:pPr>
-            <a:r>
-              <a:rPr lang="en-IN" sz="1600" b="1" dirty="0"/>
-              <a:t>​</a:t>
-            </a:r>
-            <a:r>
-              <a:rPr lang="en-US" sz="1600" dirty="0"/>
-              <a:t>Simplify each expression and state the domain.</a:t>
-            </a:r>
-          </a:p>
-          <a:p>
-            <a:pPr marL="720000" indent="-360000">
-              <a:spcAft>
-                <a:spcPts val="2400"/>
-              </a:spcAft>
-              <a:buAutoNum type="alphaLcPeriod"/>
-              <a:tabLst>
-                <a:tab pos="1103313" algn="l"/>
-              </a:tabLst>
-            </a:pPr>
-            <a:r>
-              <a:rPr lang="en-IN" sz="1600" b="1" dirty="0"/>
-              <a:t>​</a:t>
-            </a:r>
-          </a:p>
-          <a:p>
-            <a:pPr marL="702900" indent="-342900">
-              <a:spcAft>
-                <a:spcPts val="15000"/>
-              </a:spcAft>
-              <a:buFont typeface="+mj-lt"/>
-              <a:buAutoNum type="alphaLcPeriod"/>
-              <a:tabLst>
-                <a:tab pos="1103313" algn="l"/>
-              </a:tabLst>
-            </a:pPr>
-            <a:r>
-              <a:rPr lang="en-IN" sz="1600" b="1" dirty="0"/>
-              <a:t>​</a:t>
-            </a:r>
-            <a:endParaRPr lang="en-IN" sz="1600" dirty="0">
-              <a:solidFill>
-                <a:schemeClr val="tx1"/>
-              </a:solidFill>
-            </a:endParaRPr>
-          </a:p>
-        </p:txBody>
-      </p:sp>
-      <p:sp>
-        <p:nvSpPr>
-          <p:cNvPr id="13" name="Rectangle 12">
-            <a:extLst>
-              <a:ext uri="{FF2B5EF4-FFF2-40B4-BE49-F238E27FC236}">
-                <a16:creationId xmlns:a16="http://schemas.microsoft.com/office/drawing/2014/main" id="{0EE158CF-06D1-B093-E7A6-7BEEFCD6F959}"/>
-              </a:ext>
-            </a:extLst>
-          </p:cNvPr>
-          <p:cNvSpPr/>
-          <p:nvPr/>
-        </p:nvSpPr>
-        <p:spPr>
-          <a:xfrm>
-            <a:off x="452746" y="464612"/>
-            <a:ext cx="1480557" cy="295175"/>
-          </a:xfrm>
-          <a:prstGeom prst="rect">
-            <a:avLst/>
-          </a:prstGeom>
-          <a:solidFill>
-            <a:srgbClr val="1A4F8D"/>
-          </a:solidFill>
-          <a:ln>
-            <a:noFill/>
-          </a:ln>
-        </p:spPr>
-        <p:style>
-          <a:lnRef idx="2">
-            <a:schemeClr val="accent1">
-              <a:shade val="50000"/>
-            </a:schemeClr>
-          </a:lnRef>
-          <a:fillRef idx="1">
-            <a:schemeClr val="accent1"/>
-          </a:fillRef>
-          <a:effectRef idx="0">
-            <a:schemeClr val="accent1"/>
-          </a:effectRef>
-          <a:fontRef idx="minor">
-            <a:schemeClr val="lt1"/>
-          </a:fontRef>
-        </p:style>
-        <p:txBody>
-          <a:bodyPr wrap="square" tIns="0" bIns="18000" rtlCol="0" anchor="ctr">
-            <a:spAutoFit/>
-          </a:bodyPr>
-          <a:lstStyle/>
-          <a:p>
-            <a:r>
-              <a:rPr lang="en-IN" sz="1800" b="1" cap="all" dirty="0">
-                <a:solidFill>
-                  <a:schemeClr val="bg1"/>
-                </a:solidFill>
-              </a:rPr>
-              <a:t>Example 2</a:t>
-            </a:r>
-            <a:endParaRPr lang="en-US" sz="1800" cap="all" dirty="0"/>
-          </a:p>
-        </p:txBody>
-      </p:sp>
-      <p:cxnSp>
-        <p:nvCxnSpPr>
-          <p:cNvPr id="14" name="Straight Connector 13">
-            <a:extLst>
-              <a:ext uri="{FF2B5EF4-FFF2-40B4-BE49-F238E27FC236}">
-                <a16:creationId xmlns:a16="http://schemas.microsoft.com/office/drawing/2014/main" id="{5A5C9E4C-53F9-EF3D-FC4E-58368015538B}"/>
-              </a:ext>
-            </a:extLst>
-          </p:cNvPr>
-          <p:cNvCxnSpPr/>
-          <p:nvPr/>
-        </p:nvCxnSpPr>
-        <p:spPr>
-          <a:xfrm>
-            <a:off x="425301" y="894900"/>
-            <a:ext cx="8304028" cy="0"/>
-          </a:xfrm>
-          <a:prstGeom prst="line">
-            <a:avLst/>
-          </a:prstGeom>
-          <a:ln w="25400">
-            <a:solidFill>
-              <a:srgbClr val="0078AE"/>
-            </a:solidFill>
-            <a:prstDash val="dash"/>
-          </a:ln>
-        </p:spPr>
-        <p:style>
-          <a:lnRef idx="1">
-            <a:schemeClr val="accent1"/>
-          </a:lnRef>
-          <a:fillRef idx="0">
-            <a:schemeClr val="accent1"/>
-          </a:fillRef>
-          <a:effectRef idx="0">
-            <a:schemeClr val="accent1"/>
-          </a:effectRef>
-          <a:fontRef idx="minor">
-            <a:schemeClr val="tx1"/>
-          </a:fontRef>
-        </p:style>
-      </p:cxnSp>
-      <p:pic>
-        <p:nvPicPr>
-          <p:cNvPr id="19" name="Picture 18">
-            <a:extLst>
-              <a:ext uri="{FF2B5EF4-FFF2-40B4-BE49-F238E27FC236}">
-                <a16:creationId xmlns:a16="http://schemas.microsoft.com/office/drawing/2014/main" id="{46E3239A-ABE1-F832-BFE2-5F920EE9A501}"/>
-              </a:ext>
-            </a:extLst>
-          </p:cNvPr>
-          <p:cNvPicPr>
-            <a:picLocks noChangeAspect="1"/>
-          </p:cNvPicPr>
-          <p:nvPr/>
-        </p:nvPicPr>
-        <p:blipFill>
-          <a:blip r:embed="rId3"/>
-          <a:stretch>
-            <a:fillRect/>
-          </a:stretch>
-        </p:blipFill>
-        <p:spPr>
-          <a:xfrm>
-            <a:off x="1170790" y="2122409"/>
-            <a:ext cx="1565922" cy="667603"/>
-          </a:xfrm>
-          <a:prstGeom prst="rect">
-            <a:avLst/>
-          </a:prstGeom>
-        </p:spPr>
-      </p:pic>
-      <p:pic>
-        <p:nvPicPr>
-          <p:cNvPr id="21" name="Picture 20">
-            <a:extLst>
-              <a:ext uri="{FF2B5EF4-FFF2-40B4-BE49-F238E27FC236}">
-                <a16:creationId xmlns:a16="http://schemas.microsoft.com/office/drawing/2014/main" id="{F2F773C0-1FE3-C9CA-2DA6-B17B09285D9C}"/>
-              </a:ext>
-            </a:extLst>
-          </p:cNvPr>
-          <p:cNvPicPr>
-            <a:picLocks noChangeAspect="1"/>
-          </p:cNvPicPr>
-          <p:nvPr/>
-        </p:nvPicPr>
-        <p:blipFill>
-          <a:blip r:embed="rId4"/>
-          <a:stretch>
-            <a:fillRect/>
-          </a:stretch>
-        </p:blipFill>
-        <p:spPr>
-          <a:xfrm>
-            <a:off x="1154839" y="1547748"/>
-            <a:ext cx="1389204" cy="667603"/>
-          </a:xfrm>
-          <a:prstGeom prst="rect">
-            <a:avLst/>
-          </a:prstGeom>
-        </p:spPr>
-      </p:pic>
-    </p:spTree>
-    <p:extLst>
-      <p:ext uri="{BB962C8B-B14F-4D97-AF65-F5344CB8AC3E}">
-        <p14:creationId xmlns:p14="http://schemas.microsoft.com/office/powerpoint/2010/main" val="415870373"/>
-      </p:ext>
-    </p:extLst>
-  </p:cSld>
-  <p:clrMapOvr>
-    <a:masterClrMapping/>
-  </p:clrMapOvr>
-</p:sld>
-</file>
-
-<file path=ppt/slides/slide8.xml><?xml version="1.0" encoding="utf-8"?>
-<p:sld xmlns:a="http://schemas.openxmlformats.org/drawingml/2006/main" xmlns:r="http://schemas.openxmlformats.org/officeDocument/2006/relationships" xmlns:p="http://schemas.openxmlformats.org/presentationml/2006/main">
-  <p:cSld>
-    <p:spTree>
-      <p:nvGrpSpPr>
-        <p:cNvPr id="1" name="Shape 173"/>
-        <p:cNvGrpSpPr/>
-        <p:nvPr/>
-      </p:nvGrpSpPr>
-      <p:grpSpPr>
-        <a:xfrm>
-          <a:off x="0" y="0"/>
-          <a:ext cx="0" cy="0"/>
-          <a:chOff x="0" y="0"/>
-          <a:chExt cx="0" cy="0"/>
-        </a:xfrm>
-      </p:grpSpPr>
-      <p:sp>
-        <p:nvSpPr>
-          <p:cNvPr id="11" name="TextBox 10">
-            <a:extLst>
-              <a:ext uri="{FF2B5EF4-FFF2-40B4-BE49-F238E27FC236}">
-                <a16:creationId xmlns:a16="http://schemas.microsoft.com/office/drawing/2014/main" id="{645D4BE6-4696-CAFC-28AE-1A2890C09089}"/>
-              </a:ext>
-            </a:extLst>
-          </p:cNvPr>
-          <p:cNvSpPr txBox="1"/>
-          <p:nvPr/>
-        </p:nvSpPr>
-        <p:spPr>
-          <a:xfrm>
-            <a:off x="355758" y="371581"/>
-            <a:ext cx="8321209" cy="3544560"/>
-          </a:xfrm>
-          <a:prstGeom prst="rect">
-            <a:avLst/>
-          </a:prstGeom>
-          <a:noFill/>
-        </p:spPr>
-        <p:txBody>
-          <a:bodyPr wrap="square" rIns="36000" rtlCol="0">
-            <a:spAutoFit/>
-          </a:bodyPr>
-          <a:lstStyle/>
-          <a:p>
-            <a:pPr marL="1663700">
-              <a:spcAft>
-                <a:spcPts val="1000"/>
-              </a:spcAft>
-              <a:tabLst>
-                <a:tab pos="1582738" algn="l"/>
-              </a:tabLst>
-            </a:pPr>
-            <a:r>
-              <a:rPr lang="en-US" sz="1800" b="1" dirty="0">
-                <a:solidFill>
-                  <a:srgbClr val="58585A"/>
-                </a:solidFill>
-              </a:rPr>
-              <a:t>Multiply Rational Expressions</a:t>
-            </a:r>
-            <a:endParaRPr lang="en-IN" sz="1800" b="1" dirty="0">
-              <a:solidFill>
-                <a:srgbClr val="58585A"/>
-              </a:solidFill>
-            </a:endParaRPr>
-          </a:p>
-          <a:p>
-            <a:pPr marL="342900" indent="-342900">
-              <a:spcAft>
-                <a:spcPts val="1200"/>
-              </a:spcAft>
-              <a:buFont typeface="+mj-lt"/>
-              <a:buAutoNum type="alphaUcPeriod"/>
-            </a:pPr>
-            <a:r>
-              <a:rPr lang="en-US" sz="1600" b="1" dirty="0"/>
-              <a:t>What is the product of      </a:t>
-            </a:r>
-            <a:r>
-              <a:rPr lang="en-US" sz="800" b="1" dirty="0"/>
-              <a:t> </a:t>
-            </a:r>
-            <a:r>
-              <a:rPr lang="en-US" sz="1600" b="1" dirty="0"/>
-              <a:t> and         </a:t>
-            </a:r>
-            <a:endParaRPr lang="mr-IN" sz="1600" b="1" dirty="0"/>
-          </a:p>
-          <a:p>
-            <a:pPr marL="342000">
-              <a:spcAft>
-                <a:spcPts val="15600"/>
-              </a:spcAft>
-            </a:pPr>
-            <a:r>
-              <a:rPr lang="en-US" dirty="0"/>
-              <a:t>To multiply rational expressions, follow a similar method to that for multiplying two numerical fractions.</a:t>
-            </a:r>
-          </a:p>
-          <a:p>
-            <a:pPr marL="342000"/>
-            <a:r>
-              <a:rPr lang="en-US" dirty="0"/>
-              <a:t>The product of        and        is      </a:t>
-            </a:r>
-            <a:r>
-              <a:rPr lang="en-US" sz="800" dirty="0"/>
-              <a:t> </a:t>
-            </a:r>
-            <a:r>
-              <a:rPr lang="en-US" dirty="0"/>
-              <a:t>  for </a:t>
-            </a:r>
-            <a:r>
-              <a:rPr lang="en-US" i="1" dirty="0"/>
-              <a:t>y</a:t>
-            </a:r>
-            <a:r>
-              <a:rPr lang="en-US" dirty="0"/>
-              <a:t> ≠ 0 and </a:t>
-            </a:r>
-            <a:r>
-              <a:rPr lang="en-US" i="1" dirty="0"/>
-              <a:t>z</a:t>
-            </a:r>
-            <a:r>
-              <a:rPr lang="en-US" dirty="0"/>
-              <a:t> ≠ 0. </a:t>
-            </a:r>
-            <a:endParaRPr lang="en-IN" b="1" dirty="0">
-              <a:solidFill>
-                <a:schemeClr val="tx1"/>
-              </a:solidFill>
-            </a:endParaRPr>
-          </a:p>
-        </p:txBody>
-      </p:sp>
-      <p:sp>
-        <p:nvSpPr>
-          <p:cNvPr id="12" name="Rectangle 11">
-            <a:extLst>
-              <a:ext uri="{FF2B5EF4-FFF2-40B4-BE49-F238E27FC236}">
-                <a16:creationId xmlns:a16="http://schemas.microsoft.com/office/drawing/2014/main" id="{7303F1BE-8474-9142-6F40-026927850A88}"/>
-              </a:ext>
-            </a:extLst>
-          </p:cNvPr>
-          <p:cNvSpPr/>
-          <p:nvPr/>
-        </p:nvSpPr>
-        <p:spPr>
-          <a:xfrm>
-            <a:off x="452746" y="414142"/>
-            <a:ext cx="1480557" cy="295175"/>
-          </a:xfrm>
-          <a:prstGeom prst="rect">
-            <a:avLst/>
-          </a:prstGeom>
-          <a:solidFill>
-            <a:srgbClr val="1A4F8D"/>
-          </a:solidFill>
-          <a:ln>
-            <a:noFill/>
-          </a:ln>
-        </p:spPr>
-        <p:style>
-          <a:lnRef idx="2">
-            <a:schemeClr val="accent1">
-              <a:shade val="50000"/>
-            </a:schemeClr>
-          </a:lnRef>
-          <a:fillRef idx="1">
-            <a:schemeClr val="accent1"/>
-          </a:fillRef>
-          <a:effectRef idx="0">
-            <a:schemeClr val="accent1"/>
-          </a:effectRef>
-          <a:fontRef idx="minor">
-            <a:schemeClr val="lt1"/>
-          </a:fontRef>
-        </p:style>
-        <p:txBody>
-          <a:bodyPr wrap="square" tIns="0" bIns="18000" rtlCol="0" anchor="ctr">
-            <a:spAutoFit/>
-          </a:bodyPr>
-          <a:lstStyle/>
-          <a:p>
-            <a:r>
-              <a:rPr lang="en-IN" sz="1800" b="1" cap="all" dirty="0">
-                <a:solidFill>
-                  <a:schemeClr val="bg1"/>
-                </a:solidFill>
-              </a:rPr>
-              <a:t>Example 3</a:t>
-            </a:r>
-            <a:endParaRPr lang="en-US" sz="1800" cap="all" dirty="0"/>
-          </a:p>
-        </p:txBody>
-      </p:sp>
-      <p:pic>
-        <p:nvPicPr>
-          <p:cNvPr id="7" name="Picture 6">
-            <a:extLst>
-              <a:ext uri="{FF2B5EF4-FFF2-40B4-BE49-F238E27FC236}">
-                <a16:creationId xmlns:a16="http://schemas.microsoft.com/office/drawing/2014/main" id="{D4990301-6FBE-05FC-0D09-E4FA27A4DB48}"/>
-              </a:ext>
-            </a:extLst>
-          </p:cNvPr>
-          <p:cNvPicPr>
-            <a:picLocks noChangeAspect="1"/>
-          </p:cNvPicPr>
-          <p:nvPr/>
-        </p:nvPicPr>
-        <p:blipFill>
-          <a:blip r:embed="rId3"/>
-          <a:stretch>
-            <a:fillRect/>
-          </a:stretch>
-        </p:blipFill>
-        <p:spPr>
-          <a:xfrm>
-            <a:off x="3732201" y="727846"/>
-            <a:ext cx="468573" cy="446259"/>
-          </a:xfrm>
-          <a:prstGeom prst="rect">
-            <a:avLst/>
-          </a:prstGeom>
-        </p:spPr>
-      </p:pic>
-      <p:pic>
-        <p:nvPicPr>
-          <p:cNvPr id="15" name="Picture 14">
-            <a:extLst>
-              <a:ext uri="{FF2B5EF4-FFF2-40B4-BE49-F238E27FC236}">
-                <a16:creationId xmlns:a16="http://schemas.microsoft.com/office/drawing/2014/main" id="{32A14A58-85ED-9D1E-9577-07190AAC1616}"/>
-              </a:ext>
-            </a:extLst>
-          </p:cNvPr>
-          <p:cNvPicPr>
-            <a:picLocks noChangeAspect="1"/>
-          </p:cNvPicPr>
-          <p:nvPr/>
-        </p:nvPicPr>
-        <p:blipFill>
-          <a:blip r:embed="rId4"/>
-          <a:stretch>
-            <a:fillRect/>
-          </a:stretch>
-        </p:blipFill>
-        <p:spPr>
-          <a:xfrm>
-            <a:off x="2923126" y="773345"/>
-            <a:ext cx="446259" cy="330231"/>
-          </a:xfrm>
-          <a:prstGeom prst="rect">
-            <a:avLst/>
-          </a:prstGeom>
-        </p:spPr>
-      </p:pic>
-      <p:pic>
-        <p:nvPicPr>
-          <p:cNvPr id="17" name="Picture 16">
-            <a:extLst>
-              <a:ext uri="{FF2B5EF4-FFF2-40B4-BE49-F238E27FC236}">
-                <a16:creationId xmlns:a16="http://schemas.microsoft.com/office/drawing/2014/main" id="{BF9BBC98-7BAA-E75E-E953-901281B7BFFF}"/>
-              </a:ext>
-            </a:extLst>
-          </p:cNvPr>
-          <p:cNvPicPr>
-            <a:picLocks noChangeAspect="1"/>
-          </p:cNvPicPr>
-          <p:nvPr/>
-        </p:nvPicPr>
-        <p:blipFill>
-          <a:blip r:embed="rId5"/>
-          <a:stretch>
-            <a:fillRect/>
-          </a:stretch>
-        </p:blipFill>
-        <p:spPr>
-          <a:xfrm>
-            <a:off x="617351" y="1677795"/>
-            <a:ext cx="5087348" cy="1713633"/>
-          </a:xfrm>
-          <a:prstGeom prst="rect">
-            <a:avLst/>
-          </a:prstGeom>
-        </p:spPr>
-      </p:pic>
-      <p:pic>
-        <p:nvPicPr>
-          <p:cNvPr id="19" name="Picture 18">
-            <a:extLst>
-              <a:ext uri="{FF2B5EF4-FFF2-40B4-BE49-F238E27FC236}">
-                <a16:creationId xmlns:a16="http://schemas.microsoft.com/office/drawing/2014/main" id="{5E016AF4-913D-787D-B4CD-FF9FF2FA50AC}"/>
-              </a:ext>
-            </a:extLst>
-          </p:cNvPr>
-          <p:cNvPicPr>
-            <a:picLocks noChangeAspect="1"/>
-          </p:cNvPicPr>
-          <p:nvPr/>
-        </p:nvPicPr>
-        <p:blipFill>
-          <a:blip r:embed="rId6"/>
-          <a:stretch>
-            <a:fillRect/>
-          </a:stretch>
-        </p:blipFill>
-        <p:spPr>
-          <a:xfrm>
-            <a:off x="3167088" y="3531615"/>
-            <a:ext cx="397170" cy="459647"/>
-          </a:xfrm>
-          <a:prstGeom prst="rect">
-            <a:avLst/>
-          </a:prstGeom>
-        </p:spPr>
-      </p:pic>
-      <p:pic>
-        <p:nvPicPr>
-          <p:cNvPr id="21" name="Picture 20">
-            <a:extLst>
-              <a:ext uri="{FF2B5EF4-FFF2-40B4-BE49-F238E27FC236}">
-                <a16:creationId xmlns:a16="http://schemas.microsoft.com/office/drawing/2014/main" id="{D9C3E011-23BB-E788-FA96-119037C844C2}"/>
-              </a:ext>
-            </a:extLst>
-          </p:cNvPr>
-          <p:cNvPicPr>
-            <a:picLocks noChangeAspect="1"/>
-          </p:cNvPicPr>
-          <p:nvPr/>
-        </p:nvPicPr>
-        <p:blipFill>
-          <a:blip r:embed="rId7"/>
-          <a:stretch>
-            <a:fillRect/>
-          </a:stretch>
-        </p:blipFill>
-        <p:spPr>
-          <a:xfrm>
-            <a:off x="1942346" y="3537722"/>
-            <a:ext cx="428409" cy="397170"/>
-          </a:xfrm>
-          <a:prstGeom prst="rect">
-            <a:avLst/>
-          </a:prstGeom>
-        </p:spPr>
-      </p:pic>
-      <p:pic>
-        <p:nvPicPr>
-          <p:cNvPr id="23" name="Picture 22">
-            <a:extLst>
-              <a:ext uri="{FF2B5EF4-FFF2-40B4-BE49-F238E27FC236}">
-                <a16:creationId xmlns:a16="http://schemas.microsoft.com/office/drawing/2014/main" id="{90678C08-C4DA-0EE0-0C85-31DBA9ECFBEA}"/>
-              </a:ext>
-            </a:extLst>
-          </p:cNvPr>
-          <p:cNvPicPr>
-            <a:picLocks noChangeAspect="1"/>
-          </p:cNvPicPr>
-          <p:nvPr/>
-        </p:nvPicPr>
-        <p:blipFill>
-          <a:blip r:embed="rId8"/>
-          <a:stretch>
-            <a:fillRect/>
-          </a:stretch>
-        </p:blipFill>
-        <p:spPr>
-          <a:xfrm>
-            <a:off x="2642020" y="3531881"/>
-            <a:ext cx="397170" cy="459647"/>
-          </a:xfrm>
-          <a:prstGeom prst="rect">
-            <a:avLst/>
-          </a:prstGeom>
-        </p:spPr>
-      </p:pic>
-    </p:spTree>
-    <p:extLst>
-      <p:ext uri="{BB962C8B-B14F-4D97-AF65-F5344CB8AC3E}">
-        <p14:creationId xmlns:p14="http://schemas.microsoft.com/office/powerpoint/2010/main" val="1925634044"/>
-      </p:ext>
-    </p:extLst>
-  </p:cSld>
-  <p:clrMapOvr>
-    <a:masterClrMapping/>
-  </p:clrMapOvr>
-</p:sld>
-</file>
-
-<file path=ppt/slides/slide9.xml><?xml version="1.0" encoding="utf-8"?>
-<p:sld xmlns:a="http://schemas.openxmlformats.org/drawingml/2006/main" xmlns:r="http://schemas.openxmlformats.org/officeDocument/2006/relationships" xmlns:p="http://schemas.openxmlformats.org/presentationml/2006/main">
-  <p:cSld>
-    <p:spTree>
-      <p:nvGrpSpPr>
-        <p:cNvPr id="1" name="Shape 173"/>
-        <p:cNvGrpSpPr/>
-        <p:nvPr/>
-      </p:nvGrpSpPr>
-      <p:grpSpPr>
-        <a:xfrm>
-          <a:off x="0" y="0"/>
-          <a:ext cx="0" cy="0"/>
-          <a:chOff x="0" y="0"/>
-          <a:chExt cx="0" cy="0"/>
-        </a:xfrm>
-      </p:grpSpPr>
-      <p:sp>
-        <p:nvSpPr>
-          <p:cNvPr id="13" name="Rounded Rectangle 15">
-            <a:extLst>
-              <a:ext uri="{FF2B5EF4-FFF2-40B4-BE49-F238E27FC236}">
-                <a16:creationId xmlns:a16="http://schemas.microsoft.com/office/drawing/2014/main" id="{D5462CDC-E705-FA22-3B89-B09F7A43F8B9}"/>
-              </a:ext>
-            </a:extLst>
-          </p:cNvPr>
-          <p:cNvSpPr/>
-          <p:nvPr/>
-        </p:nvSpPr>
-        <p:spPr>
-          <a:xfrm>
-            <a:off x="762000" y="4209227"/>
-            <a:ext cx="7352632" cy="666107"/>
-          </a:xfrm>
-          <a:prstGeom prst="roundRect">
-            <a:avLst/>
-          </a:prstGeom>
-          <a:noFill/>
-          <a:ln w="12700">
-            <a:solidFill>
-              <a:schemeClr val="tx1">
-                <a:lumMod val="50000"/>
-                <a:lumOff val="50000"/>
-              </a:schemeClr>
-            </a:solidFill>
-          </a:ln>
-        </p:spPr>
-        <p:style>
-          <a:lnRef idx="2">
-            <a:schemeClr val="accent1">
-              <a:shade val="50000"/>
-            </a:schemeClr>
-          </a:lnRef>
-          <a:fillRef idx="1">
-            <a:schemeClr val="accent1"/>
-          </a:fillRef>
-          <a:effectRef idx="0">
-            <a:schemeClr val="accent1"/>
-          </a:effectRef>
-          <a:fontRef idx="minor">
-            <a:schemeClr val="lt1"/>
-          </a:fontRef>
-        </p:style>
-        <p:txBody>
-          <a:bodyPr rtlCol="0" anchor="ctr"/>
-          <a:lstStyle/>
-          <a:p>
-            <a:pPr>
-              <a:spcAft>
-                <a:spcPts val="300"/>
-              </a:spcAft>
-            </a:pPr>
-            <a:r>
-              <a:rPr lang="x-none" sz="1200" b="1" dirty="0">
-                <a:solidFill>
-                  <a:srgbClr val="C02B43"/>
-                </a:solidFill>
-              </a:rPr>
-              <a:t>USE STRUCTURE</a:t>
-            </a:r>
-            <a:endParaRPr lang="en-IN" sz="1200" b="1" dirty="0">
-              <a:solidFill>
-                <a:srgbClr val="C02B43"/>
-              </a:solidFill>
-            </a:endParaRPr>
-          </a:p>
-          <a:p>
-            <a:r>
-              <a:rPr lang="en-US" sz="1200" dirty="0">
-                <a:solidFill>
-                  <a:schemeClr val="tx1"/>
-                </a:solidFill>
-              </a:rPr>
-              <a:t>Notice that the product of rational expressions is a rational expression. How can you use the definition of rational expressions to show that rational expressions are closed under multiplication?</a:t>
-            </a:r>
-            <a:endParaRPr lang="en-IN" sz="1200" dirty="0">
-              <a:solidFill>
-                <a:schemeClr val="tx1"/>
-              </a:solidFill>
-              <a:latin typeface="Arial" panose="020B0604020202020204" pitchFamily="34" charset="0"/>
-              <a:cs typeface="Arial" panose="020B0604020202020204" pitchFamily="34" charset="0"/>
-            </a:endParaRPr>
-          </a:p>
-        </p:txBody>
-      </p:sp>
-      <p:sp>
-        <p:nvSpPr>
-          <p:cNvPr id="14" name="TextBox 13">
-            <a:extLst>
-              <a:ext uri="{FF2B5EF4-FFF2-40B4-BE49-F238E27FC236}">
-                <a16:creationId xmlns:a16="http://schemas.microsoft.com/office/drawing/2014/main" id="{9BA229E2-AEBF-347E-3C5E-8D585A9D9AA6}"/>
-              </a:ext>
-            </a:extLst>
-          </p:cNvPr>
-          <p:cNvSpPr txBox="1"/>
-          <p:nvPr/>
-        </p:nvSpPr>
-        <p:spPr>
-          <a:xfrm>
-            <a:off x="355758" y="371581"/>
-            <a:ext cx="8321209" cy="743793"/>
-          </a:xfrm>
-          <a:prstGeom prst="rect">
-            <a:avLst/>
-          </a:prstGeom>
-          <a:noFill/>
-        </p:spPr>
-        <p:txBody>
-          <a:bodyPr wrap="square" rIns="36000" rtlCol="0">
-            <a:spAutoFit/>
-          </a:bodyPr>
-          <a:lstStyle/>
-          <a:p>
-            <a:pPr marL="1608138">
-              <a:spcAft>
-                <a:spcPts val="1000"/>
-              </a:spcAft>
-              <a:tabLst>
-                <a:tab pos="1582738" algn="l"/>
-              </a:tabLst>
-            </a:pPr>
-            <a:r>
-              <a:rPr lang="en-US" sz="1800" b="1" dirty="0">
-                <a:solidFill>
-                  <a:srgbClr val="58585A"/>
-                </a:solidFill>
-              </a:rPr>
-              <a:t>Multiply Rational Expressions</a:t>
-            </a:r>
-            <a:endParaRPr lang="en-IN" sz="1800" b="1" dirty="0">
-              <a:solidFill>
-                <a:srgbClr val="58585A"/>
-              </a:solidFill>
-            </a:endParaRPr>
-          </a:p>
-          <a:p>
-            <a:pPr marL="342900" indent="-342900">
-              <a:spcAft>
-                <a:spcPts val="20000"/>
-              </a:spcAft>
-              <a:buFont typeface="+mj-lt"/>
-              <a:buAutoNum type="alphaUcPeriod" startAt="2"/>
-            </a:pPr>
-            <a:r>
-              <a:rPr lang="en-US" sz="1600" b="1" dirty="0"/>
-              <a:t>What is the product of                                         </a:t>
-            </a:r>
-            <a:r>
-              <a:rPr lang="en-IN" sz="1600" b="1" dirty="0"/>
-              <a:t>in simplified form?</a:t>
-            </a:r>
-            <a:endParaRPr lang="mr-IN" sz="1600" b="1" dirty="0"/>
-          </a:p>
-        </p:txBody>
-      </p:sp>
-      <p:sp>
-        <p:nvSpPr>
-          <p:cNvPr id="16" name="Rectangle 15">
-            <a:extLst>
-              <a:ext uri="{FF2B5EF4-FFF2-40B4-BE49-F238E27FC236}">
-                <a16:creationId xmlns:a16="http://schemas.microsoft.com/office/drawing/2014/main" id="{7E075FDC-E3DF-8A7E-0CB6-1082927C3B71}"/>
-              </a:ext>
-            </a:extLst>
-          </p:cNvPr>
-          <p:cNvSpPr/>
-          <p:nvPr/>
-        </p:nvSpPr>
-        <p:spPr>
-          <a:xfrm>
-            <a:off x="452746" y="414142"/>
-            <a:ext cx="1480557" cy="295175"/>
-          </a:xfrm>
-          <a:prstGeom prst="rect">
-            <a:avLst/>
-          </a:prstGeom>
-          <a:solidFill>
-            <a:srgbClr val="1A4F8D"/>
-          </a:solidFill>
-          <a:ln>
-            <a:noFill/>
-          </a:ln>
-        </p:spPr>
-        <p:style>
-          <a:lnRef idx="2">
-            <a:schemeClr val="accent1">
-              <a:shade val="50000"/>
-            </a:schemeClr>
-          </a:lnRef>
-          <a:fillRef idx="1">
-            <a:schemeClr val="accent1"/>
-          </a:fillRef>
-          <a:effectRef idx="0">
-            <a:schemeClr val="accent1"/>
-          </a:effectRef>
-          <a:fontRef idx="minor">
-            <a:schemeClr val="lt1"/>
-          </a:fontRef>
-        </p:style>
-        <p:txBody>
-          <a:bodyPr wrap="square" tIns="0" bIns="18000" rtlCol="0" anchor="ctr">
-            <a:spAutoFit/>
-          </a:bodyPr>
-          <a:lstStyle/>
-          <a:p>
-            <a:r>
-              <a:rPr lang="en-IN" sz="1800" b="1" cap="all" dirty="0">
-                <a:solidFill>
-                  <a:schemeClr val="bg1"/>
-                </a:solidFill>
-              </a:rPr>
-              <a:t>Example 3</a:t>
-            </a:r>
-            <a:endParaRPr lang="en-US" sz="1800" cap="all" dirty="0"/>
-          </a:p>
-        </p:txBody>
-      </p:sp>
-      <p:pic>
-        <p:nvPicPr>
-          <p:cNvPr id="5" name="Picture 4">
-            <a:extLst>
-              <a:ext uri="{FF2B5EF4-FFF2-40B4-BE49-F238E27FC236}">
-                <a16:creationId xmlns:a16="http://schemas.microsoft.com/office/drawing/2014/main" id="{B163979E-60F4-C22E-82BB-80D7A90E257C}"/>
-              </a:ext>
-            </a:extLst>
-          </p:cNvPr>
-          <p:cNvPicPr>
-            <a:picLocks noChangeAspect="1"/>
-          </p:cNvPicPr>
-          <p:nvPr/>
-        </p:nvPicPr>
-        <p:blipFill>
-          <a:blip r:embed="rId3"/>
-          <a:stretch>
-            <a:fillRect/>
-          </a:stretch>
-        </p:blipFill>
-        <p:spPr>
-          <a:xfrm>
-            <a:off x="2966482" y="751523"/>
-            <a:ext cx="2289307" cy="526587"/>
-          </a:xfrm>
-          <a:prstGeom prst="rect">
-            <a:avLst/>
-          </a:prstGeom>
-        </p:spPr>
-      </p:pic>
-      <p:pic>
-        <p:nvPicPr>
-          <p:cNvPr id="22" name="Picture 21">
-            <a:extLst>
-              <a:ext uri="{FF2B5EF4-FFF2-40B4-BE49-F238E27FC236}">
-                <a16:creationId xmlns:a16="http://schemas.microsoft.com/office/drawing/2014/main" id="{1DA1F826-A6AE-FA3E-6CBE-729149321B32}"/>
-              </a:ext>
-            </a:extLst>
-          </p:cNvPr>
-          <p:cNvPicPr>
-            <a:picLocks noChangeAspect="1"/>
-          </p:cNvPicPr>
-          <p:nvPr/>
-        </p:nvPicPr>
-        <p:blipFill>
-          <a:blip r:embed="rId4"/>
-          <a:stretch>
-            <a:fillRect/>
-          </a:stretch>
-        </p:blipFill>
-        <p:spPr>
-          <a:xfrm>
-            <a:off x="637576" y="1464476"/>
-            <a:ext cx="6613553" cy="2266994"/>
-          </a:xfrm>
-          <a:prstGeom prst="rect">
-            <a:avLst/>
-          </a:prstGeom>
-        </p:spPr>
-      </p:pic>
-    </p:spTree>
-    <p:extLst>
-      <p:ext uri="{BB962C8B-B14F-4D97-AF65-F5344CB8AC3E}">
-        <p14:creationId xmlns:p14="http://schemas.microsoft.com/office/powerpoint/2010/main" val="261895233"/>
       </p:ext>
     </p:extLst>
   </p:cSld>
